--- a/Presentation Display/Trifold.pptx
+++ b/Presentation Display/Trifold.pptx
@@ -6,6 +6,8 @@
   </p:sldMasterIdLst>
   <p:sldIdLst>
     <p:sldId id="256" r:id="rId2"/>
+    <p:sldId id="257" r:id="rId3"/>
+    <p:sldId id="258" r:id="rId4"/>
   </p:sldIdLst>
   <p:sldSz cx="9144000" cy="6858000" type="screen4x3"/>
   <p:notesSz cx="6858000" cy="9144000"/>
@@ -3097,101 +3099,13 @@
       </p:grpSpPr>
       <p:sp>
         <p:nvSpPr>
-          <p:cNvPr id="5" name="Rectangle 4"/>
-          <p:cNvSpPr/>
-          <p:nvPr/>
-        </p:nvSpPr>
-        <p:spPr>
-          <a:xfrm>
-            <a:off x="0" y="4191000"/>
-            <a:ext cx="2286000" cy="2667000"/>
-          </a:xfrm>
-          <a:prstGeom prst="rect">
-            <a:avLst/>
-          </a:prstGeom>
-        </p:spPr>
-        <p:style>
-          <a:lnRef idx="2">
-            <a:schemeClr val="accent1">
-              <a:shade val="50000"/>
-            </a:schemeClr>
-          </a:lnRef>
-          <a:fillRef idx="1">
-            <a:schemeClr val="accent1"/>
-          </a:fillRef>
-          <a:effectRef idx="0">
-            <a:schemeClr val="accent1"/>
-          </a:effectRef>
-          <a:fontRef idx="minor">
-            <a:schemeClr val="lt1"/>
-          </a:fontRef>
-        </p:style>
-        <p:txBody>
-          <a:bodyPr rtlCol="0" anchor="ctr"/>
-          <a:lstStyle/>
-          <a:p>
-            <a:pPr algn="ctr"/>
-            <a:r>
-              <a:rPr lang="en-US" dirty="0" smtClean="0"/>
-              <a:t>Lessons Learned</a:t>
-            </a:r>
-            <a:endParaRPr lang="en-US" dirty="0"/>
-          </a:p>
-        </p:txBody>
-      </p:sp>
-      <p:sp>
-        <p:nvSpPr>
-          <p:cNvPr id="6" name="Rectangle 5"/>
-          <p:cNvSpPr/>
-          <p:nvPr/>
-        </p:nvSpPr>
-        <p:spPr>
-          <a:xfrm>
-            <a:off x="4588164" y="4191000"/>
-            <a:ext cx="2281382" cy="2666999"/>
-          </a:xfrm>
-          <a:prstGeom prst="rect">
-            <a:avLst/>
-          </a:prstGeom>
-        </p:spPr>
-        <p:style>
-          <a:lnRef idx="2">
-            <a:schemeClr val="accent1">
-              <a:shade val="50000"/>
-            </a:schemeClr>
-          </a:lnRef>
-          <a:fillRef idx="1">
-            <a:schemeClr val="accent1"/>
-          </a:fillRef>
-          <a:effectRef idx="0">
-            <a:schemeClr val="accent1"/>
-          </a:effectRef>
-          <a:fontRef idx="minor">
-            <a:schemeClr val="lt1"/>
-          </a:fontRef>
-        </p:style>
-        <p:txBody>
-          <a:bodyPr rtlCol="0" anchor="ctr"/>
-          <a:lstStyle/>
-          <a:p>
-            <a:pPr algn="ctr"/>
-            <a:r>
-              <a:rPr lang="en-US" dirty="0" smtClean="0"/>
-              <a:t>Architecture</a:t>
-            </a:r>
-            <a:endParaRPr lang="en-US" dirty="0"/>
-          </a:p>
-        </p:txBody>
-      </p:sp>
-      <p:sp>
-        <p:nvSpPr>
           <p:cNvPr id="7" name="Rectangle 6"/>
           <p:cNvSpPr/>
           <p:nvPr/>
         </p:nvSpPr>
         <p:spPr>
           <a:xfrm>
-            <a:off x="6858000" y="4114799"/>
+            <a:off x="6858000" y="4115602"/>
             <a:ext cx="2286000" cy="2743200"/>
           </a:xfrm>
           <a:prstGeom prst="rect">
@@ -3228,108 +3142,13 @@
       </p:sp>
       <p:sp>
         <p:nvSpPr>
-          <p:cNvPr id="8" name="Rectangle 7"/>
-          <p:cNvSpPr/>
-          <p:nvPr/>
-        </p:nvSpPr>
-        <p:spPr>
-          <a:xfrm>
-            <a:off x="6858000" y="1373908"/>
-            <a:ext cx="2286000" cy="2817092"/>
-          </a:xfrm>
-          <a:prstGeom prst="rect">
-            <a:avLst/>
-          </a:prstGeom>
-        </p:spPr>
-        <p:style>
-          <a:lnRef idx="2">
-            <a:schemeClr val="accent1">
-              <a:shade val="50000"/>
-            </a:schemeClr>
-          </a:lnRef>
-          <a:fillRef idx="1">
-            <a:schemeClr val="accent1"/>
-          </a:fillRef>
-          <a:effectRef idx="0">
-            <a:schemeClr val="accent1"/>
-          </a:effectRef>
-          <a:fontRef idx="minor">
-            <a:schemeClr val="lt1"/>
-          </a:fontRef>
-        </p:style>
-        <p:txBody>
-          <a:bodyPr rtlCol="0" anchor="ctr"/>
-          <a:lstStyle/>
-          <a:p>
-            <a:pPr algn="ctr"/>
-            <a:r>
-              <a:rPr lang="en-US" dirty="0" smtClean="0"/>
-              <a:t>Detailed Design</a:t>
-            </a:r>
-            <a:endParaRPr lang="en-US" dirty="0"/>
-          </a:p>
-        </p:txBody>
-      </p:sp>
-      <p:sp>
-        <p:nvSpPr>
-          <p:cNvPr id="9" name="Rectangle 8"/>
-          <p:cNvSpPr/>
-          <p:nvPr/>
-        </p:nvSpPr>
-        <p:spPr>
-          <a:xfrm>
-            <a:off x="2286000" y="1373909"/>
-            <a:ext cx="2302164" cy="2817091"/>
-          </a:xfrm>
-          <a:prstGeom prst="rect">
-            <a:avLst/>
-          </a:prstGeom>
-        </p:spPr>
-        <p:style>
-          <a:lnRef idx="2">
-            <a:schemeClr val="accent1">
-              <a:shade val="50000"/>
-            </a:schemeClr>
-          </a:lnRef>
-          <a:fillRef idx="1">
-            <a:schemeClr val="accent1"/>
-          </a:fillRef>
-          <a:effectRef idx="0">
-            <a:schemeClr val="accent1"/>
-          </a:effectRef>
-          <a:fontRef idx="minor">
-            <a:schemeClr val="lt1"/>
-          </a:fontRef>
-        </p:style>
-        <p:txBody>
-          <a:bodyPr rtlCol="0" anchor="ctr"/>
-          <a:lstStyle/>
-          <a:p>
-            <a:pPr algn="ctr"/>
-            <a:r>
-              <a:rPr lang="en-US" dirty="0" smtClean="0"/>
-              <a:t>Product Concept</a:t>
-            </a:r>
-          </a:p>
-          <a:p>
-            <a:pPr algn="ctr"/>
-            <a:r>
-              <a:rPr lang="en-US" dirty="0" smtClean="0"/>
-              <a:t>Description</a:t>
-            </a:r>
-            <a:endParaRPr lang="en-US" dirty="0"/>
-          </a:p>
-        </p:txBody>
-      </p:sp>
-      <p:sp>
-        <p:nvSpPr>
           <p:cNvPr id="10" name="Rectangle 9"/>
           <p:cNvSpPr/>
           <p:nvPr/>
         </p:nvSpPr>
         <p:spPr>
           <a:xfrm>
-            <a:off x="0" y="1360054"/>
+            <a:off x="38100" y="1180579"/>
             <a:ext cx="2286000" cy="2830945"/>
           </a:xfrm>
           <a:prstGeom prst="rect">
@@ -3365,141 +3184,2198 @@
           </a:p>
         </p:txBody>
       </p:sp>
-      <p:sp>
-        <p:nvSpPr>
-          <p:cNvPr id="11" name="Rectangle 10"/>
-          <p:cNvSpPr/>
+      <p:pic>
+        <p:nvPicPr>
+          <p:cNvPr id="1026" name="Picture 2"/>
+          <p:cNvPicPr>
+            <a:picLocks noChangeAspect="1" noChangeArrowheads="1"/>
+          </p:cNvPicPr>
           <p:nvPr/>
-        </p:nvSpPr>
+        </p:nvPicPr>
+        <p:blipFill>
+          <a:blip r:embed="rId2" cstate="print">
+            <a:extLst>
+              <a:ext uri="{28A0092B-C50C-407E-A947-70E740481C1C}">
+                <a14:useLocalDpi xmlns:a14="http://schemas.microsoft.com/office/drawing/2010/main" val="0"/>
+              </a:ext>
+            </a:extLst>
+          </a:blip>
+          <a:srcRect/>
+          <a:stretch>
+            <a:fillRect/>
+          </a:stretch>
+        </p:blipFill>
+        <p:spPr bwMode="auto">
+          <a:xfrm>
+            <a:off x="4635562" y="1146404"/>
+            <a:ext cx="2017264" cy="2590800"/>
+          </a:xfrm>
+          <a:prstGeom prst="rect">
+            <a:avLst/>
+          </a:prstGeom>
+          <a:noFill/>
+          <a:ln>
+            <a:noFill/>
+          </a:ln>
+          <a:effectLst/>
+          <a:extLst>
+            <a:ext uri="{909E8E84-426E-40DD-AFC4-6F175D3DCCD1}">
+              <a14:hiddenFill xmlns:a14="http://schemas.microsoft.com/office/drawing/2010/main">
+                <a:solidFill>
+                  <a:schemeClr val="accent1"/>
+                </a:solidFill>
+              </a14:hiddenFill>
+            </a:ext>
+            <a:ext uri="{91240B29-F687-4F45-9708-019B960494DF}">
+              <a14:hiddenLine xmlns:a14="http://schemas.microsoft.com/office/drawing/2010/main" w="9525">
+                <a:solidFill>
+                  <a:schemeClr val="tx1"/>
+                </a:solidFill>
+                <a:miter lim="800000"/>
+                <a:headEnd/>
+                <a:tailEnd/>
+              </a14:hiddenLine>
+            </a:ext>
+            <a:ext uri="{AF507438-7753-43E0-B8FC-AC1667EBCBE1}">
+              <a14:hiddenEffects xmlns:a14="http://schemas.microsoft.com/office/drawing/2010/main">
+                <a:effectLst>
+                  <a:outerShdw dist="35921" dir="2700000" algn="ctr" rotWithShape="0">
+                    <a:schemeClr val="bg2"/>
+                  </a:outerShdw>
+                </a:effectLst>
+              </a14:hiddenEffects>
+            </a:ext>
+          </a:extLst>
+        </p:spPr>
+      </p:pic>
+      <p:pic>
+        <p:nvPicPr>
+          <p:cNvPr id="1027" name="Picture 3"/>
+          <p:cNvPicPr>
+            <a:picLocks noChangeAspect="1" noChangeArrowheads="1"/>
+          </p:cNvPicPr>
+          <p:nvPr/>
+        </p:nvPicPr>
+        <p:blipFill>
+          <a:blip r:embed="rId3" cstate="print">
+            <a:extLst>
+              <a:ext uri="{28A0092B-C50C-407E-A947-70E740481C1C}">
+                <a14:useLocalDpi xmlns:a14="http://schemas.microsoft.com/office/drawing/2010/main" val="0"/>
+              </a:ext>
+            </a:extLst>
+          </a:blip>
+          <a:srcRect/>
+          <a:stretch>
+            <a:fillRect/>
+          </a:stretch>
+        </p:blipFill>
+        <p:spPr bwMode="auto">
+          <a:xfrm>
+            <a:off x="4530167" y="3903532"/>
+            <a:ext cx="2228053" cy="2865120"/>
+          </a:xfrm>
+          <a:prstGeom prst="rect">
+            <a:avLst/>
+          </a:prstGeom>
+          <a:noFill/>
+          <a:ln>
+            <a:noFill/>
+          </a:ln>
+          <a:effectLst/>
+          <a:extLst>
+            <a:ext uri="{909E8E84-426E-40DD-AFC4-6F175D3DCCD1}">
+              <a14:hiddenFill xmlns:a14="http://schemas.microsoft.com/office/drawing/2010/main">
+                <a:solidFill>
+                  <a:schemeClr val="accent1"/>
+                </a:solidFill>
+              </a14:hiddenFill>
+            </a:ext>
+            <a:ext uri="{91240B29-F687-4F45-9708-019B960494DF}">
+              <a14:hiddenLine xmlns:a14="http://schemas.microsoft.com/office/drawing/2010/main" w="9525">
+                <a:solidFill>
+                  <a:schemeClr val="tx1"/>
+                </a:solidFill>
+                <a:miter lim="800000"/>
+                <a:headEnd/>
+                <a:tailEnd/>
+              </a14:hiddenLine>
+            </a:ext>
+            <a:ext uri="{AF507438-7753-43E0-B8FC-AC1667EBCBE1}">
+              <a14:hiddenEffects xmlns:a14="http://schemas.microsoft.com/office/drawing/2010/main">
+                <a:effectLst>
+                  <a:outerShdw dist="35921" dir="2700000" algn="ctr" rotWithShape="0">
+                    <a:schemeClr val="bg2"/>
+                  </a:outerShdw>
+                </a:effectLst>
+              </a14:hiddenEffects>
+            </a:ext>
+          </a:extLst>
+        </p:spPr>
+      </p:pic>
+      <p:graphicFrame>
+        <p:nvGraphicFramePr>
+          <p:cNvPr id="17" name="Content Placeholder 3"/>
+          <p:cNvGraphicFramePr>
+            <a:graphicFrameLocks/>
+          </p:cNvGraphicFramePr>
+          <p:nvPr>
+            <p:extLst>
+              <p:ext uri="{D42A27DB-BD31-4B8C-83A1-F6EECF244321}">
+                <p14:modId xmlns:p14="http://schemas.microsoft.com/office/powerpoint/2010/main" val="4021441384"/>
+              </p:ext>
+            </p:extLst>
+          </p:nvPr>
+        </p:nvGraphicFramePr>
+        <p:xfrm>
+          <a:off x="7031383" y="1235419"/>
+          <a:ext cx="2019300" cy="2721265"/>
+        </p:xfrm>
+        <a:graphic>
+          <a:graphicData uri="http://schemas.openxmlformats.org/drawingml/2006/table">
+            <a:tbl>
+              <a:tblPr firstRow="1" bandRow="1">
+                <a:tableStyleId>{5C22544A-7EE6-4342-B048-85BDC9FD1C3A}</a:tableStyleId>
+              </a:tblPr>
+              <a:tblGrid>
+                <a:gridCol w="1009650"/>
+                <a:gridCol w="1009650"/>
+              </a:tblGrid>
+              <a:tr h="218935">
+                <a:tc gridSpan="2">
+                  <a:txBody>
+                    <a:bodyPr/>
+                    <a:lstStyle/>
+                    <a:p>
+                      <a:pPr algn="ctr"/>
+                      <a:r>
+                        <a:rPr lang="en-US" sz="600" dirty="0" smtClean="0"/>
+                        <a:t>Critical Requirements</a:t>
+                      </a:r>
+                      <a:endParaRPr lang="en-US" sz="600" dirty="0"/>
+                    </a:p>
+                  </a:txBody>
+                  <a:tcPr/>
+                </a:tc>
+                <a:tc hMerge="1">
+                  <a:txBody>
+                    <a:bodyPr/>
+                    <a:lstStyle/>
+                    <a:p>
+                      <a:endParaRPr lang="en-US" dirty="0"/>
+                    </a:p>
+                  </a:txBody>
+                  <a:tcPr/>
+                </a:tc>
+              </a:tr>
+              <a:tr h="218935">
+                <a:tc>
+                  <a:txBody>
+                    <a:bodyPr/>
+                    <a:lstStyle/>
+                    <a:p>
+                      <a:r>
+                        <a:rPr lang="en-US" sz="600" dirty="0" smtClean="0"/>
+                        <a:t>3.1 STL File Input</a:t>
+                      </a:r>
+                      <a:endParaRPr lang="en-US" sz="600" dirty="0"/>
+                    </a:p>
+                  </a:txBody>
+                  <a:tcPr/>
+                </a:tc>
+                <a:tc>
+                  <a:txBody>
+                    <a:bodyPr/>
+                    <a:lstStyle/>
+                    <a:p>
+                      <a:pPr algn="ctr"/>
+                      <a:r>
+                        <a:rPr lang="en-US" sz="600" b="1" dirty="0" smtClean="0"/>
+                        <a:t>Completed</a:t>
+                      </a:r>
+                      <a:endParaRPr lang="en-US" sz="600" b="1" dirty="0"/>
+                    </a:p>
+                  </a:txBody>
+                  <a:tcPr>
+                    <a:solidFill>
+                      <a:srgbClr val="00B050"/>
+                    </a:solidFill>
+                  </a:tcPr>
+                </a:tc>
+              </a:tr>
+              <a:tr h="258776">
+                <a:tc>
+                  <a:txBody>
+                    <a:bodyPr/>
+                    <a:lstStyle/>
+                    <a:p>
+                      <a:r>
+                        <a:rPr lang="en-US" sz="600" dirty="0" smtClean="0"/>
+                        <a:t>3.4 Issue Machine Instructions</a:t>
+                      </a:r>
+                      <a:endParaRPr lang="en-US" sz="600" dirty="0"/>
+                    </a:p>
+                  </a:txBody>
+                  <a:tcPr/>
+                </a:tc>
+                <a:tc>
+                  <a:txBody>
+                    <a:bodyPr/>
+                    <a:lstStyle/>
+                    <a:p>
+                      <a:pPr algn="ctr"/>
+                      <a:r>
+                        <a:rPr lang="en-US" sz="600" b="1" dirty="0" smtClean="0"/>
+                        <a:t>Partially Completed</a:t>
+                      </a:r>
+                      <a:endParaRPr lang="en-US" sz="600" b="1" dirty="0"/>
+                    </a:p>
+                  </a:txBody>
+                  <a:tcPr>
+                    <a:solidFill>
+                      <a:srgbClr val="FFFF00"/>
+                    </a:solidFill>
+                  </a:tcPr>
+                </a:tc>
+              </a:tr>
+              <a:tr h="218935">
+                <a:tc>
+                  <a:txBody>
+                    <a:bodyPr/>
+                    <a:lstStyle/>
+                    <a:p>
+                      <a:r>
+                        <a:rPr lang="en-US" sz="600" dirty="0" smtClean="0"/>
+                        <a:t>3.5 Monitor Temperature</a:t>
+                      </a:r>
+                      <a:endParaRPr lang="en-US" sz="600" dirty="0"/>
+                    </a:p>
+                  </a:txBody>
+                  <a:tcPr/>
+                </a:tc>
+                <a:tc>
+                  <a:txBody>
+                    <a:bodyPr/>
+                    <a:lstStyle/>
+                    <a:p>
+                      <a:pPr algn="ctr"/>
+                      <a:r>
+                        <a:rPr lang="en-US" sz="600" b="1" dirty="0" smtClean="0"/>
+                        <a:t>Completed</a:t>
+                      </a:r>
+                      <a:endParaRPr lang="en-US" sz="600" b="1" dirty="0"/>
+                    </a:p>
+                  </a:txBody>
+                  <a:tcPr>
+                    <a:solidFill>
+                      <a:srgbClr val="00B050"/>
+                    </a:solidFill>
+                  </a:tcPr>
+                </a:tc>
+              </a:tr>
+              <a:tr h="218935">
+                <a:tc>
+                  <a:txBody>
+                    <a:bodyPr/>
+                    <a:lstStyle/>
+                    <a:p>
+                      <a:r>
+                        <a:rPr lang="en-US" sz="600" dirty="0" smtClean="0"/>
+                        <a:t>3.6 Monitor Position</a:t>
+                      </a:r>
+                      <a:endParaRPr lang="en-US" sz="600" dirty="0"/>
+                    </a:p>
+                  </a:txBody>
+                  <a:tcPr/>
+                </a:tc>
+                <a:tc>
+                  <a:txBody>
+                    <a:bodyPr/>
+                    <a:lstStyle/>
+                    <a:p>
+                      <a:pPr algn="ctr"/>
+                      <a:r>
+                        <a:rPr lang="en-US" sz="600" b="1" dirty="0" smtClean="0"/>
+                        <a:t>Completed</a:t>
+                      </a:r>
+                      <a:endParaRPr lang="en-US" sz="600" b="1" dirty="0"/>
+                    </a:p>
+                  </a:txBody>
+                  <a:tcPr>
+                    <a:solidFill>
+                      <a:srgbClr val="00B050"/>
+                    </a:solidFill>
+                  </a:tcPr>
+                </a:tc>
+              </a:tr>
+              <a:tr h="218935">
+                <a:tc>
+                  <a:txBody>
+                    <a:bodyPr/>
+                    <a:lstStyle/>
+                    <a:p>
+                      <a:r>
+                        <a:rPr lang="en-US" sz="600" dirty="0" smtClean="0"/>
+                        <a:t>3.8 Identify Materials</a:t>
+                      </a:r>
+                      <a:endParaRPr lang="en-US" sz="600" dirty="0"/>
+                    </a:p>
+                  </a:txBody>
+                  <a:tcPr/>
+                </a:tc>
+                <a:tc>
+                  <a:txBody>
+                    <a:bodyPr/>
+                    <a:lstStyle/>
+                    <a:p>
+                      <a:pPr algn="ctr"/>
+                      <a:r>
+                        <a:rPr lang="en-US" sz="600" b="1" dirty="0" smtClean="0"/>
+                        <a:t>Completed</a:t>
+                      </a:r>
+                    </a:p>
+                  </a:txBody>
+                  <a:tcPr>
+                    <a:solidFill>
+                      <a:srgbClr val="00B050"/>
+                    </a:solidFill>
+                  </a:tcPr>
+                </a:tc>
+              </a:tr>
+              <a:tr h="218935">
+                <a:tc>
+                  <a:txBody>
+                    <a:bodyPr/>
+                    <a:lstStyle/>
+                    <a:p>
+                      <a:r>
+                        <a:rPr lang="en-US" sz="600" dirty="0" smtClean="0"/>
+                        <a:t>3.9 Identify Shapes</a:t>
+                      </a:r>
+                      <a:endParaRPr lang="en-US" sz="600" dirty="0"/>
+                    </a:p>
+                  </a:txBody>
+                  <a:tcPr/>
+                </a:tc>
+                <a:tc>
+                  <a:txBody>
+                    <a:bodyPr/>
+                    <a:lstStyle/>
+                    <a:p>
+                      <a:pPr algn="ctr"/>
+                      <a:r>
+                        <a:rPr lang="en-US" sz="600" b="1" dirty="0" smtClean="0"/>
+                        <a:t>Completed</a:t>
+                      </a:r>
+                      <a:endParaRPr lang="en-US" sz="600" b="1" dirty="0"/>
+                    </a:p>
+                  </a:txBody>
+                  <a:tcPr>
+                    <a:solidFill>
+                      <a:srgbClr val="00B050"/>
+                    </a:solidFill>
+                  </a:tcPr>
+                </a:tc>
+              </a:tr>
+              <a:tr h="258776">
+                <a:tc>
+                  <a:txBody>
+                    <a:bodyPr/>
+                    <a:lstStyle/>
+                    <a:p>
+                      <a:r>
+                        <a:rPr lang="en-US" sz="600" dirty="0" smtClean="0"/>
+                        <a:t>3.10 Determine Shape of Support Material Structure</a:t>
+                      </a:r>
+                      <a:endParaRPr lang="en-US" sz="600" dirty="0"/>
+                    </a:p>
+                  </a:txBody>
+                  <a:tcPr/>
+                </a:tc>
+                <a:tc>
+                  <a:txBody>
+                    <a:bodyPr/>
+                    <a:lstStyle/>
+                    <a:p>
+                      <a:pPr algn="ctr"/>
+                      <a:r>
+                        <a:rPr lang="en-US" sz="600" b="1" dirty="0" smtClean="0"/>
+                        <a:t>Completed</a:t>
+                      </a:r>
+                      <a:endParaRPr lang="en-US" sz="600" b="1" dirty="0"/>
+                    </a:p>
+                  </a:txBody>
+                  <a:tcPr>
+                    <a:solidFill>
+                      <a:srgbClr val="00B050"/>
+                    </a:solidFill>
+                  </a:tcPr>
+                </a:tc>
+              </a:tr>
+              <a:tr h="218935">
+                <a:tc>
+                  <a:txBody>
+                    <a:bodyPr/>
+                    <a:lstStyle/>
+                    <a:p>
+                      <a:r>
+                        <a:rPr lang="en-US" sz="600" dirty="0" smtClean="0"/>
+                        <a:t>3.11 Create Printing Path</a:t>
+                      </a:r>
+                      <a:endParaRPr lang="en-US" sz="600" dirty="0"/>
+                    </a:p>
+                  </a:txBody>
+                  <a:tcPr/>
+                </a:tc>
+                <a:tc>
+                  <a:txBody>
+                    <a:bodyPr/>
+                    <a:lstStyle/>
+                    <a:p>
+                      <a:pPr algn="ctr"/>
+                      <a:r>
+                        <a:rPr lang="en-US" sz="600" b="1" dirty="0" smtClean="0"/>
+                        <a:t>Completed</a:t>
+                      </a:r>
+                      <a:endParaRPr lang="en-US" sz="600" b="1" dirty="0"/>
+                    </a:p>
+                  </a:txBody>
+                  <a:tcPr>
+                    <a:solidFill>
+                      <a:srgbClr val="00B050"/>
+                    </a:solidFill>
+                  </a:tcPr>
+                </a:tc>
+              </a:tr>
+              <a:tr h="258776">
+                <a:tc>
+                  <a:txBody>
+                    <a:bodyPr/>
+                    <a:lstStyle/>
+                    <a:p>
+                      <a:r>
+                        <a:rPr lang="en-US" sz="600" dirty="0" smtClean="0"/>
+                        <a:t>3.14 Slice Geometry</a:t>
+                      </a:r>
+                      <a:r>
+                        <a:rPr lang="en-US" sz="600" baseline="0" dirty="0" smtClean="0"/>
+                        <a:t> into Thickness Levels</a:t>
+                      </a:r>
+                      <a:endParaRPr lang="en-US" sz="600" dirty="0"/>
+                    </a:p>
+                  </a:txBody>
+                  <a:tcPr/>
+                </a:tc>
+                <a:tc>
+                  <a:txBody>
+                    <a:bodyPr/>
+                    <a:lstStyle/>
+                    <a:p>
+                      <a:pPr algn="ctr"/>
+                      <a:r>
+                        <a:rPr lang="en-US" sz="600" b="1" dirty="0" smtClean="0"/>
+                        <a:t>Completed</a:t>
+                      </a:r>
+                      <a:endParaRPr lang="en-US" sz="600" b="1" dirty="0"/>
+                    </a:p>
+                  </a:txBody>
+                  <a:tcPr>
+                    <a:solidFill>
+                      <a:srgbClr val="00B050"/>
+                    </a:solidFill>
+                  </a:tcPr>
+                </a:tc>
+              </a:tr>
+              <a:tr h="258776">
+                <a:tc>
+                  <a:txBody>
+                    <a:bodyPr/>
+                    <a:lstStyle/>
+                    <a:p>
+                      <a:r>
+                        <a:rPr lang="en-US" sz="600" dirty="0" smtClean="0"/>
+                        <a:t>3.17 Allow for UV Head Polymerization</a:t>
+                      </a:r>
+                      <a:endParaRPr lang="en-US" sz="600" dirty="0"/>
+                    </a:p>
+                  </a:txBody>
+                  <a:tcPr/>
+                </a:tc>
+                <a:tc>
+                  <a:txBody>
+                    <a:bodyPr/>
+                    <a:lstStyle/>
+                    <a:p>
+                      <a:pPr algn="ctr"/>
+                      <a:r>
+                        <a:rPr lang="en-US" sz="600" b="1" dirty="0" smtClean="0"/>
+                        <a:t>Completed</a:t>
+                      </a:r>
+                      <a:endParaRPr lang="en-US" sz="600" b="1" dirty="0"/>
+                    </a:p>
+                  </a:txBody>
+                  <a:tcPr>
+                    <a:solidFill>
+                      <a:srgbClr val="00B050"/>
+                    </a:solidFill>
+                  </a:tcPr>
+                </a:tc>
+              </a:tr>
+            </a:tbl>
+          </a:graphicData>
+        </a:graphic>
+      </p:graphicFrame>
+      <p:graphicFrame>
+        <p:nvGraphicFramePr>
+          <p:cNvPr id="18" name="Table 17"/>
+          <p:cNvGraphicFramePr>
+            <a:graphicFrameLocks noGrp="1"/>
+          </p:cNvGraphicFramePr>
+          <p:nvPr>
+            <p:extLst>
+              <p:ext uri="{D42A27DB-BD31-4B8C-83A1-F6EECF244321}">
+                <p14:modId xmlns:p14="http://schemas.microsoft.com/office/powerpoint/2010/main" val="3511688663"/>
+              </p:ext>
+            </p:extLst>
+          </p:nvPr>
+        </p:nvGraphicFramePr>
+        <p:xfrm>
+          <a:off x="2436933" y="4221572"/>
+          <a:ext cx="2088530" cy="2278380"/>
+        </p:xfrm>
+        <a:graphic>
+          <a:graphicData uri="http://schemas.openxmlformats.org/drawingml/2006/table">
+            <a:tbl>
+              <a:tblPr firstRow="1" firstCol="1" bandRow="1">
+                <a:tableStyleId>{5C22544A-7EE6-4342-B048-85BDC9FD1C3A}</a:tableStyleId>
+              </a:tblPr>
+              <a:tblGrid>
+                <a:gridCol w="778244"/>
+                <a:gridCol w="551997"/>
+                <a:gridCol w="758289"/>
+              </a:tblGrid>
+              <a:tr h="139557">
+                <a:tc>
+                  <a:txBody>
+                    <a:bodyPr/>
+                    <a:lstStyle/>
+                    <a:p>
+                      <a:pPr marL="0" marR="0">
+                        <a:spcBef>
+                          <a:spcPts val="600"/>
+                        </a:spcBef>
+                        <a:spcAft>
+                          <a:spcPts val="0"/>
+                        </a:spcAft>
+                      </a:pPr>
+                      <a:r>
+                        <a:rPr lang="en-US" sz="500" dirty="0">
+                          <a:effectLst/>
+                        </a:rPr>
+                        <a:t>Role</a:t>
+                      </a:r>
+                      <a:endParaRPr lang="en-US" sz="500" dirty="0">
+                        <a:effectLst/>
+                        <a:latin typeface="Times New Roman"/>
+                        <a:ea typeface="Times New Roman"/>
+                      </a:endParaRPr>
+                    </a:p>
+                  </a:txBody>
+                  <a:tcPr marL="48986" marR="48986" marT="0" marB="0"/>
+                </a:tc>
+                <a:tc>
+                  <a:txBody>
+                    <a:bodyPr/>
+                    <a:lstStyle/>
+                    <a:p>
+                      <a:pPr marL="0" marR="0">
+                        <a:spcBef>
+                          <a:spcPts val="600"/>
+                        </a:spcBef>
+                        <a:spcAft>
+                          <a:spcPts val="0"/>
+                        </a:spcAft>
+                      </a:pPr>
+                      <a:r>
+                        <a:rPr lang="en-US" sz="500">
+                          <a:effectLst/>
+                        </a:rPr>
+                        <a:t>Assigned To</a:t>
+                      </a:r>
+                      <a:endParaRPr lang="en-US" sz="500">
+                        <a:effectLst/>
+                        <a:latin typeface="Times New Roman"/>
+                        <a:ea typeface="Times New Roman"/>
+                      </a:endParaRPr>
+                    </a:p>
+                  </a:txBody>
+                  <a:tcPr marL="48986" marR="48986" marT="0" marB="0"/>
+                </a:tc>
+                <a:tc>
+                  <a:txBody>
+                    <a:bodyPr/>
+                    <a:lstStyle/>
+                    <a:p>
+                      <a:pPr marL="0" marR="0">
+                        <a:spcBef>
+                          <a:spcPts val="600"/>
+                        </a:spcBef>
+                        <a:spcAft>
+                          <a:spcPts val="0"/>
+                        </a:spcAft>
+                      </a:pPr>
+                      <a:r>
+                        <a:rPr lang="en-US" sz="500">
+                          <a:effectLst/>
+                        </a:rPr>
+                        <a:t>Responsibility</a:t>
+                      </a:r>
+                      <a:endParaRPr lang="en-US" sz="500">
+                        <a:effectLst/>
+                        <a:latin typeface="Times New Roman"/>
+                        <a:ea typeface="Times New Roman"/>
+                      </a:endParaRPr>
+                    </a:p>
+                  </a:txBody>
+                  <a:tcPr marL="48986" marR="48986" marT="0" marB="0"/>
+                </a:tc>
+              </a:tr>
+              <a:tr h="565826">
+                <a:tc>
+                  <a:txBody>
+                    <a:bodyPr/>
+                    <a:lstStyle/>
+                    <a:p>
+                      <a:pPr marL="0" marR="0">
+                        <a:spcBef>
+                          <a:spcPts val="600"/>
+                        </a:spcBef>
+                        <a:spcAft>
+                          <a:spcPts val="0"/>
+                        </a:spcAft>
+                      </a:pPr>
+                      <a:r>
+                        <a:rPr lang="en-US" sz="500" dirty="0">
+                          <a:effectLst/>
+                        </a:rPr>
+                        <a:t>Project Manager</a:t>
+                      </a:r>
+                      <a:endParaRPr lang="en-US" sz="500" dirty="0">
+                        <a:effectLst/>
+                        <a:latin typeface="Times New Roman"/>
+                        <a:ea typeface="Times New Roman"/>
+                      </a:endParaRPr>
+                    </a:p>
+                  </a:txBody>
+                  <a:tcPr marL="48986" marR="48986" marT="0" marB="0"/>
+                </a:tc>
+                <a:tc>
+                  <a:txBody>
+                    <a:bodyPr/>
+                    <a:lstStyle/>
+                    <a:p>
+                      <a:pPr marL="0" marR="0">
+                        <a:spcBef>
+                          <a:spcPts val="600"/>
+                        </a:spcBef>
+                        <a:spcAft>
+                          <a:spcPts val="0"/>
+                        </a:spcAft>
+                      </a:pPr>
+                      <a:r>
+                        <a:rPr lang="en-US" sz="500" dirty="0">
+                          <a:effectLst/>
+                        </a:rPr>
+                        <a:t>Daniel Lain</a:t>
+                      </a:r>
+                      <a:endParaRPr lang="en-US" sz="500" dirty="0">
+                        <a:effectLst/>
+                        <a:latin typeface="Times New Roman"/>
+                        <a:ea typeface="Times New Roman"/>
+                      </a:endParaRPr>
+                    </a:p>
+                  </a:txBody>
+                  <a:tcPr marL="48986" marR="48986" marT="0" marB="0"/>
+                </a:tc>
+                <a:tc>
+                  <a:txBody>
+                    <a:bodyPr/>
+                    <a:lstStyle/>
+                    <a:p>
+                      <a:pPr marL="0" marR="0">
+                        <a:spcBef>
+                          <a:spcPts val="600"/>
+                        </a:spcBef>
+                        <a:spcAft>
+                          <a:spcPts val="0"/>
+                        </a:spcAft>
+                      </a:pPr>
+                      <a:r>
+                        <a:rPr lang="en-US" sz="500" dirty="0">
+                          <a:effectLst/>
+                        </a:rPr>
+                        <a:t>Maintain Project </a:t>
+                      </a:r>
+                      <a:r>
+                        <a:rPr lang="en-US" sz="500" dirty="0" smtClean="0">
+                          <a:effectLst/>
+                        </a:rPr>
+                        <a:t>Plan</a:t>
+                      </a:r>
+                      <a:br>
+                        <a:rPr lang="en-US" sz="500" dirty="0" smtClean="0">
+                          <a:effectLst/>
+                        </a:rPr>
+                      </a:br>
+                      <a:r>
+                        <a:rPr lang="en-US" sz="500" dirty="0" smtClean="0">
+                          <a:effectLst/>
+                        </a:rPr>
+                        <a:t>Assign </a:t>
+                      </a:r>
+                      <a:r>
+                        <a:rPr lang="en-US" sz="500" dirty="0">
+                          <a:effectLst/>
+                        </a:rPr>
+                        <a:t>Tasks to </a:t>
+                      </a:r>
+                      <a:r>
+                        <a:rPr lang="en-US" sz="500" dirty="0" smtClean="0">
+                          <a:effectLst/>
+                        </a:rPr>
+                        <a:t>Team</a:t>
+                      </a:r>
+                      <a:br>
+                        <a:rPr lang="en-US" sz="500" dirty="0" smtClean="0">
+                          <a:effectLst/>
+                        </a:rPr>
+                      </a:br>
+                      <a:r>
+                        <a:rPr lang="en-US" sz="500" dirty="0" smtClean="0">
+                          <a:effectLst/>
+                        </a:rPr>
+                        <a:t>Turn </a:t>
+                      </a:r>
+                      <a:r>
+                        <a:rPr lang="en-US" sz="500" dirty="0">
+                          <a:effectLst/>
+                        </a:rPr>
+                        <a:t>in </a:t>
+                      </a:r>
+                      <a:r>
+                        <a:rPr lang="en-US" sz="500" dirty="0" smtClean="0">
+                          <a:effectLst/>
+                        </a:rPr>
+                        <a:t>Deliverables</a:t>
+                      </a:r>
+                      <a:br>
+                        <a:rPr lang="en-US" sz="500" dirty="0" smtClean="0">
+                          <a:effectLst/>
+                        </a:rPr>
+                      </a:br>
+                      <a:r>
+                        <a:rPr lang="en-US" sz="500" dirty="0" smtClean="0">
+                          <a:effectLst/>
+                        </a:rPr>
+                        <a:t>Risk Manager</a:t>
+                      </a:r>
+                      <a:br>
+                        <a:rPr lang="en-US" sz="500" dirty="0" smtClean="0">
+                          <a:effectLst/>
+                        </a:rPr>
+                      </a:br>
+                      <a:r>
+                        <a:rPr lang="en-US" sz="500" dirty="0" smtClean="0">
+                          <a:effectLst/>
+                        </a:rPr>
+                        <a:t>Change </a:t>
+                      </a:r>
+                      <a:r>
+                        <a:rPr lang="en-US" sz="500" dirty="0">
+                          <a:effectLst/>
+                        </a:rPr>
+                        <a:t>Approval</a:t>
+                      </a:r>
+                      <a:endParaRPr lang="en-US" sz="500" dirty="0">
+                        <a:effectLst/>
+                        <a:latin typeface="Times New Roman"/>
+                        <a:ea typeface="Times New Roman"/>
+                      </a:endParaRPr>
+                    </a:p>
+                  </a:txBody>
+                  <a:tcPr marL="48986" marR="48986" marT="0" marB="0"/>
+                </a:tc>
+              </a:tr>
+              <a:tr h="565826">
+                <a:tc>
+                  <a:txBody>
+                    <a:bodyPr/>
+                    <a:lstStyle/>
+                    <a:p>
+                      <a:pPr marL="0" marR="0">
+                        <a:spcBef>
+                          <a:spcPts val="600"/>
+                        </a:spcBef>
+                        <a:spcAft>
+                          <a:spcPts val="0"/>
+                        </a:spcAft>
+                      </a:pPr>
+                      <a:r>
+                        <a:rPr lang="en-US" sz="500" dirty="0">
+                          <a:effectLst/>
+                        </a:rPr>
+                        <a:t>Hardware Lead</a:t>
+                      </a:r>
+                      <a:endParaRPr lang="en-US" sz="500" dirty="0">
+                        <a:effectLst/>
+                        <a:latin typeface="Times New Roman"/>
+                        <a:ea typeface="Times New Roman"/>
+                      </a:endParaRPr>
+                    </a:p>
+                  </a:txBody>
+                  <a:tcPr marL="48986" marR="48986" marT="0" marB="0"/>
+                </a:tc>
+                <a:tc>
+                  <a:txBody>
+                    <a:bodyPr/>
+                    <a:lstStyle/>
+                    <a:p>
+                      <a:pPr marL="0" marR="0">
+                        <a:spcBef>
+                          <a:spcPts val="600"/>
+                        </a:spcBef>
+                        <a:spcAft>
+                          <a:spcPts val="0"/>
+                        </a:spcAft>
+                      </a:pPr>
+                      <a:r>
+                        <a:rPr lang="en-US" sz="500">
+                          <a:effectLst/>
+                        </a:rPr>
+                        <a:t>Shawn Simonson</a:t>
+                      </a:r>
+                      <a:endParaRPr lang="en-US" sz="500">
+                        <a:effectLst/>
+                        <a:latin typeface="Times New Roman"/>
+                        <a:ea typeface="Times New Roman"/>
+                      </a:endParaRPr>
+                    </a:p>
+                  </a:txBody>
+                  <a:tcPr marL="48986" marR="48986" marT="0" marB="0"/>
+                </a:tc>
+                <a:tc>
+                  <a:txBody>
+                    <a:bodyPr/>
+                    <a:lstStyle/>
+                    <a:p>
+                      <a:pPr marL="0" marR="0">
+                        <a:spcBef>
+                          <a:spcPts val="600"/>
+                        </a:spcBef>
+                        <a:spcAft>
+                          <a:spcPts val="0"/>
+                        </a:spcAft>
+                      </a:pPr>
+                      <a:r>
+                        <a:rPr lang="en-US" sz="500" dirty="0">
+                          <a:effectLst/>
+                        </a:rPr>
+                        <a:t>Plan Hardware </a:t>
+                      </a:r>
+                      <a:r>
+                        <a:rPr lang="en-US" sz="500" dirty="0" smtClean="0">
+                          <a:effectLst/>
+                        </a:rPr>
+                        <a:t>Interfaces</a:t>
+                      </a:r>
+                      <a:br>
+                        <a:rPr lang="en-US" sz="500" dirty="0" smtClean="0">
+                          <a:effectLst/>
+                        </a:rPr>
+                      </a:br>
+                      <a:r>
+                        <a:rPr lang="en-US" sz="500" dirty="0" smtClean="0">
+                          <a:effectLst/>
+                        </a:rPr>
+                        <a:t>Research Hardware</a:t>
+                      </a:r>
+                      <a:br>
+                        <a:rPr lang="en-US" sz="500" dirty="0" smtClean="0">
+                          <a:effectLst/>
+                        </a:rPr>
+                      </a:br>
+                      <a:r>
+                        <a:rPr lang="en-US" sz="500" dirty="0" err="1" smtClean="0">
+                          <a:effectLst/>
+                        </a:rPr>
+                        <a:t>Hardware</a:t>
+                      </a:r>
+                      <a:r>
+                        <a:rPr lang="en-US" sz="500" dirty="0" smtClean="0">
+                          <a:effectLst/>
+                        </a:rPr>
+                        <a:t> Development</a:t>
+                      </a:r>
+                      <a:br>
+                        <a:rPr lang="en-US" sz="500" dirty="0" smtClean="0">
+                          <a:effectLst/>
+                        </a:rPr>
+                      </a:br>
+                      <a:r>
+                        <a:rPr lang="en-US" sz="500" dirty="0" smtClean="0">
+                          <a:effectLst/>
+                        </a:rPr>
+                        <a:t>ME Liaison</a:t>
+                      </a:r>
+                      <a:br>
+                        <a:rPr lang="en-US" sz="500" dirty="0" smtClean="0">
+                          <a:effectLst/>
+                        </a:rPr>
+                      </a:br>
+                      <a:r>
+                        <a:rPr lang="en-US" sz="500" dirty="0" smtClean="0">
+                          <a:effectLst/>
+                        </a:rPr>
+                        <a:t>Change </a:t>
+                      </a:r>
+                      <a:r>
+                        <a:rPr lang="en-US" sz="500" dirty="0">
+                          <a:effectLst/>
+                        </a:rPr>
+                        <a:t>Approval</a:t>
+                      </a:r>
+                      <a:endParaRPr lang="en-US" sz="500" dirty="0">
+                        <a:effectLst/>
+                        <a:latin typeface="Times New Roman"/>
+                        <a:ea typeface="Times New Roman"/>
+                      </a:endParaRPr>
+                    </a:p>
+                  </a:txBody>
+                  <a:tcPr marL="48986" marR="48986" marT="0" marB="0"/>
+                </a:tc>
+              </a:tr>
+              <a:tr h="565826">
+                <a:tc>
+                  <a:txBody>
+                    <a:bodyPr/>
+                    <a:lstStyle/>
+                    <a:p>
+                      <a:pPr marL="0" marR="0">
+                        <a:spcBef>
+                          <a:spcPts val="600"/>
+                        </a:spcBef>
+                        <a:spcAft>
+                          <a:spcPts val="0"/>
+                        </a:spcAft>
+                      </a:pPr>
+                      <a:r>
+                        <a:rPr lang="en-US" sz="500">
+                          <a:effectLst/>
+                        </a:rPr>
+                        <a:t>Software Engineering Lead</a:t>
+                      </a:r>
+                      <a:endParaRPr lang="en-US" sz="500">
+                        <a:effectLst/>
+                        <a:latin typeface="Times New Roman"/>
+                        <a:ea typeface="Times New Roman"/>
+                      </a:endParaRPr>
+                    </a:p>
+                  </a:txBody>
+                  <a:tcPr marL="48986" marR="48986" marT="0" marB="0"/>
+                </a:tc>
+                <a:tc>
+                  <a:txBody>
+                    <a:bodyPr/>
+                    <a:lstStyle/>
+                    <a:p>
+                      <a:pPr marL="0" marR="0">
+                        <a:spcBef>
+                          <a:spcPts val="600"/>
+                        </a:spcBef>
+                        <a:spcAft>
+                          <a:spcPts val="0"/>
+                        </a:spcAft>
+                      </a:pPr>
+                      <a:r>
+                        <a:rPr lang="en-US" sz="500">
+                          <a:effectLst/>
+                        </a:rPr>
+                        <a:t>Jesse Bowles</a:t>
+                      </a:r>
+                      <a:endParaRPr lang="en-US" sz="500">
+                        <a:effectLst/>
+                        <a:latin typeface="Times New Roman"/>
+                        <a:ea typeface="Times New Roman"/>
+                      </a:endParaRPr>
+                    </a:p>
+                  </a:txBody>
+                  <a:tcPr marL="48986" marR="48986" marT="0" marB="0"/>
+                </a:tc>
+                <a:tc>
+                  <a:txBody>
+                    <a:bodyPr/>
+                    <a:lstStyle/>
+                    <a:p>
+                      <a:pPr marL="0" marR="0">
+                        <a:spcBef>
+                          <a:spcPts val="600"/>
+                        </a:spcBef>
+                        <a:spcAft>
+                          <a:spcPts val="0"/>
+                        </a:spcAft>
+                      </a:pPr>
+                      <a:r>
+                        <a:rPr lang="en-US" sz="500" dirty="0">
+                          <a:effectLst/>
+                        </a:rPr>
+                        <a:t>System </a:t>
+                      </a:r>
+                      <a:r>
+                        <a:rPr lang="en-US" sz="500" dirty="0" smtClean="0">
+                          <a:effectLst/>
+                        </a:rPr>
+                        <a:t>Architecture</a:t>
+                      </a:r>
+                      <a:br>
+                        <a:rPr lang="en-US" sz="500" dirty="0" smtClean="0">
+                          <a:effectLst/>
+                        </a:rPr>
+                      </a:br>
+                      <a:r>
+                        <a:rPr lang="en-US" sz="500" dirty="0" smtClean="0">
+                          <a:effectLst/>
+                        </a:rPr>
+                        <a:t>Modular Planning</a:t>
+                      </a:r>
+                      <a:br>
+                        <a:rPr lang="en-US" sz="500" dirty="0" smtClean="0">
+                          <a:effectLst/>
+                        </a:rPr>
+                      </a:br>
+                      <a:r>
+                        <a:rPr lang="en-US" sz="500" dirty="0" smtClean="0">
+                          <a:effectLst/>
+                        </a:rPr>
+                        <a:t>Scalability Planning</a:t>
+                      </a:r>
+                      <a:br>
+                        <a:rPr lang="en-US" sz="500" dirty="0" smtClean="0">
+                          <a:effectLst/>
+                        </a:rPr>
+                      </a:br>
+                      <a:r>
+                        <a:rPr lang="en-US" sz="500" dirty="0" smtClean="0">
+                          <a:effectLst/>
+                        </a:rPr>
+                        <a:t>Develop UMLs</a:t>
+                      </a:r>
+                      <a:br>
+                        <a:rPr lang="en-US" sz="500" dirty="0" smtClean="0">
+                          <a:effectLst/>
+                        </a:rPr>
+                      </a:br>
+                      <a:r>
+                        <a:rPr lang="en-US" sz="500" dirty="0" smtClean="0">
+                          <a:effectLst/>
+                        </a:rPr>
+                        <a:t>Change </a:t>
+                      </a:r>
+                      <a:r>
+                        <a:rPr lang="en-US" sz="500" dirty="0">
+                          <a:effectLst/>
+                        </a:rPr>
+                        <a:t>Approval</a:t>
+                      </a:r>
+                      <a:endParaRPr lang="en-US" sz="500" dirty="0">
+                        <a:effectLst/>
+                        <a:latin typeface="Times New Roman"/>
+                        <a:ea typeface="Times New Roman"/>
+                      </a:endParaRPr>
+                    </a:p>
+                  </a:txBody>
+                  <a:tcPr marL="48986" marR="48986" marT="0" marB="0"/>
+                </a:tc>
+              </a:tr>
+              <a:tr h="441345">
+                <a:tc>
+                  <a:txBody>
+                    <a:bodyPr/>
+                    <a:lstStyle/>
+                    <a:p>
+                      <a:pPr marL="0" marR="0">
+                        <a:spcBef>
+                          <a:spcPts val="600"/>
+                        </a:spcBef>
+                        <a:spcAft>
+                          <a:spcPts val="0"/>
+                        </a:spcAft>
+                      </a:pPr>
+                      <a:r>
+                        <a:rPr lang="en-US" sz="500">
+                          <a:effectLst/>
+                        </a:rPr>
+                        <a:t>Lead Programmer</a:t>
+                      </a:r>
+                      <a:endParaRPr lang="en-US" sz="500">
+                        <a:effectLst/>
+                        <a:latin typeface="Times New Roman"/>
+                        <a:ea typeface="Times New Roman"/>
+                      </a:endParaRPr>
+                    </a:p>
+                  </a:txBody>
+                  <a:tcPr marL="48986" marR="48986" marT="0" marB="0"/>
+                </a:tc>
+                <a:tc>
+                  <a:txBody>
+                    <a:bodyPr/>
+                    <a:lstStyle/>
+                    <a:p>
+                      <a:pPr marL="0" marR="0">
+                        <a:spcBef>
+                          <a:spcPts val="600"/>
+                        </a:spcBef>
+                        <a:spcAft>
+                          <a:spcPts val="0"/>
+                        </a:spcAft>
+                      </a:pPr>
+                      <a:r>
+                        <a:rPr lang="en-US" sz="500">
+                          <a:effectLst/>
+                        </a:rPr>
+                        <a:t>Tim Edmonson</a:t>
+                      </a:r>
+                      <a:endParaRPr lang="en-US" sz="500">
+                        <a:effectLst/>
+                        <a:latin typeface="Times New Roman"/>
+                        <a:ea typeface="Times New Roman"/>
+                      </a:endParaRPr>
+                    </a:p>
+                  </a:txBody>
+                  <a:tcPr marL="48986" marR="48986" marT="0" marB="0"/>
+                </a:tc>
+                <a:tc>
+                  <a:txBody>
+                    <a:bodyPr/>
+                    <a:lstStyle/>
+                    <a:p>
+                      <a:pPr marL="0" marR="0">
+                        <a:spcBef>
+                          <a:spcPts val="600"/>
+                        </a:spcBef>
+                        <a:spcAft>
+                          <a:spcPts val="0"/>
+                        </a:spcAft>
+                      </a:pPr>
+                      <a:r>
+                        <a:rPr lang="en-US" sz="500" dirty="0">
+                          <a:effectLst/>
+                        </a:rPr>
+                        <a:t>Algorithm </a:t>
+                      </a:r>
+                      <a:r>
+                        <a:rPr lang="en-US" sz="500" dirty="0" smtClean="0">
+                          <a:effectLst/>
+                        </a:rPr>
+                        <a:t>Development</a:t>
+                      </a:r>
+                      <a:br>
+                        <a:rPr lang="en-US" sz="500" dirty="0" smtClean="0">
+                          <a:effectLst/>
+                        </a:rPr>
+                      </a:br>
+                      <a:r>
+                        <a:rPr lang="en-US" sz="500" dirty="0" smtClean="0">
+                          <a:effectLst/>
+                        </a:rPr>
+                        <a:t>Open </a:t>
+                      </a:r>
+                      <a:r>
+                        <a:rPr lang="en-US" sz="500" dirty="0">
+                          <a:effectLst/>
+                        </a:rPr>
+                        <a:t>Source </a:t>
+                      </a:r>
+                      <a:r>
+                        <a:rPr lang="en-US" sz="500" dirty="0" smtClean="0">
+                          <a:effectLst/>
+                        </a:rPr>
+                        <a:t>Selection</a:t>
+                      </a:r>
+                      <a:br>
+                        <a:rPr lang="en-US" sz="500" dirty="0" smtClean="0">
+                          <a:effectLst/>
+                        </a:rPr>
+                      </a:br>
+                      <a:r>
+                        <a:rPr lang="en-US" sz="500" dirty="0" smtClean="0">
+                          <a:effectLst/>
+                        </a:rPr>
+                        <a:t>Algorithm Research</a:t>
+                      </a:r>
+                      <a:br>
+                        <a:rPr lang="en-US" sz="500" dirty="0" smtClean="0">
+                          <a:effectLst/>
+                        </a:rPr>
+                      </a:br>
+                      <a:r>
+                        <a:rPr lang="en-US" sz="500" dirty="0" smtClean="0">
+                          <a:effectLst/>
+                        </a:rPr>
+                        <a:t>Change </a:t>
+                      </a:r>
+                      <a:r>
+                        <a:rPr lang="en-US" sz="500" dirty="0">
+                          <a:effectLst/>
+                        </a:rPr>
+                        <a:t>Approval</a:t>
+                      </a:r>
+                      <a:endParaRPr lang="en-US" sz="500" dirty="0">
+                        <a:effectLst/>
+                        <a:latin typeface="Times New Roman"/>
+                        <a:ea typeface="Times New Roman"/>
+                      </a:endParaRPr>
+                    </a:p>
+                  </a:txBody>
+                  <a:tcPr marL="48986" marR="48986" marT="0" marB="0"/>
+                </a:tc>
+              </a:tr>
+            </a:tbl>
+          </a:graphicData>
+        </a:graphic>
+      </p:graphicFrame>
+      <p:graphicFrame>
+        <p:nvGraphicFramePr>
+          <p:cNvPr id="19" name="Table 18"/>
+          <p:cNvGraphicFramePr>
+            <a:graphicFrameLocks noGrp="1"/>
+          </p:cNvGraphicFramePr>
+          <p:nvPr>
+            <p:extLst>
+              <p:ext uri="{D42A27DB-BD31-4B8C-83A1-F6EECF244321}">
+                <p14:modId xmlns:p14="http://schemas.microsoft.com/office/powerpoint/2010/main" val="4259553516"/>
+              </p:ext>
+            </p:extLst>
+          </p:nvPr>
+        </p:nvGraphicFramePr>
+        <p:xfrm>
+          <a:off x="571500" y="4460234"/>
+          <a:ext cx="1219200" cy="1679136"/>
+        </p:xfrm>
+        <a:graphic>
+          <a:graphicData uri="http://schemas.openxmlformats.org/drawingml/2006/table">
+            <a:tbl>
+              <a:tblPr firstRow="1" bandRow="1">
+                <a:tableStyleId>{5C22544A-7EE6-4342-B048-85BDC9FD1C3A}</a:tableStyleId>
+              </a:tblPr>
+              <a:tblGrid>
+                <a:gridCol w="1219200"/>
+              </a:tblGrid>
+              <a:tr h="164903">
+                <a:tc>
+                  <a:txBody>
+                    <a:bodyPr/>
+                    <a:lstStyle/>
+                    <a:p>
+                      <a:r>
+                        <a:rPr lang="en-US" sz="500" dirty="0" smtClean="0"/>
+                        <a:t>Lessons Learned</a:t>
+                      </a:r>
+                      <a:endParaRPr lang="en-US" sz="500" dirty="0"/>
+                    </a:p>
+                  </a:txBody>
+                  <a:tcPr/>
+                </a:tc>
+              </a:tr>
+              <a:tr h="251916">
+                <a:tc>
+                  <a:txBody>
+                    <a:bodyPr/>
+                    <a:lstStyle/>
+                    <a:p>
+                      <a:r>
+                        <a:rPr lang="en-US" sz="500" dirty="0" smtClean="0"/>
+                        <a:t>Understand the</a:t>
+                      </a:r>
+                      <a:r>
+                        <a:rPr lang="en-US" sz="500" baseline="0" dirty="0" smtClean="0"/>
+                        <a:t> customer’s needs</a:t>
+                      </a:r>
+                      <a:endParaRPr lang="en-US" sz="500" dirty="0"/>
+                    </a:p>
+                  </a:txBody>
+                  <a:tcPr/>
+                </a:tc>
+              </a:tr>
+              <a:tr h="251916">
+                <a:tc>
+                  <a:txBody>
+                    <a:bodyPr/>
+                    <a:lstStyle/>
+                    <a:p>
+                      <a:r>
+                        <a:rPr lang="en-US" sz="500" dirty="0" smtClean="0"/>
+                        <a:t>Constant communication with team and customer</a:t>
+                      </a:r>
+                      <a:endParaRPr lang="en-US" sz="500" dirty="0"/>
+                    </a:p>
+                  </a:txBody>
+                  <a:tcPr/>
+                </a:tc>
+              </a:tr>
+              <a:tr h="251916">
+                <a:tc>
+                  <a:txBody>
+                    <a:bodyPr/>
+                    <a:lstStyle/>
+                    <a:p>
+                      <a:r>
+                        <a:rPr lang="en-US" sz="500" dirty="0" smtClean="0"/>
+                        <a:t>Ask for help when needed</a:t>
+                      </a:r>
+                      <a:endParaRPr lang="en-US" sz="500" dirty="0"/>
+                    </a:p>
+                  </a:txBody>
+                  <a:tcPr/>
+                </a:tc>
+              </a:tr>
+              <a:tr h="251916">
+                <a:tc>
+                  <a:txBody>
+                    <a:bodyPr/>
+                    <a:lstStyle/>
+                    <a:p>
+                      <a:r>
+                        <a:rPr lang="en-US" sz="500" dirty="0" smtClean="0"/>
+                        <a:t>Hold each other accountable</a:t>
+                      </a:r>
+                      <a:endParaRPr lang="en-US" sz="500" dirty="0"/>
+                    </a:p>
+                  </a:txBody>
+                  <a:tcPr/>
+                </a:tc>
+              </a:tr>
+              <a:tr h="251916">
+                <a:tc>
+                  <a:txBody>
+                    <a:bodyPr/>
+                    <a:lstStyle/>
+                    <a:p>
+                      <a:r>
+                        <a:rPr lang="en-US" sz="500" dirty="0" smtClean="0"/>
+                        <a:t>Design in as much detail as possible before implementation</a:t>
+                      </a:r>
+                    </a:p>
+                  </a:txBody>
+                  <a:tcPr/>
+                </a:tc>
+              </a:tr>
+              <a:tr h="251916">
+                <a:tc>
+                  <a:txBody>
+                    <a:bodyPr/>
+                    <a:lstStyle/>
+                    <a:p>
+                      <a:r>
+                        <a:rPr lang="en-US" sz="500" dirty="0" smtClean="0"/>
+                        <a:t>Use resources</a:t>
+                      </a:r>
+                      <a:r>
+                        <a:rPr lang="en-US" sz="500" baseline="0" dirty="0" smtClean="0"/>
+                        <a:t> available</a:t>
+                      </a:r>
+                      <a:endParaRPr lang="en-US" sz="500" dirty="0"/>
+                    </a:p>
+                  </a:txBody>
+                  <a:tcPr/>
+                </a:tc>
+              </a:tr>
+            </a:tbl>
+          </a:graphicData>
+        </a:graphic>
+      </p:graphicFrame>
+      <p:pic>
+        <p:nvPicPr>
+          <p:cNvPr id="15" name="Picture 14"/>
+          <p:cNvPicPr>
+            <a:picLocks noChangeAspect="1"/>
+          </p:cNvPicPr>
+          <p:nvPr/>
+        </p:nvPicPr>
+        <p:blipFill>
+          <a:blip r:embed="rId4" cstate="print">
+            <a:extLst>
+              <a:ext uri="{28A0092B-C50C-407E-A947-70E740481C1C}">
+                <a14:useLocalDpi xmlns:a14="http://schemas.microsoft.com/office/drawing/2010/main" val="0"/>
+              </a:ext>
+            </a:extLst>
+          </a:blip>
+          <a:stretch>
+            <a:fillRect/>
+          </a:stretch>
+        </p:blipFill>
         <p:spPr>
           <a:xfrm>
-            <a:off x="0" y="-1"/>
-            <a:ext cx="9144000" cy="1360055"/>
+            <a:off x="1" y="1"/>
+            <a:ext cx="2362199" cy="441290"/>
           </a:xfrm>
           <a:prstGeom prst="rect">
             <a:avLst/>
           </a:prstGeom>
         </p:spPr>
-        <p:style>
-          <a:lnRef idx="2">
-            <a:schemeClr val="accent1">
-              <a:shade val="50000"/>
-            </a:schemeClr>
-          </a:lnRef>
-          <a:fillRef idx="1">
-            <a:schemeClr val="accent1"/>
-          </a:fillRef>
-          <a:effectRef idx="0">
-            <a:schemeClr val="accent1"/>
-          </a:effectRef>
-          <a:fontRef idx="minor">
-            <a:schemeClr val="lt1"/>
-          </a:fontRef>
-        </p:style>
-        <p:txBody>
-          <a:bodyPr rtlCol="0" anchor="ctr"/>
-          <a:lstStyle/>
-          <a:p>
-            <a:pPr algn="ctr"/>
-            <a:r>
-              <a:rPr lang="en-US" dirty="0" smtClean="0"/>
-              <a:t>Banner</a:t>
-            </a:r>
-            <a:endParaRPr lang="en-US" dirty="0"/>
-          </a:p>
-        </p:txBody>
-      </p:sp>
-      <p:sp>
-        <p:nvSpPr>
-          <p:cNvPr id="12" name="Rectangle 11"/>
-          <p:cNvSpPr/>
-          <p:nvPr/>
+      </p:pic>
+      <p:sp>
+        <p:nvSpPr>
+          <p:cNvPr id="22" name="Title 1"/>
+          <p:cNvSpPr>
+            <a:spLocks noGrp="1"/>
+          </p:cNvSpPr>
+          <p:nvPr>
+            <p:ph type="ctrTitle"/>
+          </p:nvPr>
         </p:nvSpPr>
         <p:spPr>
           <a:xfrm>
-            <a:off x="4583546" y="1366981"/>
-            <a:ext cx="2286000" cy="2824019"/>
+            <a:off x="2895600" y="48940"/>
+            <a:ext cx="2748594" cy="789260"/>
+          </a:xfrm>
+        </p:spPr>
+        <p:txBody>
+          <a:bodyPr>
+            <a:normAutofit/>
+          </a:bodyPr>
+          <a:lstStyle/>
+          <a:p>
+            <a:r>
+              <a:rPr lang="en-US" sz="2400" dirty="0" smtClean="0"/>
+              <a:t>Team </a:t>
+            </a:r>
+            <a:r>
+              <a:rPr lang="en-US" sz="2400" dirty="0" smtClean="0"/>
+              <a:t>Ink</a:t>
+            </a:r>
+            <a:r>
+              <a:rPr lang="en-US" sz="2400" dirty="0" smtClean="0">
+                <a:solidFill>
+                  <a:srgbClr val="FF0000"/>
+                </a:solidFill>
+              </a:rPr>
+              <a:t>3D</a:t>
+            </a:r>
+            <a:r>
+              <a:rPr lang="en-US" dirty="0"/>
+              <a:t/>
+            </a:r>
+            <a:br>
+              <a:rPr lang="en-US" dirty="0"/>
+            </a:br>
+            <a:r>
+              <a:rPr lang="en-US" sz="1200" dirty="0" smtClean="0"/>
+              <a:t>3DP</a:t>
+            </a:r>
+            <a:r>
+              <a:rPr lang="en-US" sz="1200" dirty="0" smtClean="0"/>
+              <a:t>rinter Fabrication System</a:t>
+            </a:r>
+            <a:endParaRPr lang="en-US" sz="1200" dirty="0"/>
+          </a:p>
+        </p:txBody>
+      </p:sp>
+      <p:pic>
+        <p:nvPicPr>
+          <p:cNvPr id="23" name="Picture 2" descr="Mock-up 3D Printing System"/>
+          <p:cNvPicPr>
+            <a:picLocks noChangeAspect="1" noChangeArrowheads="1"/>
+          </p:cNvPicPr>
+          <p:nvPr/>
+        </p:nvPicPr>
+        <p:blipFill>
+          <a:blip r:embed="rId5" cstate="print">
+            <a:extLst>
+              <a:ext uri="{28A0092B-C50C-407E-A947-70E740481C1C}">
+                <a14:useLocalDpi xmlns:a14="http://schemas.microsoft.com/office/drawing/2010/main" val="0"/>
+              </a:ext>
+            </a:extLst>
+          </a:blip>
+          <a:srcRect/>
+          <a:stretch>
+            <a:fillRect/>
+          </a:stretch>
+        </p:blipFill>
+        <p:spPr bwMode="auto">
+          <a:xfrm>
+            <a:off x="2429577" y="1362299"/>
+            <a:ext cx="1720051" cy="1233752"/>
           </a:xfrm>
           <a:prstGeom prst="rect">
             <a:avLst/>
           </a:prstGeom>
+          <a:noFill/>
+          <a:ln>
+            <a:noFill/>
+          </a:ln>
+          <a:extLst>
+            <a:ext uri="{909E8E84-426E-40DD-AFC4-6F175D3DCCD1}">
+              <a14:hiddenFill xmlns:a14="http://schemas.microsoft.com/office/drawing/2010/main">
+                <a:solidFill>
+                  <a:srgbClr val="FFFFFF"/>
+                </a:solidFill>
+              </a14:hiddenFill>
+            </a:ext>
+            <a:ext uri="{91240B29-F687-4F45-9708-019B960494DF}">
+              <a14:hiddenLine xmlns:a14="http://schemas.microsoft.com/office/drawing/2010/main" w="9525">
+                <a:solidFill>
+                  <a:srgbClr val="000000"/>
+                </a:solidFill>
+                <a:miter lim="800000"/>
+                <a:headEnd/>
+                <a:tailEnd/>
+              </a14:hiddenLine>
+            </a:ext>
+          </a:extLst>
         </p:spPr>
-        <p:style>
-          <a:lnRef idx="2">
-            <a:schemeClr val="accent1">
-              <a:shade val="50000"/>
-            </a:schemeClr>
-          </a:lnRef>
-          <a:fillRef idx="1">
-            <a:schemeClr val="accent1"/>
-          </a:fillRef>
-          <a:effectRef idx="0">
-            <a:schemeClr val="accent1"/>
-          </a:effectRef>
-          <a:fontRef idx="minor">
-            <a:schemeClr val="lt1"/>
-          </a:fontRef>
-        </p:style>
-        <p:txBody>
-          <a:bodyPr rtlCol="0" anchor="ctr"/>
-          <a:lstStyle/>
-          <a:p>
-            <a:pPr algn="ctr"/>
-            <a:r>
-              <a:rPr lang="en-US" dirty="0" smtClean="0"/>
-              <a:t>Requirements Met</a:t>
-            </a:r>
-          </a:p>
-        </p:txBody>
-      </p:sp>
-      <p:sp>
-        <p:nvSpPr>
-          <p:cNvPr id="13" name="Rectangle 12"/>
-          <p:cNvSpPr/>
-          <p:nvPr/>
-        </p:nvSpPr>
-        <p:spPr>
-          <a:xfrm>
-            <a:off x="2286000" y="4190999"/>
-            <a:ext cx="2297546" cy="2666999"/>
-          </a:xfrm>
-          <a:prstGeom prst="rect">
-            <a:avLst/>
-          </a:prstGeom>
-        </p:spPr>
-        <p:style>
-          <a:lnRef idx="2">
-            <a:schemeClr val="accent1">
-              <a:shade val="50000"/>
-            </a:schemeClr>
-          </a:lnRef>
-          <a:fillRef idx="1">
-            <a:schemeClr val="accent1"/>
-          </a:fillRef>
-          <a:effectRef idx="0">
-            <a:schemeClr val="accent1"/>
-          </a:effectRef>
-          <a:fontRef idx="minor">
-            <a:schemeClr val="lt1"/>
-          </a:fontRef>
-        </p:style>
-        <p:txBody>
-          <a:bodyPr rtlCol="0" anchor="ctr"/>
-          <a:lstStyle/>
-          <a:p>
-            <a:pPr algn="ctr"/>
-            <a:r>
-              <a:rPr lang="en-US" dirty="0" smtClean="0"/>
-              <a:t>Team Roles/Responsibilities</a:t>
-            </a:r>
-            <a:endParaRPr lang="en-US" dirty="0"/>
-          </a:p>
-        </p:txBody>
-      </p:sp>
+      </p:pic>
     </p:spTree>
     <p:extLst>
       <p:ext uri="{BB962C8B-B14F-4D97-AF65-F5344CB8AC3E}">
         <p14:creationId xmlns:p14="http://schemas.microsoft.com/office/powerpoint/2010/main" val="1029826504"/>
+      </p:ext>
+    </p:extLst>
+  </p:cSld>
+  <p:clrMapOvr>
+    <a:masterClrMapping/>
+  </p:clrMapOvr>
+</p:sld>
+</file>
+
+<file path=ppt/slides/slide2.xml><?xml version="1.0" encoding="utf-8"?>
+<p:sld xmlns:a="http://schemas.openxmlformats.org/drawingml/2006/main" xmlns:r="http://schemas.openxmlformats.org/officeDocument/2006/relationships" xmlns:p="http://schemas.openxmlformats.org/presentationml/2006/main">
+  <p:cSld>
+    <p:spTree>
+      <p:nvGrpSpPr>
+        <p:cNvPr id="1" name=""/>
+        <p:cNvGrpSpPr/>
+        <p:nvPr/>
+      </p:nvGrpSpPr>
+      <p:grpSpPr>
+        <a:xfrm>
+          <a:off x="0" y="0"/>
+          <a:ext cx="0" cy="0"/>
+          <a:chOff x="0" y="0"/>
+          <a:chExt cx="0" cy="0"/>
+        </a:xfrm>
+      </p:grpSpPr>
+      <p:graphicFrame>
+        <p:nvGraphicFramePr>
+          <p:cNvPr id="4" name="Content Placeholder 3"/>
+          <p:cNvGraphicFramePr>
+            <a:graphicFrameLocks noGrp="1"/>
+          </p:cNvGraphicFramePr>
+          <p:nvPr>
+            <p:ph idx="1"/>
+            <p:extLst>
+              <p:ext uri="{D42A27DB-BD31-4B8C-83A1-F6EECF244321}">
+                <p14:modId xmlns:p14="http://schemas.microsoft.com/office/powerpoint/2010/main" val="4100553158"/>
+              </p:ext>
+            </p:extLst>
+          </p:nvPr>
+        </p:nvGraphicFramePr>
+        <p:xfrm>
+          <a:off x="533400" y="533400"/>
+          <a:ext cx="5486400" cy="4886960"/>
+        </p:xfrm>
+        <a:graphic>
+          <a:graphicData uri="http://schemas.openxmlformats.org/drawingml/2006/table">
+            <a:tbl>
+              <a:tblPr firstRow="1" bandRow="1">
+                <a:tableStyleId>{5C22544A-7EE6-4342-B048-85BDC9FD1C3A}</a:tableStyleId>
+              </a:tblPr>
+              <a:tblGrid>
+                <a:gridCol w="2743200"/>
+                <a:gridCol w="2743200"/>
+              </a:tblGrid>
+              <a:tr h="370840">
+                <a:tc gridSpan="2">
+                  <a:txBody>
+                    <a:bodyPr/>
+                    <a:lstStyle/>
+                    <a:p>
+                      <a:pPr algn="ctr"/>
+                      <a:r>
+                        <a:rPr lang="en-US" dirty="0" smtClean="0"/>
+                        <a:t>Critical Requirements</a:t>
+                      </a:r>
+                      <a:endParaRPr lang="en-US" dirty="0"/>
+                    </a:p>
+                  </a:txBody>
+                  <a:tcPr/>
+                </a:tc>
+                <a:tc hMerge="1">
+                  <a:txBody>
+                    <a:bodyPr/>
+                    <a:lstStyle/>
+                    <a:p>
+                      <a:endParaRPr lang="en-US" dirty="0"/>
+                    </a:p>
+                  </a:txBody>
+                  <a:tcPr/>
+                </a:tc>
+              </a:tr>
+              <a:tr h="370840">
+                <a:tc>
+                  <a:txBody>
+                    <a:bodyPr/>
+                    <a:lstStyle/>
+                    <a:p>
+                      <a:r>
+                        <a:rPr lang="en-US" dirty="0" smtClean="0"/>
+                        <a:t>3.1 STL File Input</a:t>
+                      </a:r>
+                      <a:endParaRPr lang="en-US" dirty="0"/>
+                    </a:p>
+                  </a:txBody>
+                  <a:tcPr/>
+                </a:tc>
+                <a:tc>
+                  <a:txBody>
+                    <a:bodyPr/>
+                    <a:lstStyle/>
+                    <a:p>
+                      <a:pPr algn="ctr"/>
+                      <a:r>
+                        <a:rPr lang="en-US" b="1" dirty="0" smtClean="0"/>
+                        <a:t>Completed</a:t>
+                      </a:r>
+                      <a:endParaRPr lang="en-US" b="1" dirty="0"/>
+                    </a:p>
+                  </a:txBody>
+                  <a:tcPr>
+                    <a:solidFill>
+                      <a:srgbClr val="00B050"/>
+                    </a:solidFill>
+                  </a:tcPr>
+                </a:tc>
+              </a:tr>
+              <a:tr h="370840">
+                <a:tc>
+                  <a:txBody>
+                    <a:bodyPr/>
+                    <a:lstStyle/>
+                    <a:p>
+                      <a:r>
+                        <a:rPr lang="en-US" dirty="0" smtClean="0"/>
+                        <a:t>3.4 Issue Machine Instructions</a:t>
+                      </a:r>
+                      <a:endParaRPr lang="en-US" dirty="0"/>
+                    </a:p>
+                  </a:txBody>
+                  <a:tcPr/>
+                </a:tc>
+                <a:tc>
+                  <a:txBody>
+                    <a:bodyPr/>
+                    <a:lstStyle/>
+                    <a:p>
+                      <a:pPr algn="ctr"/>
+                      <a:r>
+                        <a:rPr lang="en-US" b="1" dirty="0" smtClean="0"/>
+                        <a:t>Partially Completed</a:t>
+                      </a:r>
+                      <a:endParaRPr lang="en-US" b="1" dirty="0"/>
+                    </a:p>
+                  </a:txBody>
+                  <a:tcPr>
+                    <a:solidFill>
+                      <a:srgbClr val="FFFF00"/>
+                    </a:solidFill>
+                  </a:tcPr>
+                </a:tc>
+              </a:tr>
+              <a:tr h="370840">
+                <a:tc>
+                  <a:txBody>
+                    <a:bodyPr/>
+                    <a:lstStyle/>
+                    <a:p>
+                      <a:r>
+                        <a:rPr lang="en-US" dirty="0" smtClean="0"/>
+                        <a:t>3.5 Monitor Temperature</a:t>
+                      </a:r>
+                      <a:endParaRPr lang="en-US" dirty="0"/>
+                    </a:p>
+                  </a:txBody>
+                  <a:tcPr/>
+                </a:tc>
+                <a:tc>
+                  <a:txBody>
+                    <a:bodyPr/>
+                    <a:lstStyle/>
+                    <a:p>
+                      <a:pPr algn="ctr"/>
+                      <a:r>
+                        <a:rPr lang="en-US" b="1" dirty="0" smtClean="0"/>
+                        <a:t>Completed</a:t>
+                      </a:r>
+                      <a:endParaRPr lang="en-US" b="1" dirty="0"/>
+                    </a:p>
+                  </a:txBody>
+                  <a:tcPr>
+                    <a:solidFill>
+                      <a:srgbClr val="00B050"/>
+                    </a:solidFill>
+                  </a:tcPr>
+                </a:tc>
+              </a:tr>
+              <a:tr h="370840">
+                <a:tc>
+                  <a:txBody>
+                    <a:bodyPr/>
+                    <a:lstStyle/>
+                    <a:p>
+                      <a:r>
+                        <a:rPr lang="en-US" dirty="0" smtClean="0"/>
+                        <a:t>3.6 Monitor Position</a:t>
+                      </a:r>
+                      <a:endParaRPr lang="en-US" dirty="0"/>
+                    </a:p>
+                  </a:txBody>
+                  <a:tcPr/>
+                </a:tc>
+                <a:tc>
+                  <a:txBody>
+                    <a:bodyPr/>
+                    <a:lstStyle/>
+                    <a:p>
+                      <a:pPr algn="ctr"/>
+                      <a:r>
+                        <a:rPr lang="en-US" b="1" dirty="0" smtClean="0"/>
+                        <a:t>Completed</a:t>
+                      </a:r>
+                      <a:endParaRPr lang="en-US" b="1" dirty="0"/>
+                    </a:p>
+                  </a:txBody>
+                  <a:tcPr>
+                    <a:solidFill>
+                      <a:srgbClr val="00B050"/>
+                    </a:solidFill>
+                  </a:tcPr>
+                </a:tc>
+              </a:tr>
+              <a:tr h="370840">
+                <a:tc>
+                  <a:txBody>
+                    <a:bodyPr/>
+                    <a:lstStyle/>
+                    <a:p>
+                      <a:r>
+                        <a:rPr lang="en-US" dirty="0" smtClean="0"/>
+                        <a:t>3.8 Identify Materials</a:t>
+                      </a:r>
+                      <a:endParaRPr lang="en-US" dirty="0"/>
+                    </a:p>
+                  </a:txBody>
+                  <a:tcPr/>
+                </a:tc>
+                <a:tc>
+                  <a:txBody>
+                    <a:bodyPr/>
+                    <a:lstStyle/>
+                    <a:p>
+                      <a:pPr algn="ctr"/>
+                      <a:r>
+                        <a:rPr lang="en-US" b="1" dirty="0" smtClean="0"/>
+                        <a:t>Completed</a:t>
+                      </a:r>
+                    </a:p>
+                  </a:txBody>
+                  <a:tcPr>
+                    <a:solidFill>
+                      <a:srgbClr val="00B050"/>
+                    </a:solidFill>
+                  </a:tcPr>
+                </a:tc>
+              </a:tr>
+              <a:tr h="370840">
+                <a:tc>
+                  <a:txBody>
+                    <a:bodyPr/>
+                    <a:lstStyle/>
+                    <a:p>
+                      <a:r>
+                        <a:rPr lang="en-US" dirty="0" smtClean="0"/>
+                        <a:t>3.9 Identify Shapes</a:t>
+                      </a:r>
+                      <a:endParaRPr lang="en-US" dirty="0"/>
+                    </a:p>
+                  </a:txBody>
+                  <a:tcPr/>
+                </a:tc>
+                <a:tc>
+                  <a:txBody>
+                    <a:bodyPr/>
+                    <a:lstStyle/>
+                    <a:p>
+                      <a:pPr algn="ctr"/>
+                      <a:r>
+                        <a:rPr lang="en-US" b="1" dirty="0" smtClean="0"/>
+                        <a:t>Completed</a:t>
+                      </a:r>
+                      <a:endParaRPr lang="en-US" b="1" dirty="0"/>
+                    </a:p>
+                  </a:txBody>
+                  <a:tcPr>
+                    <a:solidFill>
+                      <a:srgbClr val="00B050"/>
+                    </a:solidFill>
+                  </a:tcPr>
+                </a:tc>
+              </a:tr>
+              <a:tr h="370840">
+                <a:tc>
+                  <a:txBody>
+                    <a:bodyPr/>
+                    <a:lstStyle/>
+                    <a:p>
+                      <a:r>
+                        <a:rPr lang="en-US" dirty="0" smtClean="0"/>
+                        <a:t>3.10 Determine Shape of Support Material Structure</a:t>
+                      </a:r>
+                      <a:endParaRPr lang="en-US" dirty="0"/>
+                    </a:p>
+                  </a:txBody>
+                  <a:tcPr/>
+                </a:tc>
+                <a:tc>
+                  <a:txBody>
+                    <a:bodyPr/>
+                    <a:lstStyle/>
+                    <a:p>
+                      <a:pPr algn="ctr"/>
+                      <a:r>
+                        <a:rPr lang="en-US" b="1" dirty="0" smtClean="0"/>
+                        <a:t>Completed</a:t>
+                      </a:r>
+                      <a:endParaRPr lang="en-US" b="1" dirty="0"/>
+                    </a:p>
+                  </a:txBody>
+                  <a:tcPr>
+                    <a:solidFill>
+                      <a:srgbClr val="00B050"/>
+                    </a:solidFill>
+                  </a:tcPr>
+                </a:tc>
+              </a:tr>
+              <a:tr h="370840">
+                <a:tc>
+                  <a:txBody>
+                    <a:bodyPr/>
+                    <a:lstStyle/>
+                    <a:p>
+                      <a:r>
+                        <a:rPr lang="en-US" dirty="0" smtClean="0"/>
+                        <a:t>3.11 Create Printing Path</a:t>
+                      </a:r>
+                      <a:endParaRPr lang="en-US" dirty="0"/>
+                    </a:p>
+                  </a:txBody>
+                  <a:tcPr/>
+                </a:tc>
+                <a:tc>
+                  <a:txBody>
+                    <a:bodyPr/>
+                    <a:lstStyle/>
+                    <a:p>
+                      <a:pPr algn="ctr"/>
+                      <a:r>
+                        <a:rPr lang="en-US" b="1" dirty="0" smtClean="0"/>
+                        <a:t>Completed</a:t>
+                      </a:r>
+                      <a:endParaRPr lang="en-US" b="1" dirty="0"/>
+                    </a:p>
+                  </a:txBody>
+                  <a:tcPr>
+                    <a:solidFill>
+                      <a:srgbClr val="00B050"/>
+                    </a:solidFill>
+                  </a:tcPr>
+                </a:tc>
+              </a:tr>
+              <a:tr h="370840">
+                <a:tc>
+                  <a:txBody>
+                    <a:bodyPr/>
+                    <a:lstStyle/>
+                    <a:p>
+                      <a:r>
+                        <a:rPr lang="en-US" dirty="0" smtClean="0"/>
+                        <a:t>3.14 Geometry Slicing</a:t>
+                      </a:r>
+                      <a:endParaRPr lang="en-US" dirty="0"/>
+                    </a:p>
+                  </a:txBody>
+                  <a:tcPr/>
+                </a:tc>
+                <a:tc>
+                  <a:txBody>
+                    <a:bodyPr/>
+                    <a:lstStyle/>
+                    <a:p>
+                      <a:pPr algn="ctr"/>
+                      <a:r>
+                        <a:rPr lang="en-US" b="1" dirty="0" smtClean="0"/>
+                        <a:t>Completed</a:t>
+                      </a:r>
+                      <a:endParaRPr lang="en-US" b="1" dirty="0"/>
+                    </a:p>
+                  </a:txBody>
+                  <a:tcPr>
+                    <a:solidFill>
+                      <a:srgbClr val="00B050"/>
+                    </a:solidFill>
+                  </a:tcPr>
+                </a:tc>
+              </a:tr>
+              <a:tr h="370840">
+                <a:tc>
+                  <a:txBody>
+                    <a:bodyPr/>
+                    <a:lstStyle/>
+                    <a:p>
+                      <a:r>
+                        <a:rPr lang="en-US" dirty="0" smtClean="0"/>
+                        <a:t>3.17 Allow for UV Head Polymerization</a:t>
+                      </a:r>
+                      <a:endParaRPr lang="en-US" dirty="0"/>
+                    </a:p>
+                  </a:txBody>
+                  <a:tcPr/>
+                </a:tc>
+                <a:tc>
+                  <a:txBody>
+                    <a:bodyPr/>
+                    <a:lstStyle/>
+                    <a:p>
+                      <a:pPr algn="ctr"/>
+                      <a:r>
+                        <a:rPr lang="en-US" b="1" dirty="0" smtClean="0"/>
+                        <a:t>Completed</a:t>
+                      </a:r>
+                      <a:endParaRPr lang="en-US" b="1" dirty="0"/>
+                    </a:p>
+                  </a:txBody>
+                  <a:tcPr>
+                    <a:solidFill>
+                      <a:srgbClr val="00B050"/>
+                    </a:solidFill>
+                  </a:tcPr>
+                </a:tc>
+              </a:tr>
+            </a:tbl>
+          </a:graphicData>
+        </a:graphic>
+      </p:graphicFrame>
+    </p:spTree>
+    <p:extLst>
+      <p:ext uri="{BB962C8B-B14F-4D97-AF65-F5344CB8AC3E}">
+        <p14:creationId xmlns:p14="http://schemas.microsoft.com/office/powerpoint/2010/main" val="2472082240"/>
+      </p:ext>
+    </p:extLst>
+  </p:cSld>
+  <p:clrMapOvr>
+    <a:masterClrMapping/>
+  </p:clrMapOvr>
+</p:sld>
+</file>
+
+<file path=ppt/slides/slide3.xml><?xml version="1.0" encoding="utf-8"?>
+<p:sld xmlns:a="http://schemas.openxmlformats.org/drawingml/2006/main" xmlns:r="http://schemas.openxmlformats.org/officeDocument/2006/relationships" xmlns:p="http://schemas.openxmlformats.org/presentationml/2006/main">
+  <p:cSld>
+    <p:spTree>
+      <p:nvGrpSpPr>
+        <p:cNvPr id="1" name=""/>
+        <p:cNvGrpSpPr/>
+        <p:nvPr/>
+      </p:nvGrpSpPr>
+      <p:grpSpPr>
+        <a:xfrm>
+          <a:off x="0" y="0"/>
+          <a:ext cx="0" cy="0"/>
+          <a:chOff x="0" y="0"/>
+          <a:chExt cx="0" cy="0"/>
+        </a:xfrm>
+      </p:grpSpPr>
+      <p:sp>
+        <p:nvSpPr>
+          <p:cNvPr id="2" name="Title 1"/>
+          <p:cNvSpPr>
+            <a:spLocks noGrp="1"/>
+          </p:cNvSpPr>
+          <p:nvPr>
+            <p:ph type="title"/>
+          </p:nvPr>
+        </p:nvSpPr>
+        <p:spPr/>
+        <p:txBody>
+          <a:bodyPr/>
+          <a:lstStyle/>
+          <a:p>
+            <a:endParaRPr lang="en-US"/>
+          </a:p>
+        </p:txBody>
+      </p:sp>
+      <p:graphicFrame>
+        <p:nvGraphicFramePr>
+          <p:cNvPr id="4" name="Content Placeholder 3"/>
+          <p:cNvGraphicFramePr>
+            <a:graphicFrameLocks noGrp="1"/>
+          </p:cNvGraphicFramePr>
+          <p:nvPr>
+            <p:ph idx="1"/>
+            <p:extLst>
+              <p:ext uri="{D42A27DB-BD31-4B8C-83A1-F6EECF244321}">
+                <p14:modId xmlns:p14="http://schemas.microsoft.com/office/powerpoint/2010/main" val="3090803168"/>
+              </p:ext>
+            </p:extLst>
+          </p:nvPr>
+        </p:nvGraphicFramePr>
+        <p:xfrm>
+          <a:off x="457200" y="1600200"/>
+          <a:ext cx="8229600" cy="2595880"/>
+        </p:xfrm>
+        <a:graphic>
+          <a:graphicData uri="http://schemas.openxmlformats.org/drawingml/2006/table">
+            <a:tbl>
+              <a:tblPr firstRow="1" bandRow="1">
+                <a:tableStyleId>{5C22544A-7EE6-4342-B048-85BDC9FD1C3A}</a:tableStyleId>
+              </a:tblPr>
+              <a:tblGrid>
+                <a:gridCol w="8229600"/>
+              </a:tblGrid>
+              <a:tr h="370840">
+                <a:tc>
+                  <a:txBody>
+                    <a:bodyPr/>
+                    <a:lstStyle/>
+                    <a:p>
+                      <a:r>
+                        <a:rPr lang="en-US" dirty="0" smtClean="0"/>
+                        <a:t>Lessons Learned</a:t>
+                      </a:r>
+                      <a:endParaRPr lang="en-US" dirty="0"/>
+                    </a:p>
+                  </a:txBody>
+                  <a:tcPr/>
+                </a:tc>
+              </a:tr>
+              <a:tr h="370840">
+                <a:tc>
+                  <a:txBody>
+                    <a:bodyPr/>
+                    <a:lstStyle/>
+                    <a:p>
+                      <a:r>
+                        <a:rPr lang="en-US" dirty="0" smtClean="0"/>
+                        <a:t>Understand the</a:t>
+                      </a:r>
+                      <a:r>
+                        <a:rPr lang="en-US" baseline="0" dirty="0" smtClean="0"/>
+                        <a:t> customer’s needs</a:t>
+                      </a:r>
+                      <a:endParaRPr lang="en-US" dirty="0"/>
+                    </a:p>
+                  </a:txBody>
+                  <a:tcPr/>
+                </a:tc>
+              </a:tr>
+              <a:tr h="370840">
+                <a:tc>
+                  <a:txBody>
+                    <a:bodyPr/>
+                    <a:lstStyle/>
+                    <a:p>
+                      <a:r>
+                        <a:rPr lang="en-US" dirty="0" smtClean="0"/>
+                        <a:t>Constant communication with team and customer</a:t>
+                      </a:r>
+                      <a:endParaRPr lang="en-US" dirty="0"/>
+                    </a:p>
+                  </a:txBody>
+                  <a:tcPr/>
+                </a:tc>
+              </a:tr>
+              <a:tr h="370840">
+                <a:tc>
+                  <a:txBody>
+                    <a:bodyPr/>
+                    <a:lstStyle/>
+                    <a:p>
+                      <a:r>
+                        <a:rPr lang="en-US" dirty="0" smtClean="0"/>
+                        <a:t>Ask for help when needed</a:t>
+                      </a:r>
+                      <a:endParaRPr lang="en-US" dirty="0"/>
+                    </a:p>
+                  </a:txBody>
+                  <a:tcPr/>
+                </a:tc>
+              </a:tr>
+              <a:tr h="370840">
+                <a:tc>
+                  <a:txBody>
+                    <a:bodyPr/>
+                    <a:lstStyle/>
+                    <a:p>
+                      <a:r>
+                        <a:rPr lang="en-US" dirty="0" smtClean="0"/>
+                        <a:t>Hold each other accountable</a:t>
+                      </a:r>
+                      <a:endParaRPr lang="en-US" dirty="0"/>
+                    </a:p>
+                  </a:txBody>
+                  <a:tcPr/>
+                </a:tc>
+              </a:tr>
+              <a:tr h="370840">
+                <a:tc>
+                  <a:txBody>
+                    <a:bodyPr/>
+                    <a:lstStyle/>
+                    <a:p>
+                      <a:r>
+                        <a:rPr lang="en-US" dirty="0" smtClean="0"/>
+                        <a:t>Design in as much detail as possible before implementation</a:t>
+                      </a:r>
+                    </a:p>
+                  </a:txBody>
+                  <a:tcPr/>
+                </a:tc>
+              </a:tr>
+              <a:tr h="370840">
+                <a:tc>
+                  <a:txBody>
+                    <a:bodyPr/>
+                    <a:lstStyle/>
+                    <a:p>
+                      <a:r>
+                        <a:rPr lang="en-US" dirty="0" smtClean="0"/>
+                        <a:t>Use resources</a:t>
+                      </a:r>
+                      <a:r>
+                        <a:rPr lang="en-US" baseline="0" dirty="0" smtClean="0"/>
+                        <a:t> available</a:t>
+                      </a:r>
+                      <a:endParaRPr lang="en-US" dirty="0"/>
+                    </a:p>
+                  </a:txBody>
+                  <a:tcPr/>
+                </a:tc>
+              </a:tr>
+            </a:tbl>
+          </a:graphicData>
+        </a:graphic>
+      </p:graphicFrame>
+    </p:spTree>
+    <p:extLst>
+      <p:ext uri="{BB962C8B-B14F-4D97-AF65-F5344CB8AC3E}">
+        <p14:creationId xmlns:p14="http://schemas.microsoft.com/office/powerpoint/2010/main" val="2286096933"/>
       </p:ext>
     </p:extLst>
   </p:cSld>

--- a/Presentation Display/Trifold.pptx
+++ b/Presentation Display/Trifold.pptx
@@ -2,12 +2,14 @@
 <file path=ppt/presentation.xml><?xml version="1.0" encoding="utf-8"?>
 <p:presentation xmlns:a="http://schemas.openxmlformats.org/drawingml/2006/main" xmlns:r="http://schemas.openxmlformats.org/officeDocument/2006/relationships" xmlns:p="http://schemas.openxmlformats.org/presentationml/2006/main" saveSubsetFonts="1">
   <p:sldMasterIdLst>
-    <p:sldMasterId id="2147483648" r:id="rId1"/>
+    <p:sldMasterId id="2147483732" r:id="rId1"/>
   </p:sldMasterIdLst>
   <p:sldIdLst>
     <p:sldId id="256" r:id="rId2"/>
-    <p:sldId id="257" r:id="rId3"/>
-    <p:sldId id="258" r:id="rId4"/>
+    <p:sldId id="259" r:id="rId3"/>
+    <p:sldId id="257" r:id="rId4"/>
+    <p:sldId id="260" r:id="rId5"/>
+    <p:sldId id="258" r:id="rId6"/>
   </p:sldIdLst>
   <p:sldSz cx="9144000" cy="6858000" type="screen4x3"/>
   <p:notesSz cx="6858000" cy="9144000"/>
@@ -110,7 +112,7 @@
 </file>
 
 <file path=ppt/slideLayouts/slideLayout1.xml><?xml version="1.0" encoding="utf-8"?>
-<p:sldLayout xmlns:a="http://schemas.openxmlformats.org/drawingml/2006/main" xmlns:r="http://schemas.openxmlformats.org/officeDocument/2006/relationships" xmlns:p="http://schemas.openxmlformats.org/presentationml/2006/main" type="title" preserve="1">
+<p:sldLayout xmlns:a="http://schemas.openxmlformats.org/drawingml/2006/main" xmlns:r="http://schemas.openxmlformats.org/officeDocument/2006/relationships" xmlns:p="http://schemas.openxmlformats.org/presentationml/2006/main" showMasterSp="0" type="title" preserve="1">
   <p:cSld name="Title Slide">
     <p:spTree>
       <p:nvGrpSpPr>
@@ -138,19 +140,32 @@
         </p:nvSpPr>
         <p:spPr>
           <a:xfrm>
-            <a:off x="685800" y="2130425"/>
-            <a:ext cx="7772400" cy="1470025"/>
+            <a:off x="457200" y="228600"/>
+            <a:ext cx="7772400" cy="4571999"/>
           </a:xfrm>
         </p:spPr>
         <p:txBody>
-          <a:bodyPr/>
-          <a:lstStyle/>
+          <a:bodyPr anchor="ctr">
+            <a:noAutofit/>
+          </a:bodyPr>
+          <a:lstStyle>
+            <a:lvl1pPr>
+              <a:lnSpc>
+                <a:spcPct val="100000"/>
+              </a:lnSpc>
+              <a:defRPr sz="8800" spc="-80" baseline="0">
+                <a:solidFill>
+                  <a:schemeClr val="tx1"/>
+                </a:solidFill>
+              </a:defRPr>
+            </a:lvl1pPr>
+          </a:lstStyle>
           <a:p>
             <a:r>
               <a:rPr lang="en-US" smtClean="0"/>
               <a:t>Click to edit Master title style</a:t>
             </a:r>
-            <a:endParaRPr lang="en-US"/>
+            <a:endParaRPr lang="en-US" dirty="0"/>
           </a:p>
         </p:txBody>
       </p:sp>
@@ -166,21 +181,20 @@
         </p:nvSpPr>
         <p:spPr>
           <a:xfrm>
-            <a:off x="1371600" y="3886200"/>
-            <a:ext cx="6400800" cy="1752600"/>
+            <a:off x="457200" y="4800600"/>
+            <a:ext cx="6858000" cy="914400"/>
           </a:xfrm>
         </p:spPr>
         <p:txBody>
           <a:bodyPr/>
           <a:lstStyle>
-            <a:lvl1pPr marL="0" indent="0" algn="ctr">
+            <a:lvl1pPr marL="0" indent="0" algn="l">
               <a:buNone/>
-              <a:defRPr>
+              <a:defRPr b="0" cap="all" spc="120" baseline="0">
                 <a:solidFill>
-                  <a:schemeClr val="tx1">
-                    <a:tint val="75000"/>
-                  </a:schemeClr>
+                  <a:schemeClr val="tx2"/>
                 </a:solidFill>
+                <a:latin typeface="+mj-lt"/>
               </a:defRPr>
             </a:lvl1pPr>
             <a:lvl2pPr marL="457200" indent="0" algn="ctr">
@@ -269,7 +283,7 @@
               <a:rPr lang="en-US" smtClean="0"/>
               <a:t>Click to edit Master subtitle style</a:t>
             </a:r>
-            <a:endParaRPr lang="en-US"/>
+            <a:endParaRPr lang="en-US" dirty="0"/>
           </a:p>
         </p:txBody>
       </p:sp>
@@ -317,6 +331,98 @@
       </p:sp>
       <p:sp>
         <p:nvSpPr>
+          <p:cNvPr id="9" name="Rectangle 8"/>
+          <p:cNvSpPr/>
+          <p:nvPr/>
+        </p:nvSpPr>
+        <p:spPr>
+          <a:xfrm>
+            <a:off x="9001124" y="4846320"/>
+            <a:ext cx="142876" cy="2011680"/>
+          </a:xfrm>
+          <a:prstGeom prst="rect">
+            <a:avLst/>
+          </a:prstGeom>
+          <a:solidFill>
+            <a:schemeClr val="tx2"/>
+          </a:solidFill>
+          <a:ln>
+            <a:noFill/>
+          </a:ln>
+        </p:spPr>
+        <p:style>
+          <a:lnRef idx="2">
+            <a:schemeClr val="accent1">
+              <a:shade val="50000"/>
+            </a:schemeClr>
+          </a:lnRef>
+          <a:fillRef idx="1">
+            <a:schemeClr val="accent1"/>
+          </a:fillRef>
+          <a:effectRef idx="0">
+            <a:schemeClr val="accent1"/>
+          </a:effectRef>
+          <a:fontRef idx="minor">
+            <a:schemeClr val="lt1"/>
+          </a:fontRef>
+        </p:style>
+        <p:txBody>
+          <a:bodyPr rtlCol="0" anchor="ctr"/>
+          <a:lstStyle/>
+          <a:p>
+            <a:pPr algn="ctr"/>
+            <a:endParaRPr lang="en-US"/>
+          </a:p>
+        </p:txBody>
+      </p:sp>
+      <p:sp>
+        <p:nvSpPr>
+          <p:cNvPr id="10" name="Rectangle 9"/>
+          <p:cNvSpPr/>
+          <p:nvPr/>
+        </p:nvSpPr>
+        <p:spPr>
+          <a:xfrm>
+            <a:off x="9001124" y="0"/>
+            <a:ext cx="142876" cy="4846320"/>
+          </a:xfrm>
+          <a:prstGeom prst="rect">
+            <a:avLst/>
+          </a:prstGeom>
+          <a:solidFill>
+            <a:schemeClr val="tx1"/>
+          </a:solidFill>
+          <a:ln>
+            <a:noFill/>
+          </a:ln>
+        </p:spPr>
+        <p:style>
+          <a:lnRef idx="2">
+            <a:schemeClr val="accent1">
+              <a:shade val="50000"/>
+            </a:schemeClr>
+          </a:lnRef>
+          <a:fillRef idx="1">
+            <a:schemeClr val="accent1"/>
+          </a:fillRef>
+          <a:effectRef idx="0">
+            <a:schemeClr val="accent1"/>
+          </a:effectRef>
+          <a:fontRef idx="minor">
+            <a:schemeClr val="lt1"/>
+          </a:fontRef>
+        </p:style>
+        <p:txBody>
+          <a:bodyPr rtlCol="0" anchor="ctr"/>
+          <a:lstStyle/>
+          <a:p>
+            <a:pPr algn="ctr"/>
+            <a:endParaRPr lang="en-US"/>
+          </a:p>
+        </p:txBody>
+      </p:sp>
+      <p:sp>
+        <p:nvSpPr>
           <p:cNvPr id="6" name="Slide Number Placeholder 5"/>
           <p:cNvSpPr>
             <a:spLocks noGrp="1"/>
@@ -328,7 +434,15 @@
         <p:spPr/>
         <p:txBody>
           <a:bodyPr/>
-          <a:lstStyle/>
+          <a:lstStyle>
+            <a:lvl1pPr>
+              <a:defRPr>
+                <a:solidFill>
+                  <a:schemeClr val="tx1"/>
+                </a:solidFill>
+              </a:defRPr>
+            </a:lvl1pPr>
+          </a:lstStyle>
           <a:p>
             <a:fld id="{6FAF4D72-3124-43CC-833B-AF31EC2B4EA3}" type="slidenum">
               <a:rPr lang="en-US" smtClean="0"/>
@@ -339,11 +453,6 @@
         </p:txBody>
       </p:sp>
     </p:spTree>
-    <p:extLst>
-      <p:ext uri="{BB962C8B-B14F-4D97-AF65-F5344CB8AC3E}">
-        <p14:creationId xmlns:p14="http://schemas.microsoft.com/office/powerpoint/2010/main" val="2865356156"/>
-      </p:ext>
-    </p:extLst>
   </p:cSld>
   <p:clrMapOvr>
     <a:masterClrMapping/>
@@ -509,11 +618,6 @@
         </p:txBody>
       </p:sp>
     </p:spTree>
-    <p:extLst>
-      <p:ext uri="{BB962C8B-B14F-4D97-AF65-F5344CB8AC3E}">
-        <p14:creationId xmlns:p14="http://schemas.microsoft.com/office/powerpoint/2010/main" val="1509789025"/>
-      </p:ext>
-    </p:extLst>
   </p:cSld>
   <p:clrMapOvr>
     <a:masterClrMapping/>
@@ -689,11 +793,6 @@
         </p:txBody>
       </p:sp>
     </p:spTree>
-    <p:extLst>
-      <p:ext uri="{BB962C8B-B14F-4D97-AF65-F5344CB8AC3E}">
-        <p14:creationId xmlns:p14="http://schemas.microsoft.com/office/powerpoint/2010/main" val="2139982575"/>
-      </p:ext>
-    </p:extLst>
   </p:cSld>
   <p:clrMapOvr>
     <a:masterClrMapping/>
@@ -789,7 +888,7 @@
               <a:rPr lang="en-US" smtClean="0"/>
               <a:t>Fifth level</a:t>
             </a:r>
-            <a:endParaRPr lang="en-US"/>
+            <a:endParaRPr lang="en-US" dirty="0"/>
           </a:p>
         </p:txBody>
       </p:sp>
@@ -859,11 +958,6 @@
         </p:txBody>
       </p:sp>
     </p:spTree>
-    <p:extLst>
-      <p:ext uri="{BB962C8B-B14F-4D97-AF65-F5344CB8AC3E}">
-        <p14:creationId xmlns:p14="http://schemas.microsoft.com/office/powerpoint/2010/main" val="385454750"/>
-      </p:ext>
-    </p:extLst>
   </p:cSld>
   <p:clrMapOvr>
     <a:masterClrMapping/>
@@ -900,15 +994,24 @@
         </p:nvSpPr>
         <p:spPr>
           <a:xfrm>
-            <a:off x="722313" y="4406900"/>
-            <a:ext cx="7772400" cy="1362075"/>
+            <a:off x="457200" y="1447800"/>
+            <a:ext cx="7772400" cy="4321175"/>
           </a:xfrm>
         </p:spPr>
         <p:txBody>
-          <a:bodyPr anchor="t"/>
+          <a:bodyPr anchor="ctr">
+            <a:noAutofit/>
+          </a:bodyPr>
           <a:lstStyle>
             <a:lvl1pPr algn="l">
-              <a:defRPr sz="4000" b="1" cap="all"/>
+              <a:lnSpc>
+                <a:spcPct val="100000"/>
+              </a:lnSpc>
+              <a:defRPr sz="8800" b="0" cap="all" spc="-80" baseline="0">
+                <a:solidFill>
+                  <a:schemeClr val="tx1"/>
+                </a:solidFill>
+              </a:defRPr>
             </a:lvl1pPr>
           </a:lstStyle>
           <a:p>
@@ -916,7 +1019,7 @@
               <a:rPr lang="en-US" smtClean="0"/>
               <a:t>Click to edit Master title style</a:t>
             </a:r>
-            <a:endParaRPr lang="en-US"/>
+            <a:endParaRPr lang="en-US" dirty="0"/>
           </a:p>
         </p:txBody>
       </p:sp>
@@ -932,8 +1035,8 @@
         </p:nvSpPr>
         <p:spPr>
           <a:xfrm>
-            <a:off x="722313" y="2906713"/>
-            <a:ext cx="7772400" cy="1500187"/>
+            <a:off x="457200" y="228601"/>
+            <a:ext cx="7772400" cy="1066800"/>
           </a:xfrm>
         </p:spPr>
         <p:txBody>
@@ -941,12 +1044,11 @@
           <a:lstStyle>
             <a:lvl1pPr marL="0" indent="0">
               <a:buNone/>
-              <a:defRPr sz="2000">
+              <a:defRPr sz="2000" b="0" cap="all" spc="120" baseline="0">
                 <a:solidFill>
-                  <a:schemeClr val="tx1">
-                    <a:tint val="75000"/>
-                  </a:schemeClr>
+                  <a:schemeClr val="tx2"/>
                 </a:solidFill>
+                <a:latin typeface="+mj-lt"/>
               </a:defRPr>
             </a:lvl1pPr>
             <a:lvl2pPr marL="457200" indent="0">
@@ -1041,7 +1143,7 @@
       </p:sp>
       <p:sp>
         <p:nvSpPr>
-          <p:cNvPr id="4" name="Date Placeholder 3"/>
+          <p:cNvPr id="7" name="Date Placeholder 6"/>
           <p:cNvSpPr>
             <a:spLocks noGrp="1"/>
           </p:cNvSpPr>
@@ -1064,12 +1166,12 @@
       </p:sp>
       <p:sp>
         <p:nvSpPr>
-          <p:cNvPr id="5" name="Footer Placeholder 4"/>
+          <p:cNvPr id="8" name="Slide Number Placeholder 7"/>
           <p:cNvSpPr>
             <a:spLocks noGrp="1"/>
           </p:cNvSpPr>
           <p:nvPr>
-            <p:ph type="ftr" sz="quarter" idx="11"/>
+            <p:ph type="sldNum" sz="quarter" idx="11"/>
           </p:nvPr>
         </p:nvSpPr>
         <p:spPr/>
@@ -1077,18 +1179,22 @@
           <a:bodyPr/>
           <a:lstStyle/>
           <a:p>
+            <a:fld id="{6FAF4D72-3124-43CC-833B-AF31EC2B4EA3}" type="slidenum">
+              <a:rPr lang="en-US" smtClean="0"/>
+              <a:t>‹#›</a:t>
+            </a:fld>
             <a:endParaRPr lang="en-US"/>
           </a:p>
         </p:txBody>
       </p:sp>
       <p:sp>
         <p:nvSpPr>
-          <p:cNvPr id="6" name="Slide Number Placeholder 5"/>
+          <p:cNvPr id="9" name="Footer Placeholder 8"/>
           <p:cNvSpPr>
             <a:spLocks noGrp="1"/>
           </p:cNvSpPr>
           <p:nvPr>
-            <p:ph type="sldNum" sz="quarter" idx="12"/>
+            <p:ph type="ftr" sz="quarter" idx="12"/>
           </p:nvPr>
         </p:nvSpPr>
         <p:spPr/>
@@ -1096,20 +1202,11 @@
           <a:bodyPr/>
           <a:lstStyle/>
           <a:p>
-            <a:fld id="{6FAF4D72-3124-43CC-833B-AF31EC2B4EA3}" type="slidenum">
-              <a:rPr lang="en-US" smtClean="0"/>
-              <a:t>‹#›</a:t>
-            </a:fld>
             <a:endParaRPr lang="en-US"/>
           </a:p>
         </p:txBody>
       </p:sp>
     </p:spTree>
-    <p:extLst>
-      <p:ext uri="{BB962C8B-B14F-4D97-AF65-F5344CB8AC3E}">
-        <p14:creationId xmlns:p14="http://schemas.microsoft.com/office/powerpoint/2010/main" val="2404874493"/>
-      </p:ext>
-    </p:extLst>
   </p:cSld>
   <p:clrMapOvr>
     <a:masterClrMapping/>
@@ -1169,8 +1266,8 @@
         </p:nvSpPr>
         <p:spPr>
           <a:xfrm>
-            <a:off x="457200" y="1600200"/>
-            <a:ext cx="4038600" cy="4525963"/>
+            <a:off x="1630680" y="1574800"/>
+            <a:ext cx="3291840" cy="4525963"/>
           </a:xfrm>
         </p:spPr>
         <p:txBody>
@@ -1238,7 +1335,7 @@
               <a:rPr lang="en-US" smtClean="0"/>
               <a:t>Fifth level</a:t>
             </a:r>
-            <a:endParaRPr lang="en-US"/>
+            <a:endParaRPr lang="en-US" dirty="0"/>
           </a:p>
         </p:txBody>
       </p:sp>
@@ -1254,8 +1351,8 @@
         </p:nvSpPr>
         <p:spPr>
           <a:xfrm>
-            <a:off x="4648200" y="1600200"/>
-            <a:ext cx="4038600" cy="4525963"/>
+            <a:off x="5090160" y="1574800"/>
+            <a:ext cx="3291840" cy="4525963"/>
           </a:xfrm>
         </p:spPr>
         <p:txBody>
@@ -1323,7 +1420,7 @@
               <a:rPr lang="en-US" smtClean="0"/>
               <a:t>Fifth level</a:t>
             </a:r>
-            <a:endParaRPr lang="en-US"/>
+            <a:endParaRPr lang="en-US" dirty="0"/>
           </a:p>
         </p:txBody>
       </p:sp>
@@ -1393,11 +1490,6 @@
         </p:txBody>
       </p:sp>
     </p:spTree>
-    <p:extLst>
-      <p:ext uri="{BB962C8B-B14F-4D97-AF65-F5344CB8AC3E}">
-        <p14:creationId xmlns:p14="http://schemas.microsoft.com/office/powerpoint/2010/main" val="416619983"/>
-      </p:ext>
-    </p:extLst>
   </p:cSld>
   <p:clrMapOvr>
     <a:masterClrMapping/>
@@ -1461,16 +1553,23 @@
         </p:nvSpPr>
         <p:spPr>
           <a:xfrm>
-            <a:off x="457200" y="1535113"/>
-            <a:ext cx="4040188" cy="639762"/>
+            <a:off x="1627632" y="1572768"/>
+            <a:ext cx="3291840" cy="639762"/>
           </a:xfrm>
         </p:spPr>
         <p:txBody>
-          <a:bodyPr anchor="b"/>
+          <a:bodyPr anchor="b">
+            <a:noAutofit/>
+          </a:bodyPr>
           <a:lstStyle>
             <a:lvl1pPr marL="0" indent="0">
               <a:buNone/>
-              <a:defRPr sz="2400" b="1"/>
+              <a:defRPr sz="1800" b="0" cap="all" spc="100" baseline="0">
+                <a:solidFill>
+                  <a:schemeClr val="tx1"/>
+                </a:solidFill>
+                <a:latin typeface="+mj-lt"/>
+              </a:defRPr>
             </a:lvl1pPr>
             <a:lvl2pPr marL="457200" indent="0">
               <a:buNone/>
@@ -1526,8 +1625,8 @@
         </p:nvSpPr>
         <p:spPr>
           <a:xfrm>
-            <a:off x="457200" y="2174875"/>
-            <a:ext cx="4040188" cy="3951288"/>
+            <a:off x="1627632" y="2259366"/>
+            <a:ext cx="3291840" cy="3840480"/>
           </a:xfrm>
         </p:spPr>
         <p:txBody>
@@ -1595,7 +1694,7 @@
               <a:rPr lang="en-US" smtClean="0"/>
               <a:t>Fifth level</a:t>
             </a:r>
-            <a:endParaRPr lang="en-US"/>
+            <a:endParaRPr lang="en-US" dirty="0"/>
           </a:p>
         </p:txBody>
       </p:sp>
@@ -1611,16 +1710,25 @@
         </p:nvSpPr>
         <p:spPr>
           <a:xfrm>
-            <a:off x="4645025" y="1535113"/>
-            <a:ext cx="4041775" cy="639762"/>
+            <a:off x="5093208" y="1572768"/>
+            <a:ext cx="3291840" cy="639762"/>
           </a:xfrm>
         </p:spPr>
         <p:txBody>
-          <a:bodyPr anchor="b"/>
+          <a:bodyPr anchor="b">
+            <a:noAutofit/>
+          </a:bodyPr>
           <a:lstStyle>
             <a:lvl1pPr marL="0" indent="0">
               <a:buNone/>
-              <a:defRPr sz="2400" b="1"/>
+              <a:defRPr lang="en-US" sz="1800" b="0" kern="1200" cap="all" spc="100" baseline="0" dirty="0" smtClean="0">
+                <a:solidFill>
+                  <a:schemeClr val="tx1"/>
+                </a:solidFill>
+                <a:latin typeface="+mj-lt"/>
+                <a:ea typeface="+mn-ea"/>
+                <a:cs typeface="+mn-cs"/>
+              </a:defRPr>
             </a:lvl1pPr>
             <a:lvl2pPr marL="457200" indent="0">
               <a:buNone/>
@@ -1656,7 +1764,13 @@
             </a:lvl9pPr>
           </a:lstStyle>
           <a:p>
-            <a:pPr lvl="0"/>
+            <a:pPr marL="0" lvl="0" indent="0" algn="l" defTabSz="914400" rtl="0" eaLnBrk="1" latinLnBrk="0" hangingPunct="1">
+              <a:spcBef>
+                <a:spcPct val="20000"/>
+              </a:spcBef>
+              <a:buFont typeface="Arial" pitchFamily="34" charset="0"/>
+              <a:buNone/>
+            </a:pPr>
             <a:r>
               <a:rPr lang="en-US" smtClean="0"/>
               <a:t>Click to edit Master text styles</a:t>
@@ -1676,8 +1790,8 @@
         </p:nvSpPr>
         <p:spPr>
           <a:xfrm>
-            <a:off x="4645025" y="2174875"/>
-            <a:ext cx="4041775" cy="3951288"/>
+            <a:off x="5093208" y="2259366"/>
+            <a:ext cx="3291840" cy="3840480"/>
           </a:xfrm>
         </p:spPr>
         <p:txBody>
@@ -1745,7 +1859,7 @@
               <a:rPr lang="en-US" smtClean="0"/>
               <a:t>Fifth level</a:t>
             </a:r>
-            <a:endParaRPr lang="en-US"/>
+            <a:endParaRPr lang="en-US" dirty="0"/>
           </a:p>
         </p:txBody>
       </p:sp>
@@ -1815,11 +1929,6 @@
         </p:txBody>
       </p:sp>
     </p:spTree>
-    <p:extLst>
-      <p:ext uri="{BB962C8B-B14F-4D97-AF65-F5344CB8AC3E}">
-        <p14:creationId xmlns:p14="http://schemas.microsoft.com/office/powerpoint/2010/main" val="3530447235"/>
-      </p:ext>
-    </p:extLst>
   </p:cSld>
   <p:clrMapOvr>
     <a:masterClrMapping/>
@@ -1933,11 +2042,6 @@
         </p:txBody>
       </p:sp>
     </p:spTree>
-    <p:extLst>
-      <p:ext uri="{BB962C8B-B14F-4D97-AF65-F5344CB8AC3E}">
-        <p14:creationId xmlns:p14="http://schemas.microsoft.com/office/powerpoint/2010/main" val="2028035366"/>
-      </p:ext>
-    </p:extLst>
   </p:cSld>
   <p:clrMapOvr>
     <a:masterClrMapping/>
@@ -2028,11 +2132,6 @@
         </p:txBody>
       </p:sp>
     </p:spTree>
-    <p:extLst>
-      <p:ext uri="{BB962C8B-B14F-4D97-AF65-F5344CB8AC3E}">
-        <p14:creationId xmlns:p14="http://schemas.microsoft.com/office/powerpoint/2010/main" val="4113565832"/>
-      </p:ext>
-    </p:extLst>
   </p:cSld>
   <p:clrMapOvr>
     <a:masterClrMapping/>
@@ -2059,38 +2158,6 @@
       </p:grpSpPr>
       <p:sp>
         <p:nvSpPr>
-          <p:cNvPr id="2" name="Title 1"/>
-          <p:cNvSpPr>
-            <a:spLocks noGrp="1"/>
-          </p:cNvSpPr>
-          <p:nvPr>
-            <p:ph type="title"/>
-          </p:nvPr>
-        </p:nvSpPr>
-        <p:spPr>
-          <a:xfrm>
-            <a:off x="457200" y="273050"/>
-            <a:ext cx="3008313" cy="1162050"/>
-          </a:xfrm>
-        </p:spPr>
-        <p:txBody>
-          <a:bodyPr anchor="b"/>
-          <a:lstStyle>
-            <a:lvl1pPr algn="l">
-              <a:defRPr sz="2000" b="1"/>
-            </a:lvl1pPr>
-          </a:lstStyle>
-          <a:p>
-            <a:r>
-              <a:rPr lang="en-US" smtClean="0"/>
-              <a:t>Click to edit Master title style</a:t>
-            </a:r>
-            <a:endParaRPr lang="en-US"/>
-          </a:p>
-        </p:txBody>
-      </p:sp>
-      <p:sp>
-        <p:nvSpPr>
           <p:cNvPr id="3" name="Content Placeholder 2"/>
           <p:cNvSpPr>
             <a:spLocks noGrp="1"/>
@@ -2101,8 +2168,8 @@
         </p:nvSpPr>
         <p:spPr>
           <a:xfrm>
-            <a:off x="3575050" y="273050"/>
-            <a:ext cx="5111750" cy="5853113"/>
+            <a:off x="3575050" y="1600200"/>
+            <a:ext cx="5111750" cy="4480560"/>
           </a:xfrm>
         </p:spPr>
         <p:txBody>
@@ -2170,7 +2237,7 @@
               <a:rPr lang="en-US" smtClean="0"/>
               <a:t>Fifth level</a:t>
             </a:r>
-            <a:endParaRPr lang="en-US"/>
+            <a:endParaRPr lang="en-US" dirty="0"/>
           </a:p>
         </p:txBody>
       </p:sp>
@@ -2186,16 +2253,18 @@
         </p:nvSpPr>
         <p:spPr>
           <a:xfrm>
-            <a:off x="457200" y="1435100"/>
-            <a:ext cx="3008313" cy="4691063"/>
+            <a:off x="457200" y="1600200"/>
+            <a:ext cx="3008313" cy="4480560"/>
           </a:xfrm>
         </p:spPr>
         <p:txBody>
-          <a:bodyPr/>
+          <a:bodyPr>
+            <a:normAutofit/>
+          </a:bodyPr>
           <a:lstStyle>
             <a:lvl1pPr marL="0" indent="0">
               <a:buNone/>
-              <a:defRPr sz="1400"/>
+              <a:defRPr sz="1600"/>
             </a:lvl1pPr>
             <a:lvl2pPr marL="457200" indent="0">
               <a:buNone/>
@@ -2304,12 +2373,30 @@
           </a:p>
         </p:txBody>
       </p:sp>
+      <p:sp>
+        <p:nvSpPr>
+          <p:cNvPr id="8" name="Title 7"/>
+          <p:cNvSpPr>
+            <a:spLocks noGrp="1"/>
+          </p:cNvSpPr>
+          <p:nvPr>
+            <p:ph type="title"/>
+          </p:nvPr>
+        </p:nvSpPr>
+        <p:spPr/>
+        <p:txBody>
+          <a:bodyPr/>
+          <a:lstStyle/>
+          <a:p>
+            <a:r>
+              <a:rPr lang="en-US" smtClean="0"/>
+              <a:t>Click to edit Master title style</a:t>
+            </a:r>
+            <a:endParaRPr lang="en-US"/>
+          </a:p>
+        </p:txBody>
+      </p:sp>
     </p:spTree>
-    <p:extLst>
-      <p:ext uri="{BB962C8B-B14F-4D97-AF65-F5344CB8AC3E}">
-        <p14:creationId xmlns:p14="http://schemas.microsoft.com/office/powerpoint/2010/main" val="2816573438"/>
-      </p:ext>
-    </p:extLst>
   </p:cSld>
   <p:clrMapOvr>
     <a:masterClrMapping/>
@@ -2318,7 +2405,7 @@
 </file>
 
 <file path=ppt/slideLayouts/slideLayout9.xml><?xml version="1.0" encoding="utf-8"?>
-<p:sldLayout xmlns:a="http://schemas.openxmlformats.org/drawingml/2006/main" xmlns:r="http://schemas.openxmlformats.org/officeDocument/2006/relationships" xmlns:p="http://schemas.openxmlformats.org/presentationml/2006/main" type="picTx" preserve="1">
+<p:sldLayout xmlns:a="http://schemas.openxmlformats.org/drawingml/2006/main" xmlns:r="http://schemas.openxmlformats.org/officeDocument/2006/relationships" xmlns:p="http://schemas.openxmlformats.org/presentationml/2006/main" showMasterSp="0" type="picTx" preserve="1">
   <p:cSld name="Picture with Caption">
     <p:spTree>
       <p:nvGrpSpPr>
@@ -2336,32 +2423,46 @@
       </p:grpSpPr>
       <p:sp>
         <p:nvSpPr>
-          <p:cNvPr id="2" name="Title 1"/>
-          <p:cNvSpPr>
-            <a:spLocks noGrp="1"/>
-          </p:cNvSpPr>
-          <p:nvPr>
-            <p:ph type="title"/>
-          </p:nvPr>
+          <p:cNvPr id="9" name="Rectangle 8"/>
+          <p:cNvSpPr/>
+          <p:nvPr/>
         </p:nvSpPr>
         <p:spPr>
           <a:xfrm>
-            <a:off x="1792288" y="4800600"/>
-            <a:ext cx="5486400" cy="566738"/>
+            <a:off x="9001124" y="4846320"/>
+            <a:ext cx="142876" cy="2011680"/>
           </a:xfrm>
+          <a:prstGeom prst="rect">
+            <a:avLst/>
+          </a:prstGeom>
+          <a:solidFill>
+            <a:schemeClr val="tx2"/>
+          </a:solidFill>
+          <a:ln>
+            <a:noFill/>
+          </a:ln>
         </p:spPr>
+        <p:style>
+          <a:lnRef idx="2">
+            <a:schemeClr val="accent1">
+              <a:shade val="50000"/>
+            </a:schemeClr>
+          </a:lnRef>
+          <a:fillRef idx="1">
+            <a:schemeClr val="accent1"/>
+          </a:fillRef>
+          <a:effectRef idx="0">
+            <a:schemeClr val="accent1"/>
+          </a:effectRef>
+          <a:fontRef idx="minor">
+            <a:schemeClr val="lt1"/>
+          </a:fontRef>
+        </p:style>
         <p:txBody>
-          <a:bodyPr anchor="b"/>
-          <a:lstStyle>
-            <a:lvl1pPr algn="l">
-              <a:defRPr sz="2000" b="1"/>
-            </a:lvl1pPr>
-          </a:lstStyle>
-          <a:p>
-            <a:r>
-              <a:rPr lang="en-US" smtClean="0"/>
-              <a:t>Click to edit Master title style</a:t>
-            </a:r>
+          <a:bodyPr rtlCol="0" anchor="ctr"/>
+          <a:lstStyle/>
+          <a:p>
+            <a:pPr algn="ctr"/>
             <a:endParaRPr lang="en-US"/>
           </a:p>
         </p:txBody>
@@ -2378,9 +2479,14 @@
         </p:nvSpPr>
         <p:spPr>
           <a:xfrm>
-            <a:off x="1792288" y="612775"/>
-            <a:ext cx="5486400" cy="4114800"/>
+            <a:off x="-1" y="0"/>
+            <a:ext cx="9000877" cy="4846320"/>
           </a:xfrm>
+          <a:solidFill>
+            <a:schemeClr val="bg1">
+              <a:lumMod val="75000"/>
+            </a:schemeClr>
+          </a:solidFill>
         </p:spPr>
         <p:txBody>
           <a:bodyPr/>
@@ -2423,6 +2529,10 @@
             </a:lvl9pPr>
           </a:lstStyle>
           <a:p>
+            <a:r>
+              <a:rPr lang="en-US" smtClean="0"/>
+              <a:t>Click icon to add picture</a:t>
+            </a:r>
             <a:endParaRPr lang="en-US"/>
           </a:p>
         </p:txBody>
@@ -2439,8 +2549,8 @@
         </p:nvSpPr>
         <p:spPr>
           <a:xfrm>
-            <a:off x="1792288" y="5367338"/>
-            <a:ext cx="5486400" cy="804862"/>
+            <a:off x="457200" y="5715000"/>
+            <a:ext cx="8153400" cy="457200"/>
           </a:xfrm>
         </p:spPr>
         <p:txBody>
@@ -2448,7 +2558,7 @@
           <a:lstStyle>
             <a:lvl1pPr marL="0" indent="0">
               <a:buNone/>
-              <a:defRPr sz="1400"/>
+              <a:defRPr sz="1600"/>
             </a:lvl1pPr>
             <a:lvl2pPr marL="457200" indent="0">
               <a:buNone/>
@@ -2547,7 +2657,15 @@
         <p:spPr/>
         <p:txBody>
           <a:bodyPr/>
-          <a:lstStyle/>
+          <a:lstStyle>
+            <a:lvl1pPr>
+              <a:defRPr>
+                <a:solidFill>
+                  <a:schemeClr val="tx1"/>
+                </a:solidFill>
+              </a:defRPr>
+            </a:lvl1pPr>
+          </a:lstStyle>
           <a:p>
             <a:fld id="{6FAF4D72-3124-43CC-833B-AF31EC2B4EA3}" type="slidenum">
               <a:rPr lang="en-US" smtClean="0"/>
@@ -2557,12 +2675,87 @@
           </a:p>
         </p:txBody>
       </p:sp>
+      <p:sp>
+        <p:nvSpPr>
+          <p:cNvPr id="8" name="Title 7"/>
+          <p:cNvSpPr>
+            <a:spLocks noGrp="1"/>
+          </p:cNvSpPr>
+          <p:nvPr>
+            <p:ph type="title"/>
+          </p:nvPr>
+        </p:nvSpPr>
+        <p:spPr>
+          <a:xfrm>
+            <a:off x="457200" y="4953000"/>
+            <a:ext cx="8153400" cy="762000"/>
+          </a:xfrm>
+        </p:spPr>
+        <p:txBody>
+          <a:bodyPr anchor="t">
+            <a:normAutofit/>
+          </a:bodyPr>
+          <a:lstStyle>
+            <a:lvl1pPr>
+              <a:defRPr sz="3200"/>
+            </a:lvl1pPr>
+          </a:lstStyle>
+          <a:p>
+            <a:r>
+              <a:rPr lang="en-US" smtClean="0"/>
+              <a:t>Click to edit Master title style</a:t>
+            </a:r>
+            <a:endParaRPr lang="en-US" dirty="0"/>
+          </a:p>
+        </p:txBody>
+      </p:sp>
+      <p:sp>
+        <p:nvSpPr>
+          <p:cNvPr id="10" name="Rectangle 9"/>
+          <p:cNvSpPr/>
+          <p:nvPr/>
+        </p:nvSpPr>
+        <p:spPr>
+          <a:xfrm>
+            <a:off x="9001124" y="0"/>
+            <a:ext cx="142876" cy="4846320"/>
+          </a:xfrm>
+          <a:prstGeom prst="rect">
+            <a:avLst/>
+          </a:prstGeom>
+          <a:solidFill>
+            <a:schemeClr val="tx1"/>
+          </a:solidFill>
+          <a:ln>
+            <a:noFill/>
+          </a:ln>
+        </p:spPr>
+        <p:style>
+          <a:lnRef idx="2">
+            <a:schemeClr val="accent1">
+              <a:shade val="50000"/>
+            </a:schemeClr>
+          </a:lnRef>
+          <a:fillRef idx="1">
+            <a:schemeClr val="accent1"/>
+          </a:fillRef>
+          <a:effectRef idx="0">
+            <a:schemeClr val="accent1"/>
+          </a:effectRef>
+          <a:fontRef idx="minor">
+            <a:schemeClr val="lt1"/>
+          </a:fontRef>
+        </p:style>
+        <p:txBody>
+          <a:bodyPr rtlCol="0" anchor="ctr"/>
+          <a:lstStyle/>
+          <a:p>
+            <a:pPr algn="ctr"/>
+            <a:endParaRPr lang="en-US"/>
+          </a:p>
+        </p:txBody>
+      </p:sp>
     </p:spTree>
-    <p:extLst>
-      <p:ext uri="{BB962C8B-B14F-4D97-AF65-F5344CB8AC3E}">
-        <p14:creationId xmlns:p14="http://schemas.microsoft.com/office/powerpoint/2010/main" val="454574928"/>
-      </p:ext>
-    </p:extLst>
   </p:cSld>
   <p:clrMapOvr>
     <a:masterClrMapping/>
@@ -2604,15 +2797,15 @@
         </p:nvSpPr>
         <p:spPr>
           <a:xfrm>
-            <a:off x="457200" y="274638"/>
-            <a:ext cx="8229600" cy="1143000"/>
+            <a:off x="457200" y="152718"/>
+            <a:ext cx="5791200" cy="1371600"/>
           </a:xfrm>
           <a:prstGeom prst="rect">
             <a:avLst/>
           </a:prstGeom>
         </p:spPr>
         <p:txBody>
-          <a:bodyPr vert="horz" lIns="91440" tIns="45720" rIns="91440" bIns="45720" rtlCol="0" anchor="ctr">
+          <a:bodyPr vert="horz" lIns="91440" tIns="45720" rIns="91440" bIns="45720" rtlCol="0" anchor="b">
             <a:normAutofit/>
           </a:bodyPr>
           <a:lstStyle/>
@@ -2621,7 +2814,7 @@
               <a:rPr lang="en-US" smtClean="0"/>
               <a:t>Click to edit Master title style</a:t>
             </a:r>
-            <a:endParaRPr lang="en-US"/>
+            <a:endParaRPr lang="en-US" dirty="0"/>
           </a:p>
         </p:txBody>
       </p:sp>
@@ -2637,8 +2830,8 @@
         </p:nvSpPr>
         <p:spPr>
           <a:xfrm>
-            <a:off x="457200" y="1600200"/>
-            <a:ext cx="8229600" cy="4525963"/>
+            <a:off x="457200" y="1752600"/>
+            <a:ext cx="7620000" cy="4373563"/>
           </a:xfrm>
           <a:prstGeom prst="rect">
             <a:avLst/>
@@ -2683,7 +2876,7 @@
               <a:rPr lang="en-US" smtClean="0"/>
               <a:t>Fifth level</a:t>
             </a:r>
-            <a:endParaRPr lang="en-US"/>
+            <a:endParaRPr lang="en-US" dirty="0"/>
           </a:p>
         </p:txBody>
       </p:sp>
@@ -2699,22 +2892,20 @@
         </p:nvSpPr>
         <p:spPr>
           <a:xfrm>
-            <a:off x="457200" y="6356350"/>
-            <a:ext cx="2133600" cy="365125"/>
+            <a:off x="457200" y="6172201"/>
+            <a:ext cx="3429000" cy="304800"/>
           </a:xfrm>
           <a:prstGeom prst="rect">
             <a:avLst/>
           </a:prstGeom>
         </p:spPr>
         <p:txBody>
-          <a:bodyPr vert="horz" lIns="91440" tIns="45720" rIns="91440" bIns="45720" rtlCol="0" anchor="ctr"/>
+          <a:bodyPr vert="horz" lIns="91440" tIns="45720" rIns="91440" bIns="0" rtlCol="0" anchor="b"/>
           <a:lstStyle>
             <a:lvl1pPr algn="l">
-              <a:defRPr sz="1200">
+              <a:defRPr sz="1000">
                 <a:solidFill>
-                  <a:schemeClr val="tx1">
-                    <a:tint val="75000"/>
-                  </a:schemeClr>
+                  <a:schemeClr val="tx1"/>
                 </a:solidFill>
               </a:defRPr>
             </a:lvl1pPr>
@@ -2740,22 +2931,20 @@
         </p:nvSpPr>
         <p:spPr>
           <a:xfrm>
-            <a:off x="3124200" y="6356350"/>
-            <a:ext cx="2895600" cy="365125"/>
+            <a:off x="457200" y="6492875"/>
+            <a:ext cx="3429000" cy="283845"/>
           </a:xfrm>
           <a:prstGeom prst="rect">
             <a:avLst/>
           </a:prstGeom>
         </p:spPr>
         <p:txBody>
-          <a:bodyPr vert="horz" lIns="91440" tIns="45720" rIns="91440" bIns="45720" rtlCol="0" anchor="ctr"/>
+          <a:bodyPr vert="horz" lIns="91440" tIns="45720" rIns="91440" bIns="45720" rtlCol="0" anchor="t"/>
           <a:lstStyle>
-            <a:lvl1pPr algn="ctr">
-              <a:defRPr sz="1200">
+            <a:lvl1pPr algn="l">
+              <a:defRPr sz="1000">
                 <a:solidFill>
-                  <a:schemeClr val="tx1">
-                    <a:tint val="75000"/>
-                  </a:schemeClr>
+                  <a:schemeClr val="tx1"/>
                 </a:solidFill>
               </a:defRPr>
             </a:lvl1pPr>
@@ -2776,9 +2965,9 @@
           </p:nvPr>
         </p:nvSpPr>
         <p:spPr>
-          <a:xfrm>
-            <a:off x="6553200" y="6356350"/>
-            <a:ext cx="2133600" cy="365125"/>
+          <a:xfrm rot="16200000">
+            <a:off x="8227377" y="5885497"/>
+            <a:ext cx="1315721" cy="365125"/>
           </a:xfrm>
           <a:prstGeom prst="rect">
             <a:avLst/>
@@ -2787,12 +2976,10 @@
         <p:txBody>
           <a:bodyPr vert="horz" lIns="91440" tIns="45720" rIns="91440" bIns="45720" rtlCol="0" anchor="ctr"/>
           <a:lstStyle>
-            <a:lvl1pPr algn="r">
-              <a:defRPr sz="1200">
+            <a:lvl1pPr algn="l">
+              <a:defRPr sz="2400" b="1">
                 <a:solidFill>
-                  <a:schemeClr val="tx1">
-                    <a:tint val="75000"/>
-                  </a:schemeClr>
+                  <a:schemeClr val="tx2"/>
                 </a:solidFill>
               </a:defRPr>
             </a:lvl1pPr>
@@ -2806,37 +2993,124 @@
           </a:p>
         </p:txBody>
       </p:sp>
+      <p:sp>
+        <p:nvSpPr>
+          <p:cNvPr id="7" name="Rectangle 6"/>
+          <p:cNvSpPr/>
+          <p:nvPr/>
+        </p:nvSpPr>
+        <p:spPr>
+          <a:xfrm>
+            <a:off x="9001124" y="0"/>
+            <a:ext cx="142876" cy="1371600"/>
+          </a:xfrm>
+          <a:prstGeom prst="rect">
+            <a:avLst/>
+          </a:prstGeom>
+          <a:solidFill>
+            <a:schemeClr val="tx2"/>
+          </a:solidFill>
+          <a:ln>
+            <a:noFill/>
+          </a:ln>
+        </p:spPr>
+        <p:style>
+          <a:lnRef idx="2">
+            <a:schemeClr val="accent1">
+              <a:shade val="50000"/>
+            </a:schemeClr>
+          </a:lnRef>
+          <a:fillRef idx="1">
+            <a:schemeClr val="accent1"/>
+          </a:fillRef>
+          <a:effectRef idx="0">
+            <a:schemeClr val="accent1"/>
+          </a:effectRef>
+          <a:fontRef idx="minor">
+            <a:schemeClr val="lt1"/>
+          </a:fontRef>
+        </p:style>
+        <p:txBody>
+          <a:bodyPr rtlCol="0" anchor="ctr"/>
+          <a:lstStyle/>
+          <a:p>
+            <a:pPr algn="ctr"/>
+            <a:endParaRPr lang="en-US"/>
+          </a:p>
+        </p:txBody>
+      </p:sp>
+      <p:sp>
+        <p:nvSpPr>
+          <p:cNvPr id="8" name="Rectangle 7"/>
+          <p:cNvSpPr/>
+          <p:nvPr/>
+        </p:nvSpPr>
+        <p:spPr>
+          <a:xfrm>
+            <a:off x="9001124" y="1371600"/>
+            <a:ext cx="142876" cy="5486400"/>
+          </a:xfrm>
+          <a:prstGeom prst="rect">
+            <a:avLst/>
+          </a:prstGeom>
+          <a:solidFill>
+            <a:schemeClr val="tx1"/>
+          </a:solidFill>
+          <a:ln>
+            <a:noFill/>
+          </a:ln>
+        </p:spPr>
+        <p:style>
+          <a:lnRef idx="2">
+            <a:schemeClr val="accent1">
+              <a:shade val="50000"/>
+            </a:schemeClr>
+          </a:lnRef>
+          <a:fillRef idx="1">
+            <a:schemeClr val="accent1"/>
+          </a:fillRef>
+          <a:effectRef idx="0">
+            <a:schemeClr val="accent1"/>
+          </a:effectRef>
+          <a:fontRef idx="minor">
+            <a:schemeClr val="lt1"/>
+          </a:fontRef>
+        </p:style>
+        <p:txBody>
+          <a:bodyPr rtlCol="0" anchor="ctr"/>
+          <a:lstStyle/>
+          <a:p>
+            <a:pPr algn="ctr"/>
+            <a:endParaRPr lang="en-US"/>
+          </a:p>
+        </p:txBody>
+      </p:sp>
     </p:spTree>
-    <p:extLst>
-      <p:ext uri="{BB962C8B-B14F-4D97-AF65-F5344CB8AC3E}">
-        <p14:creationId xmlns:p14="http://schemas.microsoft.com/office/powerpoint/2010/main" val="3123632861"/>
-      </p:ext>
-    </p:extLst>
   </p:cSld>
   <p:clrMap bg1="lt1" tx1="dk1" bg2="lt2" tx2="dk2" accent1="accent1" accent2="accent2" accent3="accent3" accent4="accent4" accent5="accent5" accent6="accent6" hlink="hlink" folHlink="folHlink"/>
   <p:sldLayoutIdLst>
-    <p:sldLayoutId id="2147483649" r:id="rId1"/>
-    <p:sldLayoutId id="2147483650" r:id="rId2"/>
-    <p:sldLayoutId id="2147483651" r:id="rId3"/>
-    <p:sldLayoutId id="2147483652" r:id="rId4"/>
-    <p:sldLayoutId id="2147483653" r:id="rId5"/>
-    <p:sldLayoutId id="2147483654" r:id="rId6"/>
-    <p:sldLayoutId id="2147483655" r:id="rId7"/>
-    <p:sldLayoutId id="2147483656" r:id="rId8"/>
-    <p:sldLayoutId id="2147483657" r:id="rId9"/>
-    <p:sldLayoutId id="2147483658" r:id="rId10"/>
-    <p:sldLayoutId id="2147483659" r:id="rId11"/>
+    <p:sldLayoutId id="2147483733" r:id="rId1"/>
+    <p:sldLayoutId id="2147483734" r:id="rId2"/>
+    <p:sldLayoutId id="2147483735" r:id="rId3"/>
+    <p:sldLayoutId id="2147483736" r:id="rId4"/>
+    <p:sldLayoutId id="2147483737" r:id="rId5"/>
+    <p:sldLayoutId id="2147483738" r:id="rId6"/>
+    <p:sldLayoutId id="2147483739" r:id="rId7"/>
+    <p:sldLayoutId id="2147483740" r:id="rId8"/>
+    <p:sldLayoutId id="2147483741" r:id="rId9"/>
+    <p:sldLayoutId id="2147483742" r:id="rId10"/>
+    <p:sldLayoutId id="2147483743" r:id="rId11"/>
   </p:sldLayoutIdLst>
   <p:txStyles>
     <p:titleStyle>
-      <a:lvl1pPr algn="ctr" defTabSz="914400" rtl="0" eaLnBrk="1" latinLnBrk="0" hangingPunct="1">
+      <a:lvl1pPr algn="l" defTabSz="914400" rtl="0" eaLnBrk="1" latinLnBrk="0" hangingPunct="1">
         <a:spcBef>
           <a:spcPct val="0"/>
         </a:spcBef>
         <a:buNone/>
-        <a:defRPr sz="4400" kern="1200">
+        <a:defRPr sz="3600" kern="1200" cap="all" spc="-60" baseline="0">
           <a:solidFill>
-            <a:schemeClr val="tx1"/>
+            <a:schemeClr val="tx2"/>
           </a:solidFill>
           <a:latin typeface="+mj-lt"/>
           <a:ea typeface="+mj-ea"/>
@@ -2845,13 +3119,16 @@
       </a:lvl1pPr>
     </p:titleStyle>
     <p:bodyStyle>
-      <a:lvl1pPr marL="342900" indent="-342900" algn="l" defTabSz="914400" rtl="0" eaLnBrk="1" latinLnBrk="0" hangingPunct="1">
+      <a:lvl1pPr marL="0" indent="0" algn="l" defTabSz="914400" rtl="0" eaLnBrk="1" latinLnBrk="0" hangingPunct="1">
         <a:spcBef>
           <a:spcPct val="20000"/>
         </a:spcBef>
-        <a:buFont typeface="Arial" panose="020B0604020202020204" pitchFamily="34" charset="0"/>
-        <a:buChar char="•"/>
-        <a:defRPr sz="3200" kern="1200">
+        <a:spcAft>
+          <a:spcPts val="600"/>
+        </a:spcAft>
+        <a:buFont typeface="Arial" pitchFamily="34" charset="0"/>
+        <a:buNone/>
+        <a:defRPr sz="2000" b="1" kern="1200">
           <a:solidFill>
             <a:schemeClr val="tx1"/>
           </a:solidFill>
@@ -2860,13 +3137,16 @@
           <a:cs typeface="+mn-cs"/>
         </a:defRPr>
       </a:lvl1pPr>
-      <a:lvl2pPr marL="742950" indent="-285750" algn="l" defTabSz="914400" rtl="0" eaLnBrk="1" latinLnBrk="0" hangingPunct="1">
+      <a:lvl2pPr marL="457200" indent="-182880" algn="l" defTabSz="914400" rtl="0" eaLnBrk="1" latinLnBrk="0" hangingPunct="1">
         <a:spcBef>
           <a:spcPct val="20000"/>
         </a:spcBef>
-        <a:buFont typeface="Arial" panose="020B0604020202020204" pitchFamily="34" charset="0"/>
-        <a:buChar char="–"/>
-        <a:defRPr sz="2800" kern="1200">
+        <a:buClr>
+          <a:schemeClr val="tx2"/>
+        </a:buClr>
+        <a:buFont typeface="Arial" pitchFamily="34" charset="0"/>
+        <a:buChar char="•"/>
+        <a:defRPr sz="2000" kern="1200">
           <a:solidFill>
             <a:schemeClr val="tx1"/>
           </a:solidFill>
@@ -2879,9 +3159,12 @@
         <a:spcBef>
           <a:spcPct val="20000"/>
         </a:spcBef>
-        <a:buFont typeface="Arial" panose="020B0604020202020204" pitchFamily="34" charset="0"/>
+        <a:buClr>
+          <a:schemeClr val="tx2"/>
+        </a:buClr>
+        <a:buFont typeface="Arial" pitchFamily="34" charset="0"/>
         <a:buChar char="•"/>
-        <a:defRPr sz="2400" kern="1200">
+        <a:defRPr sz="1800" kern="1200">
           <a:solidFill>
             <a:schemeClr val="tx1"/>
           </a:solidFill>
@@ -2894,9 +3177,12 @@
         <a:spcBef>
           <a:spcPct val="20000"/>
         </a:spcBef>
-        <a:buFont typeface="Arial" panose="020B0604020202020204" pitchFamily="34" charset="0"/>
-        <a:buChar char="–"/>
-        <a:defRPr sz="2000" kern="1200">
+        <a:buClr>
+          <a:schemeClr val="tx2"/>
+        </a:buClr>
+        <a:buFont typeface="Arial" pitchFamily="34" charset="0"/>
+        <a:buChar char="•"/>
+        <a:defRPr sz="1800" kern="1200">
           <a:solidFill>
             <a:schemeClr val="tx1"/>
           </a:solidFill>
@@ -2909,9 +3195,12 @@
         <a:spcBef>
           <a:spcPct val="20000"/>
         </a:spcBef>
-        <a:buFont typeface="Arial" panose="020B0604020202020204" pitchFamily="34" charset="0"/>
-        <a:buChar char="»"/>
-        <a:defRPr sz="2000" kern="1200">
+        <a:buClr>
+          <a:schemeClr val="tx2"/>
+        </a:buClr>
+        <a:buFont typeface="Arial" pitchFamily="34" charset="0"/>
+        <a:buChar char="•"/>
+        <a:defRPr sz="1800" kern="1200" baseline="0">
           <a:solidFill>
             <a:schemeClr val="tx1"/>
           </a:solidFill>
@@ -2924,9 +3213,12 @@
         <a:spcBef>
           <a:spcPct val="20000"/>
         </a:spcBef>
-        <a:buFont typeface="Arial" panose="020B0604020202020204" pitchFamily="34" charset="0"/>
+        <a:buClr>
+          <a:schemeClr val="tx2"/>
+        </a:buClr>
+        <a:buFont typeface="Arial" pitchFamily="34" charset="0"/>
         <a:buChar char="•"/>
-        <a:defRPr sz="2000" kern="1200">
+        <a:defRPr sz="1600" kern="1200">
           <a:solidFill>
             <a:schemeClr val="tx1"/>
           </a:solidFill>
@@ -2939,9 +3231,12 @@
         <a:spcBef>
           <a:spcPct val="20000"/>
         </a:spcBef>
-        <a:buFont typeface="Arial" panose="020B0604020202020204" pitchFamily="34" charset="0"/>
+        <a:buClr>
+          <a:schemeClr val="tx2"/>
+        </a:buClr>
+        <a:buFont typeface="Arial" pitchFamily="34" charset="0"/>
         <a:buChar char="•"/>
-        <a:defRPr sz="2000" kern="1200">
+        <a:defRPr sz="1600" kern="1200">
           <a:solidFill>
             <a:schemeClr val="tx1"/>
           </a:solidFill>
@@ -2954,9 +3249,12 @@
         <a:spcBef>
           <a:spcPct val="20000"/>
         </a:spcBef>
-        <a:buFont typeface="Arial" panose="020B0604020202020204" pitchFamily="34" charset="0"/>
+        <a:buClr>
+          <a:schemeClr val="tx2"/>
+        </a:buClr>
+        <a:buFont typeface="Arial" pitchFamily="34" charset="0"/>
         <a:buChar char="•"/>
-        <a:defRPr sz="2000" kern="1200">
+        <a:defRPr sz="1600" kern="1200">
           <a:solidFill>
             <a:schemeClr val="tx1"/>
           </a:solidFill>
@@ -2969,9 +3267,12 @@
         <a:spcBef>
           <a:spcPct val="20000"/>
         </a:spcBef>
-        <a:buFont typeface="Arial" panose="020B0604020202020204" pitchFamily="34" charset="0"/>
+        <a:buClr>
+          <a:schemeClr val="tx2"/>
+        </a:buClr>
+        <a:buFont typeface="Arial" pitchFamily="34" charset="0"/>
         <a:buChar char="•"/>
-        <a:defRPr sz="2000" kern="1200">
+        <a:defRPr sz="1600" kern="1200">
           <a:solidFill>
             <a:schemeClr val="tx1"/>
           </a:solidFill>
@@ -3099,14 +3400,60 @@
       </p:grpSpPr>
       <p:sp>
         <p:nvSpPr>
-          <p:cNvPr id="7" name="Rectangle 6"/>
+          <p:cNvPr id="53" name="Rectangle 52"/>
           <p:cNvSpPr/>
           <p:nvPr/>
         </p:nvSpPr>
         <p:spPr>
           <a:xfrm>
-            <a:off x="6858000" y="4115602"/>
-            <a:ext cx="2286000" cy="2743200"/>
+            <a:off x="2151097" y="4354091"/>
+            <a:ext cx="2379069" cy="2503909"/>
+          </a:xfrm>
+          <a:prstGeom prst="rect">
+            <a:avLst/>
+          </a:prstGeom>
+          <a:solidFill>
+            <a:schemeClr val="accent1">
+              <a:lumMod val="60000"/>
+              <a:lumOff val="40000"/>
+            </a:schemeClr>
+          </a:solidFill>
+        </p:spPr>
+        <p:style>
+          <a:lnRef idx="2">
+            <a:schemeClr val="accent1">
+              <a:shade val="50000"/>
+            </a:schemeClr>
+          </a:lnRef>
+          <a:fillRef idx="1">
+            <a:schemeClr val="accent1"/>
+          </a:fillRef>
+          <a:effectRef idx="0">
+            <a:schemeClr val="accent1"/>
+          </a:effectRef>
+          <a:fontRef idx="minor">
+            <a:schemeClr val="lt1"/>
+          </a:fontRef>
+        </p:style>
+        <p:txBody>
+          <a:bodyPr rtlCol="0" anchor="ctr"/>
+          <a:lstStyle/>
+          <a:p>
+            <a:pPr algn="ctr"/>
+            <a:endParaRPr lang="en-US"/>
+          </a:p>
+        </p:txBody>
+      </p:sp>
+      <p:sp>
+        <p:nvSpPr>
+          <p:cNvPr id="46" name="Rectangle 45"/>
+          <p:cNvSpPr/>
+          <p:nvPr/>
+        </p:nvSpPr>
+        <p:spPr>
+          <a:xfrm>
+            <a:off x="2819400" y="5606045"/>
+            <a:ext cx="1524000" cy="1023355"/>
           </a:xfrm>
           <a:prstGeom prst="rect">
             <a:avLst/>
@@ -3135,8 +3482,9 @@
             <a:pPr algn="ctr"/>
             <a:r>
               <a:rPr lang="en-US" dirty="0" smtClean="0"/>
-              <a:t>System Test Plan</a:t>
+              <a:t>Printer Pic</a:t>
             </a:r>
+            <a:endParaRPr lang="en-US" dirty="0"/>
           </a:p>
         </p:txBody>
       </p:sp>
@@ -3148,8 +3496,8 @@
         </p:nvSpPr>
         <p:spPr>
           <a:xfrm>
-            <a:off x="38100" y="1180579"/>
-            <a:ext cx="2286000" cy="2830945"/>
+            <a:off x="38100" y="990600"/>
+            <a:ext cx="2112998" cy="1355850"/>
           </a:xfrm>
           <a:prstGeom prst="rect">
             <a:avLst/>
@@ -3184,546 +3532,384 @@
           </a:p>
         </p:txBody>
       </p:sp>
-      <p:pic>
-        <p:nvPicPr>
-          <p:cNvPr id="1026" name="Picture 2"/>
-          <p:cNvPicPr>
-            <a:picLocks noChangeAspect="1" noChangeArrowheads="1"/>
-          </p:cNvPicPr>
+      <p:grpSp>
+        <p:nvGrpSpPr>
+          <p:cNvPr id="20" name="Group 19"/>
+          <p:cNvGrpSpPr/>
           <p:nvPr/>
-        </p:nvPicPr>
-        <p:blipFill>
-          <a:blip r:embed="rId2" cstate="print">
+        </p:nvGrpSpPr>
+        <p:grpSpPr>
+          <a:xfrm>
+            <a:off x="4530167" y="990600"/>
+            <a:ext cx="2379069" cy="3000280"/>
+            <a:chOff x="4530167" y="990600"/>
+            <a:chExt cx="2379069" cy="2961301"/>
+          </a:xfrm>
+        </p:grpSpPr>
+        <p:grpSp>
+          <p:nvGrpSpPr>
+            <p:cNvPr id="29" name="Group 28"/>
+            <p:cNvGrpSpPr/>
+            <p:nvPr/>
+          </p:nvGrpSpPr>
+          <p:grpSpPr>
+            <a:xfrm>
+              <a:off x="4530167" y="990600"/>
+              <a:ext cx="2379069" cy="2961301"/>
+              <a:chOff x="381000" y="450236"/>
+              <a:chExt cx="2327833" cy="2757128"/>
+            </a:xfrm>
+          </p:grpSpPr>
+          <p:sp>
+            <p:nvSpPr>
+              <p:cNvPr id="30" name="Rectangle 29"/>
+              <p:cNvSpPr/>
+              <p:nvPr/>
+            </p:nvSpPr>
+            <p:spPr>
+              <a:xfrm>
+                <a:off x="381000" y="450236"/>
+                <a:ext cx="2327833" cy="2757128"/>
+              </a:xfrm>
+              <a:prstGeom prst="rect">
+                <a:avLst/>
+              </a:prstGeom>
+              <a:solidFill>
+                <a:schemeClr val="accent1">
+                  <a:lumMod val="60000"/>
+                  <a:lumOff val="40000"/>
+                </a:schemeClr>
+              </a:solidFill>
+            </p:spPr>
+            <p:style>
+              <a:lnRef idx="2">
+                <a:schemeClr val="accent1">
+                  <a:shade val="50000"/>
+                </a:schemeClr>
+              </a:lnRef>
+              <a:fillRef idx="1">
+                <a:schemeClr val="accent1"/>
+              </a:fillRef>
+              <a:effectRef idx="0">
+                <a:schemeClr val="accent1"/>
+              </a:effectRef>
+              <a:fontRef idx="minor">
+                <a:schemeClr val="lt1"/>
+              </a:fontRef>
+            </p:style>
+            <p:txBody>
+              <a:bodyPr rtlCol="0" anchor="ctr"/>
+              <a:lstStyle/>
+              <a:p>
+                <a:pPr algn="ctr"/>
+                <a:endParaRPr lang="en-US"/>
+              </a:p>
+            </p:txBody>
+          </p:sp>
+          <p:sp>
+            <p:nvSpPr>
+              <p:cNvPr id="31" name="Rectangle 30"/>
+              <p:cNvSpPr/>
+              <p:nvPr/>
+            </p:nvSpPr>
+            <p:spPr>
+              <a:xfrm>
+                <a:off x="381000" y="450236"/>
+                <a:ext cx="2327833" cy="310415"/>
+              </a:xfrm>
+              <a:prstGeom prst="rect">
+                <a:avLst/>
+              </a:prstGeom>
+              <a:solidFill>
+                <a:schemeClr val="accent1">
+                  <a:lumMod val="75000"/>
+                </a:schemeClr>
+              </a:solidFill>
+            </p:spPr>
+            <p:style>
+              <a:lnRef idx="2">
+                <a:schemeClr val="accent1">
+                  <a:shade val="50000"/>
+                </a:schemeClr>
+              </a:lnRef>
+              <a:fillRef idx="1">
+                <a:schemeClr val="accent1"/>
+              </a:fillRef>
+              <a:effectRef idx="0">
+                <a:schemeClr val="accent1"/>
+              </a:effectRef>
+              <a:fontRef idx="minor">
+                <a:schemeClr val="lt1"/>
+              </a:fontRef>
+            </p:style>
+            <p:txBody>
+              <a:bodyPr rtlCol="0" anchor="ctr"/>
+              <a:lstStyle/>
+              <a:p>
+                <a:pPr algn="ctr"/>
+                <a:r>
+                  <a:rPr lang="en-US" dirty="0" smtClean="0"/>
+                  <a:t>Architecture</a:t>
+                </a:r>
+                <a:endParaRPr lang="en-US" dirty="0"/>
+              </a:p>
+            </p:txBody>
+          </p:sp>
+        </p:grpSp>
+        <p:pic>
+          <p:nvPicPr>
+            <p:cNvPr id="1026" name="Picture 2"/>
+            <p:cNvPicPr>
+              <a:picLocks noChangeAspect="1" noChangeArrowheads="1"/>
+            </p:cNvPicPr>
+            <p:nvPr/>
+          </p:nvPicPr>
+          <p:blipFill>
+            <a:blip r:embed="rId3" cstate="print">
+              <a:extLst>
+                <a:ext uri="{28A0092B-C50C-407E-A947-70E740481C1C}">
+                  <a14:useLocalDpi xmlns:a14="http://schemas.microsoft.com/office/drawing/2010/main" val="0"/>
+                </a:ext>
+              </a:extLst>
+            </a:blip>
+            <a:srcRect/>
+            <a:stretch>
+              <a:fillRect/>
+            </a:stretch>
+          </p:blipFill>
+          <p:spPr bwMode="auto">
+            <a:xfrm>
+              <a:off x="4724400" y="1339840"/>
+              <a:ext cx="2033819" cy="2612061"/>
+            </a:xfrm>
+            <a:prstGeom prst="rect">
+              <a:avLst/>
+            </a:prstGeom>
+            <a:noFill/>
+            <a:ln>
+              <a:noFill/>
+            </a:ln>
+            <a:effectLst/>
             <a:extLst>
-              <a:ext uri="{28A0092B-C50C-407E-A947-70E740481C1C}">
-                <a14:useLocalDpi xmlns:a14="http://schemas.microsoft.com/office/drawing/2010/main" val="0"/>
+              <a:ext uri="{909E8E84-426E-40DD-AFC4-6F175D3DCCD1}">
+                <a14:hiddenFill xmlns:a14="http://schemas.microsoft.com/office/drawing/2010/main">
+                  <a:solidFill>
+                    <a:schemeClr val="accent1"/>
+                  </a:solidFill>
+                </a14:hiddenFill>
+              </a:ext>
+              <a:ext uri="{91240B29-F687-4F45-9708-019B960494DF}">
+                <a14:hiddenLine xmlns:a14="http://schemas.microsoft.com/office/drawing/2010/main" w="9525">
+                  <a:solidFill>
+                    <a:schemeClr val="tx1"/>
+                  </a:solidFill>
+                  <a:miter lim="800000"/>
+                  <a:headEnd/>
+                  <a:tailEnd/>
+                </a14:hiddenLine>
+              </a:ext>
+              <a:ext uri="{AF507438-7753-43E0-B8FC-AC1667EBCBE1}">
+                <a14:hiddenEffects xmlns:a14="http://schemas.microsoft.com/office/drawing/2010/main">
+                  <a:effectLst>
+                    <a:outerShdw dist="35921" dir="2700000" algn="ctr" rotWithShape="0">
+                      <a:schemeClr val="bg2"/>
+                    </a:outerShdw>
+                  </a:effectLst>
+                </a14:hiddenEffects>
               </a:ext>
             </a:extLst>
-          </a:blip>
-          <a:srcRect/>
-          <a:stretch>
-            <a:fillRect/>
-          </a:stretch>
-        </p:blipFill>
-        <p:spPr bwMode="auto">
+          </p:spPr>
+        </p:pic>
+      </p:grpSp>
+      <p:grpSp>
+        <p:nvGrpSpPr>
+          <p:cNvPr id="24" name="Group 23"/>
+          <p:cNvGrpSpPr/>
+          <p:nvPr/>
+        </p:nvGrpSpPr>
+        <p:grpSpPr>
           <a:xfrm>
-            <a:off x="4635562" y="1146404"/>
-            <a:ext cx="2017264" cy="2590800"/>
+            <a:off x="4530166" y="3990880"/>
+            <a:ext cx="2379069" cy="2867120"/>
+            <a:chOff x="4530166" y="3990880"/>
+            <a:chExt cx="2379069" cy="2867120"/>
           </a:xfrm>
-          <a:prstGeom prst="rect">
-            <a:avLst/>
-          </a:prstGeom>
-          <a:noFill/>
-          <a:ln>
+        </p:grpSpPr>
+        <p:grpSp>
+          <p:nvGrpSpPr>
+            <p:cNvPr id="36" name="Group 35"/>
+            <p:cNvGrpSpPr/>
+            <p:nvPr/>
+          </p:nvGrpSpPr>
+          <p:grpSpPr>
+            <a:xfrm>
+              <a:off x="4530166" y="3990880"/>
+              <a:ext cx="2379069" cy="2867120"/>
+              <a:chOff x="381000" y="450236"/>
+              <a:chExt cx="2327833" cy="2757128"/>
+            </a:xfrm>
+          </p:grpSpPr>
+          <p:sp>
+            <p:nvSpPr>
+              <p:cNvPr id="37" name="Rectangle 36"/>
+              <p:cNvSpPr/>
+              <p:nvPr/>
+            </p:nvSpPr>
+            <p:spPr>
+              <a:xfrm>
+                <a:off x="381000" y="450236"/>
+                <a:ext cx="2327833" cy="2757128"/>
+              </a:xfrm>
+              <a:prstGeom prst="rect">
+                <a:avLst/>
+              </a:prstGeom>
+              <a:solidFill>
+                <a:schemeClr val="accent1">
+                  <a:lumMod val="60000"/>
+                  <a:lumOff val="40000"/>
+                </a:schemeClr>
+              </a:solidFill>
+            </p:spPr>
+            <p:style>
+              <a:lnRef idx="2">
+                <a:schemeClr val="accent1">
+                  <a:shade val="50000"/>
+                </a:schemeClr>
+              </a:lnRef>
+              <a:fillRef idx="1">
+                <a:schemeClr val="accent1"/>
+              </a:fillRef>
+              <a:effectRef idx="0">
+                <a:schemeClr val="accent1"/>
+              </a:effectRef>
+              <a:fontRef idx="minor">
+                <a:schemeClr val="lt1"/>
+              </a:fontRef>
+            </p:style>
+            <p:txBody>
+              <a:bodyPr rtlCol="0" anchor="ctr"/>
+              <a:lstStyle/>
+              <a:p>
+                <a:pPr algn="ctr"/>
+                <a:endParaRPr lang="en-US"/>
+              </a:p>
+            </p:txBody>
+          </p:sp>
+          <p:sp>
+            <p:nvSpPr>
+              <p:cNvPr id="38" name="Rectangle 37"/>
+              <p:cNvSpPr/>
+              <p:nvPr/>
+            </p:nvSpPr>
+            <p:spPr>
+              <a:xfrm>
+                <a:off x="381000" y="450236"/>
+                <a:ext cx="2327833" cy="310415"/>
+              </a:xfrm>
+              <a:prstGeom prst="rect">
+                <a:avLst/>
+              </a:prstGeom>
+              <a:solidFill>
+                <a:schemeClr val="accent1">
+                  <a:lumMod val="75000"/>
+                </a:schemeClr>
+              </a:solidFill>
+            </p:spPr>
+            <p:style>
+              <a:lnRef idx="2">
+                <a:schemeClr val="accent1">
+                  <a:shade val="50000"/>
+                </a:schemeClr>
+              </a:lnRef>
+              <a:fillRef idx="1">
+                <a:schemeClr val="accent1"/>
+              </a:fillRef>
+              <a:effectRef idx="0">
+                <a:schemeClr val="accent1"/>
+              </a:effectRef>
+              <a:fontRef idx="minor">
+                <a:schemeClr val="lt1"/>
+              </a:fontRef>
+            </p:style>
+            <p:txBody>
+              <a:bodyPr rtlCol="0" anchor="ctr"/>
+              <a:lstStyle/>
+              <a:p>
+                <a:pPr algn="ctr"/>
+                <a:r>
+                  <a:rPr lang="en-US" dirty="0" smtClean="0"/>
+                  <a:t>Detailed Design</a:t>
+                </a:r>
+                <a:endParaRPr lang="en-US" dirty="0"/>
+              </a:p>
+            </p:txBody>
+          </p:sp>
+        </p:grpSp>
+        <p:pic>
+          <p:nvPicPr>
+            <p:cNvPr id="1027" name="Picture 3"/>
+            <p:cNvPicPr>
+              <a:picLocks noChangeAspect="1" noChangeArrowheads="1"/>
+            </p:cNvPicPr>
+            <p:nvPr/>
+          </p:nvPicPr>
+          <p:blipFill>
+            <a:blip r:embed="rId4" cstate="print">
+              <a:extLst>
+                <a:ext uri="{28A0092B-C50C-407E-A947-70E740481C1C}">
+                  <a14:useLocalDpi xmlns:a14="http://schemas.microsoft.com/office/drawing/2010/main" val="0"/>
+                </a:ext>
+              </a:extLst>
+            </a:blip>
+            <a:srcRect/>
+            <a:stretch>
+              <a:fillRect/>
+            </a:stretch>
+          </p:blipFill>
+          <p:spPr bwMode="auto">
+            <a:xfrm>
+              <a:off x="4876800" y="4349278"/>
+              <a:ext cx="1881420" cy="2419374"/>
+            </a:xfrm>
+            <a:prstGeom prst="rect">
+              <a:avLst/>
+            </a:prstGeom>
             <a:noFill/>
-          </a:ln>
-          <a:effectLst/>
-          <a:extLst>
-            <a:ext uri="{909E8E84-426E-40DD-AFC4-6F175D3DCCD1}">
-              <a14:hiddenFill xmlns:a14="http://schemas.microsoft.com/office/drawing/2010/main">
-                <a:solidFill>
-                  <a:schemeClr val="accent1"/>
-                </a:solidFill>
-              </a14:hiddenFill>
-            </a:ext>
-            <a:ext uri="{91240B29-F687-4F45-9708-019B960494DF}">
-              <a14:hiddenLine xmlns:a14="http://schemas.microsoft.com/office/drawing/2010/main" w="9525">
-                <a:solidFill>
-                  <a:schemeClr val="tx1"/>
-                </a:solidFill>
-                <a:miter lim="800000"/>
-                <a:headEnd/>
-                <a:tailEnd/>
-              </a14:hiddenLine>
-            </a:ext>
-            <a:ext uri="{AF507438-7753-43E0-B8FC-AC1667EBCBE1}">
-              <a14:hiddenEffects xmlns:a14="http://schemas.microsoft.com/office/drawing/2010/main">
-                <a:effectLst>
-                  <a:outerShdw dist="35921" dir="2700000" algn="ctr" rotWithShape="0">
-                    <a:schemeClr val="bg2"/>
-                  </a:outerShdw>
-                </a:effectLst>
-              </a14:hiddenEffects>
-            </a:ext>
-          </a:extLst>
-        </p:spPr>
-      </p:pic>
-      <p:pic>
-        <p:nvPicPr>
-          <p:cNvPr id="1027" name="Picture 3"/>
-          <p:cNvPicPr>
-            <a:picLocks noChangeAspect="1" noChangeArrowheads="1"/>
-          </p:cNvPicPr>
-          <p:nvPr/>
-        </p:nvPicPr>
-        <p:blipFill>
-          <a:blip r:embed="rId3" cstate="print">
+            <a:ln>
+              <a:noFill/>
+            </a:ln>
+            <a:effectLst/>
             <a:extLst>
-              <a:ext uri="{28A0092B-C50C-407E-A947-70E740481C1C}">
-                <a14:useLocalDpi xmlns:a14="http://schemas.microsoft.com/office/drawing/2010/main" val="0"/>
+              <a:ext uri="{909E8E84-426E-40DD-AFC4-6F175D3DCCD1}">
+                <a14:hiddenFill xmlns:a14="http://schemas.microsoft.com/office/drawing/2010/main">
+                  <a:solidFill>
+                    <a:schemeClr val="accent1"/>
+                  </a:solidFill>
+                </a14:hiddenFill>
+              </a:ext>
+              <a:ext uri="{91240B29-F687-4F45-9708-019B960494DF}">
+                <a14:hiddenLine xmlns:a14="http://schemas.microsoft.com/office/drawing/2010/main" w="9525">
+                  <a:solidFill>
+                    <a:schemeClr val="tx1"/>
+                  </a:solidFill>
+                  <a:miter lim="800000"/>
+                  <a:headEnd/>
+                  <a:tailEnd/>
+                </a14:hiddenLine>
+              </a:ext>
+              <a:ext uri="{AF507438-7753-43E0-B8FC-AC1667EBCBE1}">
+                <a14:hiddenEffects xmlns:a14="http://schemas.microsoft.com/office/drawing/2010/main">
+                  <a:effectLst>
+                    <a:outerShdw dist="35921" dir="2700000" algn="ctr" rotWithShape="0">
+                      <a:schemeClr val="bg2"/>
+                    </a:outerShdw>
+                  </a:effectLst>
+                </a14:hiddenEffects>
               </a:ext>
             </a:extLst>
-          </a:blip>
-          <a:srcRect/>
-          <a:stretch>
-            <a:fillRect/>
-          </a:stretch>
-        </p:blipFill>
-        <p:spPr bwMode="auto">
-          <a:xfrm>
-            <a:off x="4530167" y="3903532"/>
-            <a:ext cx="2228053" cy="2865120"/>
-          </a:xfrm>
-          <a:prstGeom prst="rect">
-            <a:avLst/>
-          </a:prstGeom>
-          <a:noFill/>
-          <a:ln>
-            <a:noFill/>
-          </a:ln>
-          <a:effectLst/>
-          <a:extLst>
-            <a:ext uri="{909E8E84-426E-40DD-AFC4-6F175D3DCCD1}">
-              <a14:hiddenFill xmlns:a14="http://schemas.microsoft.com/office/drawing/2010/main">
-                <a:solidFill>
-                  <a:schemeClr val="accent1"/>
-                </a:solidFill>
-              </a14:hiddenFill>
-            </a:ext>
-            <a:ext uri="{91240B29-F687-4F45-9708-019B960494DF}">
-              <a14:hiddenLine xmlns:a14="http://schemas.microsoft.com/office/drawing/2010/main" w="9525">
-                <a:solidFill>
-                  <a:schemeClr val="tx1"/>
-                </a:solidFill>
-                <a:miter lim="800000"/>
-                <a:headEnd/>
-                <a:tailEnd/>
-              </a14:hiddenLine>
-            </a:ext>
-            <a:ext uri="{AF507438-7753-43E0-B8FC-AC1667EBCBE1}">
-              <a14:hiddenEffects xmlns:a14="http://schemas.microsoft.com/office/drawing/2010/main">
-                <a:effectLst>
-                  <a:outerShdw dist="35921" dir="2700000" algn="ctr" rotWithShape="0">
-                    <a:schemeClr val="bg2"/>
-                  </a:outerShdw>
-                </a:effectLst>
-              </a14:hiddenEffects>
-            </a:ext>
-          </a:extLst>
-        </p:spPr>
-      </p:pic>
-      <p:graphicFrame>
-        <p:nvGraphicFramePr>
-          <p:cNvPr id="17" name="Content Placeholder 3"/>
-          <p:cNvGraphicFramePr>
-            <a:graphicFrameLocks/>
-          </p:cNvGraphicFramePr>
-          <p:nvPr>
-            <p:extLst>
-              <p:ext uri="{D42A27DB-BD31-4B8C-83A1-F6EECF244321}">
-                <p14:modId xmlns:p14="http://schemas.microsoft.com/office/powerpoint/2010/main" val="4021441384"/>
-              </p:ext>
-            </p:extLst>
-          </p:nvPr>
-        </p:nvGraphicFramePr>
-        <p:xfrm>
-          <a:off x="7031383" y="1235419"/>
-          <a:ext cx="2019300" cy="2721265"/>
-        </p:xfrm>
-        <a:graphic>
-          <a:graphicData uri="http://schemas.openxmlformats.org/drawingml/2006/table">
-            <a:tbl>
-              <a:tblPr firstRow="1" bandRow="1">
-                <a:tableStyleId>{5C22544A-7EE6-4342-B048-85BDC9FD1C3A}</a:tableStyleId>
-              </a:tblPr>
-              <a:tblGrid>
-                <a:gridCol w="1009650"/>
-                <a:gridCol w="1009650"/>
-              </a:tblGrid>
-              <a:tr h="218935">
-                <a:tc gridSpan="2">
-                  <a:txBody>
-                    <a:bodyPr/>
-                    <a:lstStyle/>
-                    <a:p>
-                      <a:pPr algn="ctr"/>
-                      <a:r>
-                        <a:rPr lang="en-US" sz="600" dirty="0" smtClean="0"/>
-                        <a:t>Critical Requirements</a:t>
-                      </a:r>
-                      <a:endParaRPr lang="en-US" sz="600" dirty="0"/>
-                    </a:p>
-                  </a:txBody>
-                  <a:tcPr/>
-                </a:tc>
-                <a:tc hMerge="1">
-                  <a:txBody>
-                    <a:bodyPr/>
-                    <a:lstStyle/>
-                    <a:p>
-                      <a:endParaRPr lang="en-US" dirty="0"/>
-                    </a:p>
-                  </a:txBody>
-                  <a:tcPr/>
-                </a:tc>
-              </a:tr>
-              <a:tr h="218935">
-                <a:tc>
-                  <a:txBody>
-                    <a:bodyPr/>
-                    <a:lstStyle/>
-                    <a:p>
-                      <a:r>
-                        <a:rPr lang="en-US" sz="600" dirty="0" smtClean="0"/>
-                        <a:t>3.1 STL File Input</a:t>
-                      </a:r>
-                      <a:endParaRPr lang="en-US" sz="600" dirty="0"/>
-                    </a:p>
-                  </a:txBody>
-                  <a:tcPr/>
-                </a:tc>
-                <a:tc>
-                  <a:txBody>
-                    <a:bodyPr/>
-                    <a:lstStyle/>
-                    <a:p>
-                      <a:pPr algn="ctr"/>
-                      <a:r>
-                        <a:rPr lang="en-US" sz="600" b="1" dirty="0" smtClean="0"/>
-                        <a:t>Completed</a:t>
-                      </a:r>
-                      <a:endParaRPr lang="en-US" sz="600" b="1" dirty="0"/>
-                    </a:p>
-                  </a:txBody>
-                  <a:tcPr>
-                    <a:solidFill>
-                      <a:srgbClr val="00B050"/>
-                    </a:solidFill>
-                  </a:tcPr>
-                </a:tc>
-              </a:tr>
-              <a:tr h="258776">
-                <a:tc>
-                  <a:txBody>
-                    <a:bodyPr/>
-                    <a:lstStyle/>
-                    <a:p>
-                      <a:r>
-                        <a:rPr lang="en-US" sz="600" dirty="0" smtClean="0"/>
-                        <a:t>3.4 Issue Machine Instructions</a:t>
-                      </a:r>
-                      <a:endParaRPr lang="en-US" sz="600" dirty="0"/>
-                    </a:p>
-                  </a:txBody>
-                  <a:tcPr/>
-                </a:tc>
-                <a:tc>
-                  <a:txBody>
-                    <a:bodyPr/>
-                    <a:lstStyle/>
-                    <a:p>
-                      <a:pPr algn="ctr"/>
-                      <a:r>
-                        <a:rPr lang="en-US" sz="600" b="1" dirty="0" smtClean="0"/>
-                        <a:t>Partially Completed</a:t>
-                      </a:r>
-                      <a:endParaRPr lang="en-US" sz="600" b="1" dirty="0"/>
-                    </a:p>
-                  </a:txBody>
-                  <a:tcPr>
-                    <a:solidFill>
-                      <a:srgbClr val="FFFF00"/>
-                    </a:solidFill>
-                  </a:tcPr>
-                </a:tc>
-              </a:tr>
-              <a:tr h="218935">
-                <a:tc>
-                  <a:txBody>
-                    <a:bodyPr/>
-                    <a:lstStyle/>
-                    <a:p>
-                      <a:r>
-                        <a:rPr lang="en-US" sz="600" dirty="0" smtClean="0"/>
-                        <a:t>3.5 Monitor Temperature</a:t>
-                      </a:r>
-                      <a:endParaRPr lang="en-US" sz="600" dirty="0"/>
-                    </a:p>
-                  </a:txBody>
-                  <a:tcPr/>
-                </a:tc>
-                <a:tc>
-                  <a:txBody>
-                    <a:bodyPr/>
-                    <a:lstStyle/>
-                    <a:p>
-                      <a:pPr algn="ctr"/>
-                      <a:r>
-                        <a:rPr lang="en-US" sz="600" b="1" dirty="0" smtClean="0"/>
-                        <a:t>Completed</a:t>
-                      </a:r>
-                      <a:endParaRPr lang="en-US" sz="600" b="1" dirty="0"/>
-                    </a:p>
-                  </a:txBody>
-                  <a:tcPr>
-                    <a:solidFill>
-                      <a:srgbClr val="00B050"/>
-                    </a:solidFill>
-                  </a:tcPr>
-                </a:tc>
-              </a:tr>
-              <a:tr h="218935">
-                <a:tc>
-                  <a:txBody>
-                    <a:bodyPr/>
-                    <a:lstStyle/>
-                    <a:p>
-                      <a:r>
-                        <a:rPr lang="en-US" sz="600" dirty="0" smtClean="0"/>
-                        <a:t>3.6 Monitor Position</a:t>
-                      </a:r>
-                      <a:endParaRPr lang="en-US" sz="600" dirty="0"/>
-                    </a:p>
-                  </a:txBody>
-                  <a:tcPr/>
-                </a:tc>
-                <a:tc>
-                  <a:txBody>
-                    <a:bodyPr/>
-                    <a:lstStyle/>
-                    <a:p>
-                      <a:pPr algn="ctr"/>
-                      <a:r>
-                        <a:rPr lang="en-US" sz="600" b="1" dirty="0" smtClean="0"/>
-                        <a:t>Completed</a:t>
-                      </a:r>
-                      <a:endParaRPr lang="en-US" sz="600" b="1" dirty="0"/>
-                    </a:p>
-                  </a:txBody>
-                  <a:tcPr>
-                    <a:solidFill>
-                      <a:srgbClr val="00B050"/>
-                    </a:solidFill>
-                  </a:tcPr>
-                </a:tc>
-              </a:tr>
-              <a:tr h="218935">
-                <a:tc>
-                  <a:txBody>
-                    <a:bodyPr/>
-                    <a:lstStyle/>
-                    <a:p>
-                      <a:r>
-                        <a:rPr lang="en-US" sz="600" dirty="0" smtClean="0"/>
-                        <a:t>3.8 Identify Materials</a:t>
-                      </a:r>
-                      <a:endParaRPr lang="en-US" sz="600" dirty="0"/>
-                    </a:p>
-                  </a:txBody>
-                  <a:tcPr/>
-                </a:tc>
-                <a:tc>
-                  <a:txBody>
-                    <a:bodyPr/>
-                    <a:lstStyle/>
-                    <a:p>
-                      <a:pPr algn="ctr"/>
-                      <a:r>
-                        <a:rPr lang="en-US" sz="600" b="1" dirty="0" smtClean="0"/>
-                        <a:t>Completed</a:t>
-                      </a:r>
-                    </a:p>
-                  </a:txBody>
-                  <a:tcPr>
-                    <a:solidFill>
-                      <a:srgbClr val="00B050"/>
-                    </a:solidFill>
-                  </a:tcPr>
-                </a:tc>
-              </a:tr>
-              <a:tr h="218935">
-                <a:tc>
-                  <a:txBody>
-                    <a:bodyPr/>
-                    <a:lstStyle/>
-                    <a:p>
-                      <a:r>
-                        <a:rPr lang="en-US" sz="600" dirty="0" smtClean="0"/>
-                        <a:t>3.9 Identify Shapes</a:t>
-                      </a:r>
-                      <a:endParaRPr lang="en-US" sz="600" dirty="0"/>
-                    </a:p>
-                  </a:txBody>
-                  <a:tcPr/>
-                </a:tc>
-                <a:tc>
-                  <a:txBody>
-                    <a:bodyPr/>
-                    <a:lstStyle/>
-                    <a:p>
-                      <a:pPr algn="ctr"/>
-                      <a:r>
-                        <a:rPr lang="en-US" sz="600" b="1" dirty="0" smtClean="0"/>
-                        <a:t>Completed</a:t>
-                      </a:r>
-                      <a:endParaRPr lang="en-US" sz="600" b="1" dirty="0"/>
-                    </a:p>
-                  </a:txBody>
-                  <a:tcPr>
-                    <a:solidFill>
-                      <a:srgbClr val="00B050"/>
-                    </a:solidFill>
-                  </a:tcPr>
-                </a:tc>
-              </a:tr>
-              <a:tr h="258776">
-                <a:tc>
-                  <a:txBody>
-                    <a:bodyPr/>
-                    <a:lstStyle/>
-                    <a:p>
-                      <a:r>
-                        <a:rPr lang="en-US" sz="600" dirty="0" smtClean="0"/>
-                        <a:t>3.10 Determine Shape of Support Material Structure</a:t>
-                      </a:r>
-                      <a:endParaRPr lang="en-US" sz="600" dirty="0"/>
-                    </a:p>
-                  </a:txBody>
-                  <a:tcPr/>
-                </a:tc>
-                <a:tc>
-                  <a:txBody>
-                    <a:bodyPr/>
-                    <a:lstStyle/>
-                    <a:p>
-                      <a:pPr algn="ctr"/>
-                      <a:r>
-                        <a:rPr lang="en-US" sz="600" b="1" dirty="0" smtClean="0"/>
-                        <a:t>Completed</a:t>
-                      </a:r>
-                      <a:endParaRPr lang="en-US" sz="600" b="1" dirty="0"/>
-                    </a:p>
-                  </a:txBody>
-                  <a:tcPr>
-                    <a:solidFill>
-                      <a:srgbClr val="00B050"/>
-                    </a:solidFill>
-                  </a:tcPr>
-                </a:tc>
-              </a:tr>
-              <a:tr h="218935">
-                <a:tc>
-                  <a:txBody>
-                    <a:bodyPr/>
-                    <a:lstStyle/>
-                    <a:p>
-                      <a:r>
-                        <a:rPr lang="en-US" sz="600" dirty="0" smtClean="0"/>
-                        <a:t>3.11 Create Printing Path</a:t>
-                      </a:r>
-                      <a:endParaRPr lang="en-US" sz="600" dirty="0"/>
-                    </a:p>
-                  </a:txBody>
-                  <a:tcPr/>
-                </a:tc>
-                <a:tc>
-                  <a:txBody>
-                    <a:bodyPr/>
-                    <a:lstStyle/>
-                    <a:p>
-                      <a:pPr algn="ctr"/>
-                      <a:r>
-                        <a:rPr lang="en-US" sz="600" b="1" dirty="0" smtClean="0"/>
-                        <a:t>Completed</a:t>
-                      </a:r>
-                      <a:endParaRPr lang="en-US" sz="600" b="1" dirty="0"/>
-                    </a:p>
-                  </a:txBody>
-                  <a:tcPr>
-                    <a:solidFill>
-                      <a:srgbClr val="00B050"/>
-                    </a:solidFill>
-                  </a:tcPr>
-                </a:tc>
-              </a:tr>
-              <a:tr h="258776">
-                <a:tc>
-                  <a:txBody>
-                    <a:bodyPr/>
-                    <a:lstStyle/>
-                    <a:p>
-                      <a:r>
-                        <a:rPr lang="en-US" sz="600" dirty="0" smtClean="0"/>
-                        <a:t>3.14 Slice Geometry</a:t>
-                      </a:r>
-                      <a:r>
-                        <a:rPr lang="en-US" sz="600" baseline="0" dirty="0" smtClean="0"/>
-                        <a:t> into Thickness Levels</a:t>
-                      </a:r>
-                      <a:endParaRPr lang="en-US" sz="600" dirty="0"/>
-                    </a:p>
-                  </a:txBody>
-                  <a:tcPr/>
-                </a:tc>
-                <a:tc>
-                  <a:txBody>
-                    <a:bodyPr/>
-                    <a:lstStyle/>
-                    <a:p>
-                      <a:pPr algn="ctr"/>
-                      <a:r>
-                        <a:rPr lang="en-US" sz="600" b="1" dirty="0" smtClean="0"/>
-                        <a:t>Completed</a:t>
-                      </a:r>
-                      <a:endParaRPr lang="en-US" sz="600" b="1" dirty="0"/>
-                    </a:p>
-                  </a:txBody>
-                  <a:tcPr>
-                    <a:solidFill>
-                      <a:srgbClr val="00B050"/>
-                    </a:solidFill>
-                  </a:tcPr>
-                </a:tc>
-              </a:tr>
-              <a:tr h="258776">
-                <a:tc>
-                  <a:txBody>
-                    <a:bodyPr/>
-                    <a:lstStyle/>
-                    <a:p>
-                      <a:r>
-                        <a:rPr lang="en-US" sz="600" dirty="0" smtClean="0"/>
-                        <a:t>3.17 Allow for UV Head Polymerization</a:t>
-                      </a:r>
-                      <a:endParaRPr lang="en-US" sz="600" dirty="0"/>
-                    </a:p>
-                  </a:txBody>
-                  <a:tcPr/>
-                </a:tc>
-                <a:tc>
-                  <a:txBody>
-                    <a:bodyPr/>
-                    <a:lstStyle/>
-                    <a:p>
-                      <a:pPr algn="ctr"/>
-                      <a:r>
-                        <a:rPr lang="en-US" sz="600" b="1" dirty="0" smtClean="0"/>
-                        <a:t>Completed</a:t>
-                      </a:r>
-                      <a:endParaRPr lang="en-US" sz="600" b="1" dirty="0"/>
-                    </a:p>
-                  </a:txBody>
-                  <a:tcPr>
-                    <a:solidFill>
-                      <a:srgbClr val="00B050"/>
-                    </a:solidFill>
-                  </a:tcPr>
-                </a:tc>
-              </a:tr>
-            </a:tbl>
-          </a:graphicData>
-        </a:graphic>
-      </p:graphicFrame>
+          </p:spPr>
+        </p:pic>
+      </p:grpSp>
       <p:graphicFrame>
         <p:nvGraphicFramePr>
           <p:cNvPr id="18" name="Table 17"/>
@@ -3733,13 +3919,13 @@
           <p:nvPr>
             <p:extLst>
               <p:ext uri="{D42A27DB-BD31-4B8C-83A1-F6EECF244321}">
-                <p14:modId xmlns:p14="http://schemas.microsoft.com/office/powerpoint/2010/main" val="3511688663"/>
+                <p14:modId xmlns:p14="http://schemas.microsoft.com/office/powerpoint/2010/main" val="3698545019"/>
               </p:ext>
             </p:extLst>
           </p:nvPr>
         </p:nvGraphicFramePr>
         <p:xfrm>
-          <a:off x="2436933" y="4221572"/>
+          <a:off x="50334" y="2471250"/>
           <a:ext cx="2088530" cy="2278380"/>
         </p:xfrm>
         <a:graphic>
@@ -3796,12 +3982,12 @@
                         </a:spcAft>
                       </a:pPr>
                       <a:r>
-                        <a:rPr lang="en-US" sz="500">
+                        <a:rPr lang="en-US" sz="500" dirty="0">
                           <a:effectLst/>
                         </a:rPr>
                         <a:t>Assigned To</a:t>
                       </a:r>
-                      <a:endParaRPr lang="en-US" sz="500">
+                      <a:endParaRPr lang="en-US" sz="500" dirty="0">
                         <a:effectLst/>
                         <a:latin typeface="Times New Roman"/>
                         <a:ea typeface="Times New Roman"/>
@@ -4451,14 +4637,14 @@
           <p:nvPr>
             <p:extLst>
               <p:ext uri="{D42A27DB-BD31-4B8C-83A1-F6EECF244321}">
-                <p14:modId xmlns:p14="http://schemas.microsoft.com/office/powerpoint/2010/main" val="4259553516"/>
+                <p14:modId xmlns:p14="http://schemas.microsoft.com/office/powerpoint/2010/main" val="2454828749"/>
               </p:ext>
             </p:extLst>
           </p:nvPr>
         </p:nvGraphicFramePr>
         <p:xfrm>
-          <a:off x="571500" y="4460234"/>
-          <a:ext cx="1219200" cy="1679136"/>
+          <a:off x="40106" y="4953000"/>
+          <a:ext cx="2093494" cy="1679136"/>
         </p:xfrm>
         <a:graphic>
           <a:graphicData uri="http://schemas.openxmlformats.org/drawingml/2006/table">
@@ -4467,7 +4653,7 @@
                 <a:tableStyleId>{5C22544A-7EE6-4342-B048-85BDC9FD1C3A}</a:tableStyleId>
               </a:tblPr>
               <a:tblGrid>
-                <a:gridCol w="1219200"/>
+                <a:gridCol w="2093494"/>
               </a:tblGrid>
               <a:tr h="164903">
                 <a:tc>
@@ -4601,7 +4787,7 @@
           <p:nvPr/>
         </p:nvPicPr>
         <p:blipFill>
-          <a:blip r:embed="rId4" cstate="print">
+          <a:blip r:embed="rId5" cstate="print">
             <a:extLst>
               <a:ext uri="{28A0092B-C50C-407E-A947-70E740481C1C}">
                 <a14:useLocalDpi xmlns:a14="http://schemas.microsoft.com/office/drawing/2010/main" val="0"/>
@@ -4614,8 +4800,8 @@
         </p:blipFill>
         <p:spPr>
           <a:xfrm>
-            <a:off x="1" y="1"/>
-            <a:ext cx="2362199" cy="441290"/>
+            <a:off x="3610" y="0"/>
+            <a:ext cx="3263147" cy="609599"/>
           </a:xfrm>
           <a:prstGeom prst="rect">
             <a:avLst/>
@@ -4634,13 +4820,13 @@
         </p:nvSpPr>
         <p:spPr>
           <a:xfrm>
-            <a:off x="2895600" y="48940"/>
+            <a:off x="3155870" y="46661"/>
             <a:ext cx="2748594" cy="789260"/>
           </a:xfrm>
         </p:spPr>
         <p:txBody>
           <a:bodyPr>
-            <a:normAutofit/>
+            <a:normAutofit fontScale="90000"/>
           </a:bodyPr>
           <a:lstStyle/>
           <a:p>
@@ -4669,13 +4855,108 @@
             </a:br>
             <a:r>
               <a:rPr lang="en-US" sz="1200" dirty="0" smtClean="0"/>
-              <a:t>3DP</a:t>
+              <a:t>3D P</a:t>
             </a:r>
             <a:r>
               <a:rPr lang="en-US" sz="1200" dirty="0" smtClean="0"/>
               <a:t>rinter Fabrication System</a:t>
             </a:r>
             <a:endParaRPr lang="en-US" sz="1200" dirty="0"/>
+          </a:p>
+        </p:txBody>
+      </p:sp>
+      <p:sp>
+        <p:nvSpPr>
+          <p:cNvPr id="34" name="Rectangle 33"/>
+          <p:cNvSpPr/>
+          <p:nvPr/>
+        </p:nvSpPr>
+        <p:spPr>
+          <a:xfrm>
+            <a:off x="2151098" y="990600"/>
+            <a:ext cx="2379069" cy="1752600"/>
+          </a:xfrm>
+          <a:prstGeom prst="rect">
+            <a:avLst/>
+          </a:prstGeom>
+          <a:solidFill>
+            <a:schemeClr val="accent1">
+              <a:lumMod val="60000"/>
+              <a:lumOff val="40000"/>
+            </a:schemeClr>
+          </a:solidFill>
+        </p:spPr>
+        <p:style>
+          <a:lnRef idx="2">
+            <a:schemeClr val="accent1">
+              <a:shade val="50000"/>
+            </a:schemeClr>
+          </a:lnRef>
+          <a:fillRef idx="1">
+            <a:schemeClr val="accent1"/>
+          </a:fillRef>
+          <a:effectRef idx="0">
+            <a:schemeClr val="accent1"/>
+          </a:effectRef>
+          <a:fontRef idx="minor">
+            <a:schemeClr val="lt1"/>
+          </a:fontRef>
+        </p:style>
+        <p:txBody>
+          <a:bodyPr rtlCol="0" anchor="ctr"/>
+          <a:lstStyle/>
+          <a:p>
+            <a:pPr algn="ctr"/>
+            <a:endParaRPr lang="en-US"/>
+          </a:p>
+        </p:txBody>
+      </p:sp>
+      <p:sp>
+        <p:nvSpPr>
+          <p:cNvPr id="35" name="Rectangle 34"/>
+          <p:cNvSpPr/>
+          <p:nvPr/>
+        </p:nvSpPr>
+        <p:spPr>
+          <a:xfrm>
+            <a:off x="2151098" y="990600"/>
+            <a:ext cx="2379069" cy="333402"/>
+          </a:xfrm>
+          <a:prstGeom prst="rect">
+            <a:avLst/>
+          </a:prstGeom>
+          <a:solidFill>
+            <a:schemeClr val="accent1">
+              <a:lumMod val="75000"/>
+            </a:schemeClr>
+          </a:solidFill>
+        </p:spPr>
+        <p:style>
+          <a:lnRef idx="2">
+            <a:schemeClr val="accent1">
+              <a:shade val="50000"/>
+            </a:schemeClr>
+          </a:lnRef>
+          <a:fillRef idx="1">
+            <a:schemeClr val="accent1"/>
+          </a:fillRef>
+          <a:effectRef idx="0">
+            <a:schemeClr val="accent1"/>
+          </a:effectRef>
+          <a:fontRef idx="minor">
+            <a:schemeClr val="lt1"/>
+          </a:fontRef>
+        </p:style>
+        <p:txBody>
+          <a:bodyPr rtlCol="0" anchor="ctr"/>
+          <a:lstStyle/>
+          <a:p>
+            <a:pPr algn="ctr"/>
+            <a:r>
+              <a:rPr lang="en-US" dirty="0" smtClean="0"/>
+              <a:t>Design Concept</a:t>
+            </a:r>
+            <a:endParaRPr lang="en-US" dirty="0"/>
           </a:p>
         </p:txBody>
       </p:sp>
@@ -4688,7 +4969,7 @@
           <p:nvPr/>
         </p:nvPicPr>
         <p:blipFill>
-          <a:blip r:embed="rId5" cstate="print">
+          <a:blip r:embed="rId6" cstate="print">
             <a:extLst>
               <a:ext uri="{28A0092B-C50C-407E-A947-70E740481C1C}">
                 <a14:useLocalDpi xmlns:a14="http://schemas.microsoft.com/office/drawing/2010/main" val="0"/>
@@ -4733,6 +5014,1071 @@
           </a:extLst>
         </p:spPr>
       </p:pic>
+      <p:sp>
+        <p:nvSpPr>
+          <p:cNvPr id="48" name="Rectangle 47"/>
+          <p:cNvSpPr/>
+          <p:nvPr/>
+        </p:nvSpPr>
+        <p:spPr>
+          <a:xfrm>
+            <a:off x="2151098" y="2743199"/>
+            <a:ext cx="2379069" cy="1606079"/>
+          </a:xfrm>
+          <a:prstGeom prst="rect">
+            <a:avLst/>
+          </a:prstGeom>
+          <a:solidFill>
+            <a:schemeClr val="accent1">
+              <a:lumMod val="60000"/>
+              <a:lumOff val="40000"/>
+            </a:schemeClr>
+          </a:solidFill>
+        </p:spPr>
+        <p:style>
+          <a:lnRef idx="2">
+            <a:schemeClr val="accent1">
+              <a:shade val="50000"/>
+            </a:schemeClr>
+          </a:lnRef>
+          <a:fillRef idx="1">
+            <a:schemeClr val="accent1"/>
+          </a:fillRef>
+          <a:effectRef idx="0">
+            <a:schemeClr val="accent1"/>
+          </a:effectRef>
+          <a:fontRef idx="minor">
+            <a:schemeClr val="lt1"/>
+          </a:fontRef>
+        </p:style>
+        <p:txBody>
+          <a:bodyPr rtlCol="0" anchor="ctr"/>
+          <a:lstStyle/>
+          <a:p>
+            <a:pPr algn="ctr"/>
+            <a:endParaRPr lang="en-US"/>
+          </a:p>
+        </p:txBody>
+      </p:sp>
+      <p:sp>
+        <p:nvSpPr>
+          <p:cNvPr id="49" name="Rectangle 48"/>
+          <p:cNvSpPr/>
+          <p:nvPr/>
+        </p:nvSpPr>
+        <p:spPr>
+          <a:xfrm>
+            <a:off x="2168055" y="2743200"/>
+            <a:ext cx="2362112" cy="333402"/>
+          </a:xfrm>
+          <a:prstGeom prst="rect">
+            <a:avLst/>
+          </a:prstGeom>
+          <a:solidFill>
+            <a:schemeClr val="accent1">
+              <a:lumMod val="75000"/>
+            </a:schemeClr>
+          </a:solidFill>
+        </p:spPr>
+        <p:style>
+          <a:lnRef idx="2">
+            <a:schemeClr val="accent1">
+              <a:shade val="50000"/>
+            </a:schemeClr>
+          </a:lnRef>
+          <a:fillRef idx="1">
+            <a:schemeClr val="accent1"/>
+          </a:fillRef>
+          <a:effectRef idx="0">
+            <a:schemeClr val="accent1"/>
+          </a:effectRef>
+          <a:fontRef idx="minor">
+            <a:schemeClr val="lt1"/>
+          </a:fontRef>
+        </p:style>
+        <p:txBody>
+          <a:bodyPr rtlCol="0" anchor="ctr"/>
+          <a:lstStyle/>
+          <a:p>
+            <a:pPr algn="ctr"/>
+            <a:r>
+              <a:rPr lang="en-US" dirty="0" smtClean="0"/>
+              <a:t>Product Description</a:t>
+            </a:r>
+            <a:endParaRPr lang="en-US" dirty="0"/>
+          </a:p>
+        </p:txBody>
+      </p:sp>
+      <p:sp>
+        <p:nvSpPr>
+          <p:cNvPr id="45" name="TextBox 44"/>
+          <p:cNvSpPr txBox="1"/>
+          <p:nvPr/>
+        </p:nvSpPr>
+        <p:spPr>
+          <a:xfrm>
+            <a:off x="2168056" y="3221072"/>
+            <a:ext cx="2362111" cy="1092607"/>
+          </a:xfrm>
+          <a:prstGeom prst="rect">
+            <a:avLst/>
+          </a:prstGeom>
+          <a:noFill/>
+        </p:spPr>
+        <p:txBody>
+          <a:bodyPr wrap="square" rtlCol="0">
+            <a:spAutoFit/>
+          </a:bodyPr>
+          <a:lstStyle/>
+          <a:p>
+            <a:r>
+              <a:rPr lang="en-US" sz="500" dirty="0"/>
+              <a:t>The 3-D Printer Fabrication System will provide an interface for converting standard stereo lithography or STL files into realized items.  The system will use a simple graphical user interface to select the files and materials to be used in the production of the 3D </a:t>
+            </a:r>
+            <a:r>
+              <a:rPr lang="en-US" sz="500" dirty="0" smtClean="0"/>
+              <a:t>model.  When </a:t>
+            </a:r>
+            <a:r>
+              <a:rPr lang="en-US" sz="500" dirty="0"/>
+              <a:t>a file is loaded, the system will translate the STL file in to a series of layers based on the granularity of the materials to be used in the final </a:t>
+            </a:r>
+            <a:r>
+              <a:rPr lang="en-US" sz="500" dirty="0" smtClean="0"/>
+              <a:t>build.  The </a:t>
+            </a:r>
+            <a:r>
+              <a:rPr lang="en-US" sz="500" dirty="0"/>
+              <a:t>system will then use the layers to produce a series of paths for the print head to traverse to deposit the correct material to the specified location</a:t>
+            </a:r>
+            <a:r>
+              <a:rPr lang="en-US" sz="500" dirty="0" smtClean="0"/>
+              <a:t>.  From </a:t>
+            </a:r>
+            <a:r>
+              <a:rPr lang="en-US" sz="500" dirty="0"/>
+              <a:t>this series of steps, an instruction set will be produced for the printer to execute each path for every layer and material.  Finally, the instructions will be issued to the printer and it will execute the commands producing the designed object that was described by the original STL files.</a:t>
+            </a:r>
+          </a:p>
+          <a:p>
+            <a:endParaRPr lang="en-US" sz="500" dirty="0"/>
+          </a:p>
+        </p:txBody>
+      </p:sp>
+      <p:pic>
+        <p:nvPicPr>
+          <p:cNvPr id="1029" name="Picture 5" descr="Print Job Screen"/>
+          <p:cNvPicPr>
+            <a:picLocks noChangeAspect="1" noChangeArrowheads="1"/>
+          </p:cNvPicPr>
+          <p:nvPr/>
+        </p:nvPicPr>
+        <p:blipFill>
+          <a:blip r:embed="rId7" cstate="print">
+            <a:extLst>
+              <a:ext uri="{28A0092B-C50C-407E-A947-70E740481C1C}">
+                <a14:useLocalDpi xmlns:a14="http://schemas.microsoft.com/office/drawing/2010/main" val="0"/>
+              </a:ext>
+            </a:extLst>
+          </a:blip>
+          <a:srcRect/>
+          <a:stretch>
+            <a:fillRect/>
+          </a:stretch>
+        </p:blipFill>
+        <p:spPr bwMode="auto">
+          <a:xfrm>
+            <a:off x="2227767" y="4800600"/>
+            <a:ext cx="1586605" cy="1083938"/>
+          </a:xfrm>
+          <a:prstGeom prst="rect">
+            <a:avLst/>
+          </a:prstGeom>
+          <a:noFill/>
+          <a:ln>
+            <a:noFill/>
+          </a:ln>
+          <a:effectLst/>
+          <a:extLst>
+            <a:ext uri="{909E8E84-426E-40DD-AFC4-6F175D3DCCD1}">
+              <a14:hiddenFill xmlns:a14="http://schemas.microsoft.com/office/drawing/2010/main">
+                <a:solidFill>
+                  <a:srgbClr val="646B86"/>
+                </a:solidFill>
+              </a14:hiddenFill>
+            </a:ext>
+            <a:ext uri="{91240B29-F687-4F45-9708-019B960494DF}">
+              <a14:hiddenLine xmlns:a14="http://schemas.microsoft.com/office/drawing/2010/main" w="25400" algn="ctr">
+                <a:solidFill>
+                  <a:srgbClr val="000000"/>
+                </a:solidFill>
+                <a:miter lim="800000"/>
+                <a:headEnd/>
+                <a:tailEnd/>
+              </a14:hiddenLine>
+            </a:ext>
+            <a:ext uri="{AF507438-7753-43E0-B8FC-AC1667EBCBE1}">
+              <a14:hiddenEffects xmlns:a14="http://schemas.microsoft.com/office/drawing/2010/main">
+                <a:effectLst>
+                  <a:outerShdw dist="35921" dir="2700000" algn="ctr" rotWithShape="0">
+                    <a:srgbClr val="000000"/>
+                  </a:outerShdw>
+                </a:effectLst>
+              </a14:hiddenEffects>
+            </a:ext>
+          </a:extLst>
+        </p:spPr>
+      </p:pic>
+      <p:sp>
+        <p:nvSpPr>
+          <p:cNvPr id="54" name="Rectangle 53"/>
+          <p:cNvSpPr/>
+          <p:nvPr/>
+        </p:nvSpPr>
+        <p:spPr>
+          <a:xfrm>
+            <a:off x="2151097" y="4354091"/>
+            <a:ext cx="2379069" cy="281906"/>
+          </a:xfrm>
+          <a:prstGeom prst="rect">
+            <a:avLst/>
+          </a:prstGeom>
+          <a:solidFill>
+            <a:schemeClr val="accent1">
+              <a:lumMod val="75000"/>
+            </a:schemeClr>
+          </a:solidFill>
+        </p:spPr>
+        <p:style>
+          <a:lnRef idx="2">
+            <a:schemeClr val="accent1">
+              <a:shade val="50000"/>
+            </a:schemeClr>
+          </a:lnRef>
+          <a:fillRef idx="1">
+            <a:schemeClr val="accent1"/>
+          </a:fillRef>
+          <a:effectRef idx="0">
+            <a:schemeClr val="accent1"/>
+          </a:effectRef>
+          <a:fontRef idx="minor">
+            <a:schemeClr val="lt1"/>
+          </a:fontRef>
+        </p:style>
+        <p:txBody>
+          <a:bodyPr rtlCol="0" anchor="ctr"/>
+          <a:lstStyle/>
+          <a:p>
+            <a:pPr algn="ctr"/>
+            <a:r>
+              <a:rPr lang="en-US" dirty="0" smtClean="0"/>
+              <a:t>Prototype</a:t>
+            </a:r>
+          </a:p>
+        </p:txBody>
+      </p:sp>
+      <p:sp>
+        <p:nvSpPr>
+          <p:cNvPr id="58" name="Rectangle 57"/>
+          <p:cNvSpPr/>
+          <p:nvPr/>
+        </p:nvSpPr>
+        <p:spPr>
+          <a:xfrm>
+            <a:off x="6909236" y="4495043"/>
+            <a:ext cx="2234763" cy="2362957"/>
+          </a:xfrm>
+          <a:prstGeom prst="rect">
+            <a:avLst/>
+          </a:prstGeom>
+          <a:solidFill>
+            <a:schemeClr val="accent1">
+              <a:lumMod val="60000"/>
+              <a:lumOff val="40000"/>
+            </a:schemeClr>
+          </a:solidFill>
+        </p:spPr>
+        <p:style>
+          <a:lnRef idx="2">
+            <a:schemeClr val="accent1">
+              <a:shade val="50000"/>
+            </a:schemeClr>
+          </a:lnRef>
+          <a:fillRef idx="1">
+            <a:schemeClr val="accent1"/>
+          </a:fillRef>
+          <a:effectRef idx="0">
+            <a:schemeClr val="accent1"/>
+          </a:effectRef>
+          <a:fontRef idx="minor">
+            <a:schemeClr val="lt1"/>
+          </a:fontRef>
+        </p:style>
+        <p:txBody>
+          <a:bodyPr rtlCol="0" anchor="ctr"/>
+          <a:lstStyle/>
+          <a:p>
+            <a:pPr algn="ctr"/>
+            <a:endParaRPr lang="en-US"/>
+          </a:p>
+        </p:txBody>
+      </p:sp>
+      <p:sp>
+        <p:nvSpPr>
+          <p:cNvPr id="59" name="Rectangle 58"/>
+          <p:cNvSpPr/>
+          <p:nvPr/>
+        </p:nvSpPr>
+        <p:spPr>
+          <a:xfrm>
+            <a:off x="6909235" y="4313679"/>
+            <a:ext cx="2234763" cy="322799"/>
+          </a:xfrm>
+          <a:prstGeom prst="rect">
+            <a:avLst/>
+          </a:prstGeom>
+          <a:solidFill>
+            <a:schemeClr val="accent1">
+              <a:lumMod val="75000"/>
+            </a:schemeClr>
+          </a:solidFill>
+        </p:spPr>
+        <p:style>
+          <a:lnRef idx="2">
+            <a:schemeClr val="accent1">
+              <a:shade val="50000"/>
+            </a:schemeClr>
+          </a:lnRef>
+          <a:fillRef idx="1">
+            <a:schemeClr val="accent1"/>
+          </a:fillRef>
+          <a:effectRef idx="0">
+            <a:schemeClr val="accent1"/>
+          </a:effectRef>
+          <a:fontRef idx="minor">
+            <a:schemeClr val="lt1"/>
+          </a:fontRef>
+        </p:style>
+        <p:txBody>
+          <a:bodyPr rtlCol="0" anchor="ctr"/>
+          <a:lstStyle/>
+          <a:p>
+            <a:pPr algn="ctr"/>
+            <a:r>
+              <a:rPr lang="en-US" dirty="0" smtClean="0"/>
+              <a:t>System Test Plan</a:t>
+            </a:r>
+            <a:endParaRPr lang="en-US" dirty="0"/>
+          </a:p>
+        </p:txBody>
+      </p:sp>
+      <p:graphicFrame>
+        <p:nvGraphicFramePr>
+          <p:cNvPr id="47" name="Object 46"/>
+          <p:cNvGraphicFramePr>
+            <a:graphicFrameLocks noChangeAspect="1"/>
+          </p:cNvGraphicFramePr>
+          <p:nvPr>
+            <p:extLst>
+              <p:ext uri="{D42A27DB-BD31-4B8C-83A1-F6EECF244321}">
+                <p14:modId xmlns:p14="http://schemas.microsoft.com/office/powerpoint/2010/main" val="2858234200"/>
+              </p:ext>
+            </p:extLst>
+          </p:nvPr>
+        </p:nvGraphicFramePr>
+        <p:xfrm>
+          <a:off x="7010400" y="4709525"/>
+          <a:ext cx="2057400" cy="2059127"/>
+        </p:xfrm>
+        <a:graphic>
+          <a:graphicData uri="http://schemas.openxmlformats.org/presentationml/2006/ole">
+            <mc:AlternateContent xmlns:mc="http://schemas.openxmlformats.org/markup-compatibility/2006">
+              <mc:Choice xmlns:v="urn:schemas-microsoft-com:vml" Requires="v">
+                <p:oleObj spid="_x0000_s1033" name="Visio" r:id="rId8" imgW="7572367" imgH="8496360" progId="Visio.Drawing.15">
+                  <p:embed/>
+                </p:oleObj>
+              </mc:Choice>
+              <mc:Fallback>
+                <p:oleObj name="Visio" r:id="rId8" imgW="7572367" imgH="8496360" progId="Visio.Drawing.15">
+                  <p:embed/>
+                  <p:pic>
+                    <p:nvPicPr>
+                      <p:cNvPr id="0" name="Object 7"/>
+                      <p:cNvPicPr>
+                        <a:picLocks noChangeAspect="1" noChangeArrowheads="1"/>
+                      </p:cNvPicPr>
+                      <p:nvPr/>
+                    </p:nvPicPr>
+                    <p:blipFill>
+                      <a:blip r:embed="rId9">
+                        <a:extLst>
+                          <a:ext uri="{28A0092B-C50C-407E-A947-70E740481C1C}">
+                            <a14:useLocalDpi xmlns:a14="http://schemas.microsoft.com/office/drawing/2010/main" val="0"/>
+                          </a:ext>
+                        </a:extLst>
+                      </a:blip>
+                      <a:srcRect/>
+                      <a:stretch>
+                        <a:fillRect/>
+                      </a:stretch>
+                    </p:blipFill>
+                    <p:spPr bwMode="auto">
+                      <a:xfrm>
+                        <a:off x="7010400" y="4709525"/>
+                        <a:ext cx="2057400" cy="2059127"/>
+                      </a:xfrm>
+                      <a:prstGeom prst="rect">
+                        <a:avLst/>
+                      </a:prstGeom>
+                      <a:noFill/>
+                      <a:ln>
+                        <a:noFill/>
+                      </a:ln>
+                    </p:spPr>
+                  </p:pic>
+                </p:oleObj>
+              </mc:Fallback>
+            </mc:AlternateContent>
+          </a:graphicData>
+        </a:graphic>
+      </p:graphicFrame>
+      <p:graphicFrame>
+        <p:nvGraphicFramePr>
+          <p:cNvPr id="62" name="Content Placeholder 3"/>
+          <p:cNvGraphicFramePr>
+            <a:graphicFrameLocks/>
+          </p:cNvGraphicFramePr>
+          <p:nvPr>
+            <p:extLst>
+              <p:ext uri="{D42A27DB-BD31-4B8C-83A1-F6EECF244321}">
+                <p14:modId xmlns:p14="http://schemas.microsoft.com/office/powerpoint/2010/main" val="1037755224"/>
+              </p:ext>
+            </p:extLst>
+          </p:nvPr>
+        </p:nvGraphicFramePr>
+        <p:xfrm>
+          <a:off x="6934903" y="974557"/>
+          <a:ext cx="2209802" cy="3329370"/>
+        </p:xfrm>
+        <a:graphic>
+          <a:graphicData uri="http://schemas.openxmlformats.org/drawingml/2006/table">
+            <a:tbl>
+              <a:tblPr firstRow="1" bandRow="1">
+                <a:tableStyleId>{5C22544A-7EE6-4342-B048-85BDC9FD1C3A}</a:tableStyleId>
+              </a:tblPr>
+              <a:tblGrid>
+                <a:gridCol w="1104901"/>
+                <a:gridCol w="1104901"/>
+              </a:tblGrid>
+              <a:tr h="149076">
+                <a:tc gridSpan="2">
+                  <a:txBody>
+                    <a:bodyPr/>
+                    <a:lstStyle/>
+                    <a:p>
+                      <a:pPr algn="ctr"/>
+                      <a:r>
+                        <a:rPr lang="en-US" sz="500" dirty="0" smtClean="0"/>
+                        <a:t>Critical Requirements</a:t>
+                      </a:r>
+                      <a:endParaRPr lang="en-US" sz="500" dirty="0"/>
+                    </a:p>
+                  </a:txBody>
+                  <a:tcPr/>
+                </a:tc>
+                <a:tc hMerge="1">
+                  <a:txBody>
+                    <a:bodyPr/>
+                    <a:lstStyle/>
+                    <a:p>
+                      <a:endParaRPr lang="en-US" dirty="0"/>
+                    </a:p>
+                  </a:txBody>
+                  <a:tcPr/>
+                </a:tc>
+              </a:tr>
+              <a:tr h="149076">
+                <a:tc>
+                  <a:txBody>
+                    <a:bodyPr/>
+                    <a:lstStyle/>
+                    <a:p>
+                      <a:r>
+                        <a:rPr lang="en-US" sz="500" dirty="0" smtClean="0"/>
+                        <a:t>3.1 STL File Input</a:t>
+                      </a:r>
+                      <a:endParaRPr lang="en-US" sz="500" dirty="0"/>
+                    </a:p>
+                  </a:txBody>
+                  <a:tcPr/>
+                </a:tc>
+                <a:tc>
+                  <a:txBody>
+                    <a:bodyPr/>
+                    <a:lstStyle/>
+                    <a:p>
+                      <a:pPr algn="ctr"/>
+                      <a:r>
+                        <a:rPr lang="en-US" sz="500" b="1" dirty="0" smtClean="0"/>
+                        <a:t>Completed</a:t>
+                      </a:r>
+                      <a:endParaRPr lang="en-US" sz="500" b="1" dirty="0"/>
+                    </a:p>
+                  </a:txBody>
+                  <a:tcPr>
+                    <a:solidFill>
+                      <a:srgbClr val="00B050"/>
+                    </a:solidFill>
+                  </a:tcPr>
+                </a:tc>
+              </a:tr>
+              <a:tr h="178785">
+                <a:tc>
+                  <a:txBody>
+                    <a:bodyPr/>
+                    <a:lstStyle/>
+                    <a:p>
+                      <a:r>
+                        <a:rPr lang="en-US" sz="500" dirty="0" smtClean="0"/>
+                        <a:t>3.2 Graphical User Interface</a:t>
+                      </a:r>
+                      <a:endParaRPr lang="en-US" sz="500" dirty="0"/>
+                    </a:p>
+                  </a:txBody>
+                  <a:tcPr/>
+                </a:tc>
+                <a:tc>
+                  <a:txBody>
+                    <a:bodyPr/>
+                    <a:lstStyle/>
+                    <a:p>
+                      <a:pPr algn="ctr"/>
+                      <a:r>
+                        <a:rPr lang="en-US" sz="500" b="1" dirty="0" smtClean="0"/>
+                        <a:t>Completed</a:t>
+                      </a:r>
+                      <a:endParaRPr lang="en-US" sz="500" b="1" dirty="0"/>
+                    </a:p>
+                  </a:txBody>
+                  <a:tcPr>
+                    <a:solidFill>
+                      <a:srgbClr val="00B050"/>
+                    </a:solidFill>
+                  </a:tcPr>
+                </a:tc>
+              </a:tr>
+              <a:tr h="216838">
+                <a:tc>
+                  <a:txBody>
+                    <a:bodyPr/>
+                    <a:lstStyle/>
+                    <a:p>
+                      <a:r>
+                        <a:rPr lang="en-US" sz="500" dirty="0" smtClean="0"/>
+                        <a:t>3.3 Generate</a:t>
+                      </a:r>
+                      <a:r>
+                        <a:rPr lang="en-US" sz="500" baseline="0" dirty="0" smtClean="0"/>
+                        <a:t> Machine Instructions</a:t>
+                      </a:r>
+                      <a:endParaRPr lang="en-US" sz="500" dirty="0"/>
+                    </a:p>
+                  </a:txBody>
+                  <a:tcPr/>
+                </a:tc>
+                <a:tc>
+                  <a:txBody>
+                    <a:bodyPr/>
+                    <a:lstStyle/>
+                    <a:p>
+                      <a:pPr algn="ctr"/>
+                      <a:r>
+                        <a:rPr lang="en-US" sz="500" b="1" dirty="0" smtClean="0"/>
+                        <a:t>Completed</a:t>
+                      </a:r>
+                      <a:endParaRPr lang="en-US" sz="500" b="1" dirty="0"/>
+                    </a:p>
+                  </a:txBody>
+                  <a:tcPr>
+                    <a:solidFill>
+                      <a:srgbClr val="00B050"/>
+                    </a:solidFill>
+                  </a:tcPr>
+                </a:tc>
+              </a:tr>
+              <a:tr h="178785">
+                <a:tc>
+                  <a:txBody>
+                    <a:bodyPr/>
+                    <a:lstStyle/>
+                    <a:p>
+                      <a:r>
+                        <a:rPr lang="en-US" sz="500" dirty="0" smtClean="0"/>
+                        <a:t>3.4 Issue Machine Instructions</a:t>
+                      </a:r>
+                      <a:endParaRPr lang="en-US" sz="500" dirty="0"/>
+                    </a:p>
+                  </a:txBody>
+                  <a:tcPr/>
+                </a:tc>
+                <a:tc>
+                  <a:txBody>
+                    <a:bodyPr/>
+                    <a:lstStyle/>
+                    <a:p>
+                      <a:pPr algn="ctr"/>
+                      <a:r>
+                        <a:rPr lang="en-US" sz="500" b="1" dirty="0" smtClean="0"/>
+                        <a:t>Partially Completed</a:t>
+                      </a:r>
+                      <a:endParaRPr lang="en-US" sz="500" b="1" dirty="0"/>
+                    </a:p>
+                  </a:txBody>
+                  <a:tcPr>
+                    <a:solidFill>
+                      <a:srgbClr val="FFFF00"/>
+                    </a:solidFill>
+                  </a:tcPr>
+                </a:tc>
+              </a:tr>
+              <a:tr h="149076">
+                <a:tc>
+                  <a:txBody>
+                    <a:bodyPr/>
+                    <a:lstStyle/>
+                    <a:p>
+                      <a:r>
+                        <a:rPr lang="en-US" sz="500" dirty="0" smtClean="0"/>
+                        <a:t>3.5 Monitor Temperature</a:t>
+                      </a:r>
+                      <a:endParaRPr lang="en-US" sz="500" dirty="0"/>
+                    </a:p>
+                  </a:txBody>
+                  <a:tcPr/>
+                </a:tc>
+                <a:tc>
+                  <a:txBody>
+                    <a:bodyPr/>
+                    <a:lstStyle/>
+                    <a:p>
+                      <a:pPr algn="ctr"/>
+                      <a:r>
+                        <a:rPr lang="en-US" sz="500" b="1" dirty="0" smtClean="0"/>
+                        <a:t>Completed</a:t>
+                      </a:r>
+                      <a:endParaRPr lang="en-US" sz="500" b="1" dirty="0"/>
+                    </a:p>
+                  </a:txBody>
+                  <a:tcPr>
+                    <a:solidFill>
+                      <a:srgbClr val="00B050"/>
+                    </a:solidFill>
+                  </a:tcPr>
+                </a:tc>
+              </a:tr>
+              <a:tr h="149076">
+                <a:tc>
+                  <a:txBody>
+                    <a:bodyPr/>
+                    <a:lstStyle/>
+                    <a:p>
+                      <a:r>
+                        <a:rPr lang="en-US" sz="500" dirty="0" smtClean="0"/>
+                        <a:t>3.6 Monitor Position</a:t>
+                      </a:r>
+                      <a:endParaRPr lang="en-US" sz="500" dirty="0"/>
+                    </a:p>
+                  </a:txBody>
+                  <a:tcPr/>
+                </a:tc>
+                <a:tc>
+                  <a:txBody>
+                    <a:bodyPr/>
+                    <a:lstStyle/>
+                    <a:p>
+                      <a:pPr algn="ctr"/>
+                      <a:r>
+                        <a:rPr lang="en-US" sz="500" b="1" dirty="0" smtClean="0"/>
+                        <a:t>Completed</a:t>
+                      </a:r>
+                      <a:endParaRPr lang="en-US" sz="500" b="1" dirty="0"/>
+                    </a:p>
+                  </a:txBody>
+                  <a:tcPr>
+                    <a:solidFill>
+                      <a:srgbClr val="00B050"/>
+                    </a:solidFill>
+                  </a:tcPr>
+                </a:tc>
+              </a:tr>
+              <a:tr h="216838">
+                <a:tc>
+                  <a:txBody>
+                    <a:bodyPr/>
+                    <a:lstStyle/>
+                    <a:p>
+                      <a:r>
+                        <a:rPr lang="en-US" sz="500" dirty="0" smtClean="0"/>
+                        <a:t>3.7</a:t>
+                      </a:r>
+                      <a:r>
+                        <a:rPr lang="en-US" sz="500" baseline="0" dirty="0" smtClean="0"/>
+                        <a:t> Adhere to Material Constraints</a:t>
+                      </a:r>
+                      <a:endParaRPr lang="en-US" sz="500" dirty="0"/>
+                    </a:p>
+                  </a:txBody>
+                  <a:tcPr/>
+                </a:tc>
+                <a:tc>
+                  <a:txBody>
+                    <a:bodyPr/>
+                    <a:lstStyle/>
+                    <a:p>
+                      <a:pPr algn="ctr"/>
+                      <a:r>
+                        <a:rPr lang="en-US" sz="500" b="1" dirty="0" smtClean="0"/>
+                        <a:t>Completed</a:t>
+                      </a:r>
+                      <a:endParaRPr lang="en-US" sz="500" b="1" dirty="0"/>
+                    </a:p>
+                  </a:txBody>
+                  <a:tcPr>
+                    <a:solidFill>
+                      <a:srgbClr val="00B050"/>
+                    </a:solidFill>
+                  </a:tcPr>
+                </a:tc>
+              </a:tr>
+              <a:tr h="149076">
+                <a:tc>
+                  <a:txBody>
+                    <a:bodyPr/>
+                    <a:lstStyle/>
+                    <a:p>
+                      <a:r>
+                        <a:rPr lang="en-US" sz="500" dirty="0" smtClean="0"/>
+                        <a:t>3.8 Identify Materials</a:t>
+                      </a:r>
+                      <a:endParaRPr lang="en-US" sz="500" dirty="0"/>
+                    </a:p>
+                  </a:txBody>
+                  <a:tcPr/>
+                </a:tc>
+                <a:tc>
+                  <a:txBody>
+                    <a:bodyPr/>
+                    <a:lstStyle/>
+                    <a:p>
+                      <a:pPr algn="ctr"/>
+                      <a:r>
+                        <a:rPr lang="en-US" sz="500" b="1" dirty="0" smtClean="0"/>
+                        <a:t>Completed</a:t>
+                      </a:r>
+                    </a:p>
+                  </a:txBody>
+                  <a:tcPr>
+                    <a:solidFill>
+                      <a:srgbClr val="00B050"/>
+                    </a:solidFill>
+                  </a:tcPr>
+                </a:tc>
+              </a:tr>
+              <a:tr h="149076">
+                <a:tc>
+                  <a:txBody>
+                    <a:bodyPr/>
+                    <a:lstStyle/>
+                    <a:p>
+                      <a:r>
+                        <a:rPr lang="en-US" sz="500" dirty="0" smtClean="0"/>
+                        <a:t>3.9 Identify Shapes</a:t>
+                      </a:r>
+                      <a:endParaRPr lang="en-US" sz="500" dirty="0"/>
+                    </a:p>
+                  </a:txBody>
+                  <a:tcPr/>
+                </a:tc>
+                <a:tc>
+                  <a:txBody>
+                    <a:bodyPr/>
+                    <a:lstStyle/>
+                    <a:p>
+                      <a:pPr algn="ctr"/>
+                      <a:r>
+                        <a:rPr lang="en-US" sz="500" b="1" dirty="0" smtClean="0"/>
+                        <a:t>Completed</a:t>
+                      </a:r>
+                      <a:endParaRPr lang="en-US" sz="500" b="1" dirty="0"/>
+                    </a:p>
+                  </a:txBody>
+                  <a:tcPr>
+                    <a:solidFill>
+                      <a:srgbClr val="00B050"/>
+                    </a:solidFill>
+                  </a:tcPr>
+                </a:tc>
+              </a:tr>
+              <a:tr h="216838">
+                <a:tc>
+                  <a:txBody>
+                    <a:bodyPr/>
+                    <a:lstStyle/>
+                    <a:p>
+                      <a:r>
+                        <a:rPr lang="en-US" sz="500" dirty="0" smtClean="0"/>
+                        <a:t>3.10 Determine Shape of Support Material Structure</a:t>
+                      </a:r>
+                      <a:endParaRPr lang="en-US" sz="500" dirty="0"/>
+                    </a:p>
+                  </a:txBody>
+                  <a:tcPr/>
+                </a:tc>
+                <a:tc>
+                  <a:txBody>
+                    <a:bodyPr/>
+                    <a:lstStyle/>
+                    <a:p>
+                      <a:pPr algn="ctr"/>
+                      <a:r>
+                        <a:rPr lang="en-US" sz="500" b="1" dirty="0" smtClean="0"/>
+                        <a:t>Completed</a:t>
+                      </a:r>
+                      <a:endParaRPr lang="en-US" sz="500" b="1" dirty="0"/>
+                    </a:p>
+                  </a:txBody>
+                  <a:tcPr>
+                    <a:solidFill>
+                      <a:srgbClr val="00B050"/>
+                    </a:solidFill>
+                  </a:tcPr>
+                </a:tc>
+              </a:tr>
+              <a:tr h="149076">
+                <a:tc>
+                  <a:txBody>
+                    <a:bodyPr/>
+                    <a:lstStyle/>
+                    <a:p>
+                      <a:r>
+                        <a:rPr lang="en-US" sz="500" dirty="0" smtClean="0"/>
+                        <a:t>3.11 Create Printing Path</a:t>
+                      </a:r>
+                      <a:endParaRPr lang="en-US" sz="500" dirty="0"/>
+                    </a:p>
+                  </a:txBody>
+                  <a:tcPr/>
+                </a:tc>
+                <a:tc>
+                  <a:txBody>
+                    <a:bodyPr/>
+                    <a:lstStyle/>
+                    <a:p>
+                      <a:pPr algn="ctr"/>
+                      <a:r>
+                        <a:rPr lang="en-US" sz="500" b="1" dirty="0" smtClean="0"/>
+                        <a:t>Completed</a:t>
+                      </a:r>
+                      <a:endParaRPr lang="en-US" sz="500" b="1" dirty="0"/>
+                    </a:p>
+                  </a:txBody>
+                  <a:tcPr>
+                    <a:solidFill>
+                      <a:srgbClr val="00B050"/>
+                    </a:solidFill>
+                  </a:tcPr>
+                </a:tc>
+              </a:tr>
+              <a:tr h="149076">
+                <a:tc>
+                  <a:txBody>
+                    <a:bodyPr/>
+                    <a:lstStyle/>
+                    <a:p>
+                      <a:r>
+                        <a:rPr lang="en-US" sz="500" dirty="0" smtClean="0"/>
+                        <a:t>3.12 Database Interface</a:t>
+                      </a:r>
+                      <a:endParaRPr lang="en-US" sz="500" dirty="0"/>
+                    </a:p>
+                  </a:txBody>
+                  <a:tcPr/>
+                </a:tc>
+                <a:tc>
+                  <a:txBody>
+                    <a:bodyPr/>
+                    <a:lstStyle/>
+                    <a:p>
+                      <a:pPr algn="ctr"/>
+                      <a:r>
+                        <a:rPr lang="en-US" sz="500" b="1" dirty="0" smtClean="0"/>
+                        <a:t>Completed</a:t>
+                      </a:r>
+                      <a:endParaRPr lang="en-US" sz="500" b="1" dirty="0"/>
+                    </a:p>
+                  </a:txBody>
+                  <a:tcPr>
+                    <a:solidFill>
+                      <a:srgbClr val="00B050"/>
+                    </a:solidFill>
+                  </a:tcPr>
+                </a:tc>
+              </a:tr>
+              <a:tr h="216838">
+                <a:tc>
+                  <a:txBody>
+                    <a:bodyPr/>
+                    <a:lstStyle/>
+                    <a:p>
+                      <a:r>
+                        <a:rPr lang="en-US" sz="500" dirty="0" smtClean="0"/>
+                        <a:t>3.13 Store &amp; Load </a:t>
+                      </a:r>
+                      <a:br>
+                        <a:rPr lang="en-US" sz="500" dirty="0" smtClean="0"/>
+                      </a:br>
+                      <a:r>
+                        <a:rPr lang="en-US" sz="500" dirty="0" smtClean="0"/>
+                        <a:t>Material Records</a:t>
+                      </a:r>
+                      <a:endParaRPr lang="en-US" sz="500" dirty="0"/>
+                    </a:p>
+                  </a:txBody>
+                  <a:tcPr/>
+                </a:tc>
+                <a:tc>
+                  <a:txBody>
+                    <a:bodyPr/>
+                    <a:lstStyle/>
+                    <a:p>
+                      <a:pPr algn="ctr"/>
+                      <a:r>
+                        <a:rPr lang="en-US" sz="500" b="1" dirty="0" smtClean="0"/>
+                        <a:t>Completed</a:t>
+                      </a:r>
+                      <a:endParaRPr lang="en-US" sz="500" b="1" dirty="0"/>
+                    </a:p>
+                  </a:txBody>
+                  <a:tcPr>
+                    <a:solidFill>
+                      <a:srgbClr val="00B050"/>
+                    </a:solidFill>
+                  </a:tcPr>
+                </a:tc>
+              </a:tr>
+              <a:tr h="216838">
+                <a:tc>
+                  <a:txBody>
+                    <a:bodyPr/>
+                    <a:lstStyle/>
+                    <a:p>
+                      <a:r>
+                        <a:rPr lang="en-US" sz="500" dirty="0" smtClean="0"/>
+                        <a:t>3.14 Slice Geometry</a:t>
+                      </a:r>
+                      <a:r>
+                        <a:rPr lang="en-US" sz="500" baseline="0" dirty="0" smtClean="0"/>
+                        <a:t> into Thickness Levels</a:t>
+                      </a:r>
+                      <a:endParaRPr lang="en-US" sz="500" dirty="0"/>
+                    </a:p>
+                  </a:txBody>
+                  <a:tcPr/>
+                </a:tc>
+                <a:tc>
+                  <a:txBody>
+                    <a:bodyPr/>
+                    <a:lstStyle/>
+                    <a:p>
+                      <a:pPr algn="ctr"/>
+                      <a:r>
+                        <a:rPr lang="en-US" sz="500" b="1" dirty="0" smtClean="0"/>
+                        <a:t>Completed</a:t>
+                      </a:r>
+                      <a:endParaRPr lang="en-US" sz="500" b="1" dirty="0"/>
+                    </a:p>
+                  </a:txBody>
+                  <a:tcPr>
+                    <a:solidFill>
+                      <a:srgbClr val="00B050"/>
+                    </a:solidFill>
+                  </a:tcPr>
+                </a:tc>
+              </a:tr>
+              <a:tr h="149076">
+                <a:tc>
+                  <a:txBody>
+                    <a:bodyPr/>
+                    <a:lstStyle/>
+                    <a:p>
+                      <a:r>
+                        <a:rPr lang="en-US" sz="500" dirty="0" smtClean="0"/>
+                        <a:t>3.15 Monitor Flow Sensors</a:t>
+                      </a:r>
+                      <a:endParaRPr lang="en-US" sz="500" dirty="0"/>
+                    </a:p>
+                  </a:txBody>
+                  <a:tcPr/>
+                </a:tc>
+                <a:tc>
+                  <a:txBody>
+                    <a:bodyPr/>
+                    <a:lstStyle/>
+                    <a:p>
+                      <a:pPr algn="ctr"/>
+                      <a:r>
+                        <a:rPr lang="en-US" sz="500" b="1" dirty="0" smtClean="0"/>
+                        <a:t>Completed</a:t>
+                      </a:r>
+                      <a:endParaRPr lang="en-US" sz="500" b="1" dirty="0"/>
+                    </a:p>
+                  </a:txBody>
+                  <a:tcPr>
+                    <a:solidFill>
+                      <a:srgbClr val="00B050"/>
+                    </a:solidFill>
+                  </a:tcPr>
+                </a:tc>
+              </a:tr>
+              <a:tr h="216838">
+                <a:tc>
+                  <a:txBody>
+                    <a:bodyPr/>
+                    <a:lstStyle/>
+                    <a:p>
+                      <a:r>
+                        <a:rPr lang="en-US" sz="500" dirty="0" smtClean="0"/>
+                        <a:t>3.17 Allow for UV Head Polymerization</a:t>
+                      </a:r>
+                      <a:endParaRPr lang="en-US" sz="500" dirty="0"/>
+                    </a:p>
+                  </a:txBody>
+                  <a:tcPr/>
+                </a:tc>
+                <a:tc>
+                  <a:txBody>
+                    <a:bodyPr/>
+                    <a:lstStyle/>
+                    <a:p>
+                      <a:pPr algn="ctr"/>
+                      <a:r>
+                        <a:rPr lang="en-US" sz="500" b="1" dirty="0" smtClean="0"/>
+                        <a:t>Completed</a:t>
+                      </a:r>
+                      <a:endParaRPr lang="en-US" sz="500" b="1" dirty="0"/>
+                    </a:p>
+                  </a:txBody>
+                  <a:tcPr>
+                    <a:solidFill>
+                      <a:srgbClr val="00B050"/>
+                    </a:solidFill>
+                  </a:tcPr>
+                </a:tc>
+              </a:tr>
+            </a:tbl>
+          </a:graphicData>
+        </a:graphic>
+      </p:graphicFrame>
     </p:spTree>
     <p:extLst>
       <p:ext uri="{BB962C8B-B14F-4D97-AF65-F5344CB8AC3E}">
@@ -4747,6 +6093,695 @@
 </file>
 
 <file path=ppt/slides/slide2.xml><?xml version="1.0" encoding="utf-8"?>
+<p:sld xmlns:a="http://schemas.openxmlformats.org/drawingml/2006/main" xmlns:r="http://schemas.openxmlformats.org/officeDocument/2006/relationships" xmlns:p="http://schemas.openxmlformats.org/presentationml/2006/main">
+  <p:cSld>
+    <p:spTree>
+      <p:nvGrpSpPr>
+        <p:cNvPr id="1" name=""/>
+        <p:cNvGrpSpPr/>
+        <p:nvPr/>
+      </p:nvGrpSpPr>
+      <p:grpSpPr>
+        <a:xfrm>
+          <a:off x="0" y="0"/>
+          <a:ext cx="0" cy="0"/>
+          <a:chOff x="0" y="0"/>
+          <a:chExt cx="0" cy="0"/>
+        </a:xfrm>
+      </p:grpSpPr>
+      <p:grpSp>
+        <p:nvGrpSpPr>
+          <p:cNvPr id="46" name="Group 45"/>
+          <p:cNvGrpSpPr/>
+          <p:nvPr/>
+        </p:nvGrpSpPr>
+        <p:grpSpPr>
+          <a:xfrm>
+            <a:off x="2895600" y="474471"/>
+            <a:ext cx="2379069" cy="2961301"/>
+            <a:chOff x="381000" y="450236"/>
+            <a:chExt cx="2327833" cy="2757128"/>
+          </a:xfrm>
+        </p:grpSpPr>
+        <p:sp>
+          <p:nvSpPr>
+            <p:cNvPr id="47" name="Rectangle 46"/>
+            <p:cNvSpPr/>
+            <p:nvPr/>
+          </p:nvSpPr>
+          <p:spPr>
+            <a:xfrm>
+              <a:off x="381000" y="450236"/>
+              <a:ext cx="2327833" cy="2757128"/>
+            </a:xfrm>
+            <a:prstGeom prst="rect">
+              <a:avLst/>
+            </a:prstGeom>
+            <a:solidFill>
+              <a:schemeClr val="accent1">
+                <a:lumMod val="60000"/>
+                <a:lumOff val="40000"/>
+              </a:schemeClr>
+            </a:solidFill>
+          </p:spPr>
+          <p:style>
+            <a:lnRef idx="2">
+              <a:schemeClr val="accent1">
+                <a:shade val="50000"/>
+              </a:schemeClr>
+            </a:lnRef>
+            <a:fillRef idx="1">
+              <a:schemeClr val="accent1"/>
+            </a:fillRef>
+            <a:effectRef idx="0">
+              <a:schemeClr val="accent1"/>
+            </a:effectRef>
+            <a:fontRef idx="minor">
+              <a:schemeClr val="lt1"/>
+            </a:fontRef>
+          </p:style>
+          <p:txBody>
+            <a:bodyPr rtlCol="0" anchor="ctr"/>
+            <a:lstStyle/>
+            <a:p>
+              <a:pPr algn="ctr"/>
+              <a:endParaRPr lang="en-US"/>
+            </a:p>
+          </p:txBody>
+        </p:sp>
+        <p:sp>
+          <p:nvSpPr>
+            <p:cNvPr id="48" name="Rectangle 47"/>
+            <p:cNvSpPr/>
+            <p:nvPr/>
+          </p:nvSpPr>
+          <p:spPr>
+            <a:xfrm>
+              <a:off x="381000" y="450236"/>
+              <a:ext cx="2327833" cy="310415"/>
+            </a:xfrm>
+            <a:prstGeom prst="rect">
+              <a:avLst/>
+            </a:prstGeom>
+            <a:solidFill>
+              <a:schemeClr val="accent1">
+                <a:lumMod val="75000"/>
+              </a:schemeClr>
+            </a:solidFill>
+          </p:spPr>
+          <p:style>
+            <a:lnRef idx="2">
+              <a:schemeClr val="accent1">
+                <a:shade val="50000"/>
+              </a:schemeClr>
+            </a:lnRef>
+            <a:fillRef idx="1">
+              <a:schemeClr val="accent1"/>
+            </a:fillRef>
+            <a:effectRef idx="0">
+              <a:schemeClr val="accent1"/>
+            </a:effectRef>
+            <a:fontRef idx="minor">
+              <a:schemeClr val="lt1"/>
+            </a:fontRef>
+          </p:style>
+          <p:txBody>
+            <a:bodyPr rtlCol="0" anchor="ctr"/>
+            <a:lstStyle/>
+            <a:p>
+              <a:pPr algn="ctr"/>
+              <a:r>
+                <a:rPr lang="en-US" dirty="0" smtClean="0"/>
+                <a:t>Design Concept</a:t>
+              </a:r>
+              <a:endParaRPr lang="en-US" dirty="0"/>
+            </a:p>
+          </p:txBody>
+        </p:sp>
+      </p:grpSp>
+      <p:grpSp>
+        <p:nvGrpSpPr>
+          <p:cNvPr id="49" name="Group 48"/>
+          <p:cNvGrpSpPr/>
+          <p:nvPr/>
+        </p:nvGrpSpPr>
+        <p:grpSpPr>
+          <a:xfrm>
+            <a:off x="6324600" y="3914802"/>
+            <a:ext cx="2379069" cy="2961301"/>
+            <a:chOff x="381000" y="450236"/>
+            <a:chExt cx="2327833" cy="2757128"/>
+          </a:xfrm>
+        </p:grpSpPr>
+        <p:sp>
+          <p:nvSpPr>
+            <p:cNvPr id="50" name="Rectangle 49"/>
+            <p:cNvSpPr/>
+            <p:nvPr/>
+          </p:nvSpPr>
+          <p:spPr>
+            <a:xfrm>
+              <a:off x="381000" y="450236"/>
+              <a:ext cx="2327833" cy="2757128"/>
+            </a:xfrm>
+            <a:prstGeom prst="rect">
+              <a:avLst/>
+            </a:prstGeom>
+            <a:solidFill>
+              <a:schemeClr val="accent1">
+                <a:lumMod val="60000"/>
+                <a:lumOff val="40000"/>
+              </a:schemeClr>
+            </a:solidFill>
+          </p:spPr>
+          <p:style>
+            <a:lnRef idx="2">
+              <a:schemeClr val="accent1">
+                <a:shade val="50000"/>
+              </a:schemeClr>
+            </a:lnRef>
+            <a:fillRef idx="1">
+              <a:schemeClr val="accent1"/>
+            </a:fillRef>
+            <a:effectRef idx="0">
+              <a:schemeClr val="accent1"/>
+            </a:effectRef>
+            <a:fontRef idx="minor">
+              <a:schemeClr val="lt1"/>
+            </a:fontRef>
+          </p:style>
+          <p:txBody>
+            <a:bodyPr rtlCol="0" anchor="ctr"/>
+            <a:lstStyle/>
+            <a:p>
+              <a:pPr algn="ctr"/>
+              <a:endParaRPr lang="en-US"/>
+            </a:p>
+          </p:txBody>
+        </p:sp>
+        <p:sp>
+          <p:nvSpPr>
+            <p:cNvPr id="51" name="Rectangle 50"/>
+            <p:cNvSpPr/>
+            <p:nvPr/>
+          </p:nvSpPr>
+          <p:spPr>
+            <a:xfrm>
+              <a:off x="381000" y="450236"/>
+              <a:ext cx="2327833" cy="310415"/>
+            </a:xfrm>
+            <a:prstGeom prst="rect">
+              <a:avLst/>
+            </a:prstGeom>
+            <a:solidFill>
+              <a:schemeClr val="accent1">
+                <a:lumMod val="75000"/>
+              </a:schemeClr>
+            </a:solidFill>
+          </p:spPr>
+          <p:style>
+            <a:lnRef idx="2">
+              <a:schemeClr val="accent1">
+                <a:shade val="50000"/>
+              </a:schemeClr>
+            </a:lnRef>
+            <a:fillRef idx="1">
+              <a:schemeClr val="accent1"/>
+            </a:fillRef>
+            <a:effectRef idx="0">
+              <a:schemeClr val="accent1"/>
+            </a:effectRef>
+            <a:fontRef idx="minor">
+              <a:schemeClr val="lt1"/>
+            </a:fontRef>
+          </p:style>
+          <p:txBody>
+            <a:bodyPr rtlCol="0" anchor="ctr"/>
+            <a:lstStyle/>
+            <a:p>
+              <a:pPr algn="ctr"/>
+              <a:r>
+                <a:rPr lang="en-US" dirty="0" smtClean="0"/>
+                <a:t>System Test Plan</a:t>
+              </a:r>
+              <a:endParaRPr lang="en-US" dirty="0"/>
+            </a:p>
+          </p:txBody>
+        </p:sp>
+      </p:grpSp>
+      <p:grpSp>
+        <p:nvGrpSpPr>
+          <p:cNvPr id="52" name="Group 51"/>
+          <p:cNvGrpSpPr/>
+          <p:nvPr/>
+        </p:nvGrpSpPr>
+        <p:grpSpPr>
+          <a:xfrm>
+            <a:off x="5738840" y="869416"/>
+            <a:ext cx="2379069" cy="2961301"/>
+            <a:chOff x="381000" y="450236"/>
+            <a:chExt cx="2327833" cy="2757128"/>
+          </a:xfrm>
+        </p:grpSpPr>
+        <p:sp>
+          <p:nvSpPr>
+            <p:cNvPr id="53" name="Rectangle 52"/>
+            <p:cNvSpPr/>
+            <p:nvPr/>
+          </p:nvSpPr>
+          <p:spPr>
+            <a:xfrm>
+              <a:off x="381000" y="450236"/>
+              <a:ext cx="2327833" cy="2757128"/>
+            </a:xfrm>
+            <a:prstGeom prst="rect">
+              <a:avLst/>
+            </a:prstGeom>
+            <a:solidFill>
+              <a:schemeClr val="accent1">
+                <a:lumMod val="60000"/>
+                <a:lumOff val="40000"/>
+              </a:schemeClr>
+            </a:solidFill>
+          </p:spPr>
+          <p:style>
+            <a:lnRef idx="2">
+              <a:schemeClr val="accent1">
+                <a:shade val="50000"/>
+              </a:schemeClr>
+            </a:lnRef>
+            <a:fillRef idx="1">
+              <a:schemeClr val="accent1"/>
+            </a:fillRef>
+            <a:effectRef idx="0">
+              <a:schemeClr val="accent1"/>
+            </a:effectRef>
+            <a:fontRef idx="minor">
+              <a:schemeClr val="lt1"/>
+            </a:fontRef>
+          </p:style>
+          <p:txBody>
+            <a:bodyPr rtlCol="0" anchor="ctr"/>
+            <a:lstStyle/>
+            <a:p>
+              <a:pPr algn="ctr"/>
+              <a:endParaRPr lang="en-US"/>
+            </a:p>
+          </p:txBody>
+        </p:sp>
+        <p:sp>
+          <p:nvSpPr>
+            <p:cNvPr id="54" name="Rectangle 53"/>
+            <p:cNvSpPr/>
+            <p:nvPr/>
+          </p:nvSpPr>
+          <p:spPr>
+            <a:xfrm>
+              <a:off x="381000" y="450236"/>
+              <a:ext cx="2327833" cy="310415"/>
+            </a:xfrm>
+            <a:prstGeom prst="rect">
+              <a:avLst/>
+            </a:prstGeom>
+            <a:solidFill>
+              <a:schemeClr val="accent1">
+                <a:lumMod val="75000"/>
+              </a:schemeClr>
+            </a:solidFill>
+          </p:spPr>
+          <p:style>
+            <a:lnRef idx="2">
+              <a:schemeClr val="accent1">
+                <a:shade val="50000"/>
+              </a:schemeClr>
+            </a:lnRef>
+            <a:fillRef idx="1">
+              <a:schemeClr val="accent1"/>
+            </a:fillRef>
+            <a:effectRef idx="0">
+              <a:schemeClr val="accent1"/>
+            </a:effectRef>
+            <a:fontRef idx="minor">
+              <a:schemeClr val="lt1"/>
+            </a:fontRef>
+          </p:style>
+          <p:txBody>
+            <a:bodyPr rtlCol="0" anchor="ctr"/>
+            <a:lstStyle/>
+            <a:p>
+              <a:pPr algn="ctr"/>
+              <a:r>
+                <a:rPr lang="en-US" dirty="0" smtClean="0"/>
+                <a:t>Prototype</a:t>
+              </a:r>
+            </a:p>
+          </p:txBody>
+        </p:sp>
+      </p:grpSp>
+      <p:grpSp>
+        <p:nvGrpSpPr>
+          <p:cNvPr id="55" name="Group 54"/>
+          <p:cNvGrpSpPr/>
+          <p:nvPr/>
+        </p:nvGrpSpPr>
+        <p:grpSpPr>
+          <a:xfrm>
+            <a:off x="3323676" y="3657598"/>
+            <a:ext cx="2379069" cy="2961301"/>
+            <a:chOff x="381000" y="450236"/>
+            <a:chExt cx="2327833" cy="2757128"/>
+          </a:xfrm>
+        </p:grpSpPr>
+        <p:sp>
+          <p:nvSpPr>
+            <p:cNvPr id="56" name="Rectangle 55"/>
+            <p:cNvSpPr/>
+            <p:nvPr/>
+          </p:nvSpPr>
+          <p:spPr>
+            <a:xfrm>
+              <a:off x="381000" y="450236"/>
+              <a:ext cx="2327833" cy="2757128"/>
+            </a:xfrm>
+            <a:prstGeom prst="rect">
+              <a:avLst/>
+            </a:prstGeom>
+            <a:solidFill>
+              <a:schemeClr val="accent1">
+                <a:lumMod val="60000"/>
+                <a:lumOff val="40000"/>
+              </a:schemeClr>
+            </a:solidFill>
+          </p:spPr>
+          <p:style>
+            <a:lnRef idx="2">
+              <a:schemeClr val="accent1">
+                <a:shade val="50000"/>
+              </a:schemeClr>
+            </a:lnRef>
+            <a:fillRef idx="1">
+              <a:schemeClr val="accent1"/>
+            </a:fillRef>
+            <a:effectRef idx="0">
+              <a:schemeClr val="accent1"/>
+            </a:effectRef>
+            <a:fontRef idx="minor">
+              <a:schemeClr val="lt1"/>
+            </a:fontRef>
+          </p:style>
+          <p:txBody>
+            <a:bodyPr rtlCol="0" anchor="ctr"/>
+            <a:lstStyle/>
+            <a:p>
+              <a:pPr algn="ctr"/>
+              <a:endParaRPr lang="en-US"/>
+            </a:p>
+          </p:txBody>
+        </p:sp>
+        <p:sp>
+          <p:nvSpPr>
+            <p:cNvPr id="57" name="Rectangle 56"/>
+            <p:cNvSpPr/>
+            <p:nvPr/>
+          </p:nvSpPr>
+          <p:spPr>
+            <a:xfrm>
+              <a:off x="381000" y="450236"/>
+              <a:ext cx="2327833" cy="310415"/>
+            </a:xfrm>
+            <a:prstGeom prst="rect">
+              <a:avLst/>
+            </a:prstGeom>
+            <a:solidFill>
+              <a:schemeClr val="accent1">
+                <a:lumMod val="75000"/>
+              </a:schemeClr>
+            </a:solidFill>
+          </p:spPr>
+          <p:style>
+            <a:lnRef idx="2">
+              <a:schemeClr val="accent1">
+                <a:shade val="50000"/>
+              </a:schemeClr>
+            </a:lnRef>
+            <a:fillRef idx="1">
+              <a:schemeClr val="accent1"/>
+            </a:fillRef>
+            <a:effectRef idx="0">
+              <a:schemeClr val="accent1"/>
+            </a:effectRef>
+            <a:fontRef idx="minor">
+              <a:schemeClr val="lt1"/>
+            </a:fontRef>
+          </p:style>
+          <p:txBody>
+            <a:bodyPr rtlCol="0" anchor="ctr"/>
+            <a:lstStyle/>
+            <a:p>
+              <a:pPr algn="ctr"/>
+              <a:r>
+                <a:rPr lang="en-US" dirty="0" smtClean="0"/>
+                <a:t>Product Description</a:t>
+              </a:r>
+              <a:endParaRPr lang="en-US" dirty="0"/>
+            </a:p>
+          </p:txBody>
+        </p:sp>
+      </p:grpSp>
+      <p:grpSp>
+        <p:nvGrpSpPr>
+          <p:cNvPr id="58" name="Group 57"/>
+          <p:cNvGrpSpPr/>
+          <p:nvPr/>
+        </p:nvGrpSpPr>
+        <p:grpSpPr>
+          <a:xfrm>
+            <a:off x="76200" y="3657599"/>
+            <a:ext cx="2379069" cy="2961301"/>
+            <a:chOff x="381000" y="450236"/>
+            <a:chExt cx="2327833" cy="2757128"/>
+          </a:xfrm>
+        </p:grpSpPr>
+        <p:sp>
+          <p:nvSpPr>
+            <p:cNvPr id="59" name="Rectangle 58"/>
+            <p:cNvSpPr/>
+            <p:nvPr/>
+          </p:nvSpPr>
+          <p:spPr>
+            <a:xfrm>
+              <a:off x="381000" y="450236"/>
+              <a:ext cx="2327833" cy="2757128"/>
+            </a:xfrm>
+            <a:prstGeom prst="rect">
+              <a:avLst/>
+            </a:prstGeom>
+            <a:solidFill>
+              <a:schemeClr val="accent1">
+                <a:lumMod val="60000"/>
+                <a:lumOff val="40000"/>
+              </a:schemeClr>
+            </a:solidFill>
+          </p:spPr>
+          <p:style>
+            <a:lnRef idx="2">
+              <a:schemeClr val="accent1">
+                <a:shade val="50000"/>
+              </a:schemeClr>
+            </a:lnRef>
+            <a:fillRef idx="1">
+              <a:schemeClr val="accent1"/>
+            </a:fillRef>
+            <a:effectRef idx="0">
+              <a:schemeClr val="accent1"/>
+            </a:effectRef>
+            <a:fontRef idx="minor">
+              <a:schemeClr val="lt1"/>
+            </a:fontRef>
+          </p:style>
+          <p:txBody>
+            <a:bodyPr rtlCol="0" anchor="ctr"/>
+            <a:lstStyle/>
+            <a:p>
+              <a:pPr algn="ctr"/>
+              <a:endParaRPr lang="en-US"/>
+            </a:p>
+          </p:txBody>
+        </p:sp>
+        <p:sp>
+          <p:nvSpPr>
+            <p:cNvPr id="60" name="Rectangle 59"/>
+            <p:cNvSpPr/>
+            <p:nvPr/>
+          </p:nvSpPr>
+          <p:spPr>
+            <a:xfrm>
+              <a:off x="381000" y="450236"/>
+              <a:ext cx="2327833" cy="310415"/>
+            </a:xfrm>
+            <a:prstGeom prst="rect">
+              <a:avLst/>
+            </a:prstGeom>
+            <a:solidFill>
+              <a:schemeClr val="accent1">
+                <a:lumMod val="75000"/>
+              </a:schemeClr>
+            </a:solidFill>
+          </p:spPr>
+          <p:style>
+            <a:lnRef idx="2">
+              <a:schemeClr val="accent1">
+                <a:shade val="50000"/>
+              </a:schemeClr>
+            </a:lnRef>
+            <a:fillRef idx="1">
+              <a:schemeClr val="accent1"/>
+            </a:fillRef>
+            <a:effectRef idx="0">
+              <a:schemeClr val="accent1"/>
+            </a:effectRef>
+            <a:fontRef idx="minor">
+              <a:schemeClr val="lt1"/>
+            </a:fontRef>
+          </p:style>
+          <p:txBody>
+            <a:bodyPr rtlCol="0" anchor="ctr"/>
+            <a:lstStyle/>
+            <a:p>
+              <a:pPr algn="ctr"/>
+              <a:r>
+                <a:rPr lang="en-US" dirty="0" smtClean="0"/>
+                <a:t>Architecture</a:t>
+              </a:r>
+              <a:endParaRPr lang="en-US" dirty="0"/>
+            </a:p>
+          </p:txBody>
+        </p:sp>
+      </p:grpSp>
+      <p:grpSp>
+        <p:nvGrpSpPr>
+          <p:cNvPr id="61" name="Group 60"/>
+          <p:cNvGrpSpPr/>
+          <p:nvPr/>
+        </p:nvGrpSpPr>
+        <p:grpSpPr>
+          <a:xfrm>
+            <a:off x="381000" y="266863"/>
+            <a:ext cx="2379069" cy="2961301"/>
+            <a:chOff x="381000" y="450236"/>
+            <a:chExt cx="2327833" cy="2757128"/>
+          </a:xfrm>
+        </p:grpSpPr>
+        <p:sp>
+          <p:nvSpPr>
+            <p:cNvPr id="62" name="Rectangle 61"/>
+            <p:cNvSpPr/>
+            <p:nvPr/>
+          </p:nvSpPr>
+          <p:spPr>
+            <a:xfrm>
+              <a:off x="381000" y="450236"/>
+              <a:ext cx="2327833" cy="2757128"/>
+            </a:xfrm>
+            <a:prstGeom prst="rect">
+              <a:avLst/>
+            </a:prstGeom>
+            <a:solidFill>
+              <a:schemeClr val="accent1">
+                <a:lumMod val="60000"/>
+                <a:lumOff val="40000"/>
+              </a:schemeClr>
+            </a:solidFill>
+          </p:spPr>
+          <p:style>
+            <a:lnRef idx="2">
+              <a:schemeClr val="accent1">
+                <a:shade val="50000"/>
+              </a:schemeClr>
+            </a:lnRef>
+            <a:fillRef idx="1">
+              <a:schemeClr val="accent1"/>
+            </a:fillRef>
+            <a:effectRef idx="0">
+              <a:schemeClr val="accent1"/>
+            </a:effectRef>
+            <a:fontRef idx="minor">
+              <a:schemeClr val="lt1"/>
+            </a:fontRef>
+          </p:style>
+          <p:txBody>
+            <a:bodyPr rtlCol="0" anchor="ctr"/>
+            <a:lstStyle/>
+            <a:p>
+              <a:pPr algn="ctr"/>
+              <a:endParaRPr lang="en-US"/>
+            </a:p>
+          </p:txBody>
+        </p:sp>
+        <p:sp>
+          <p:nvSpPr>
+            <p:cNvPr id="63" name="Rectangle 62"/>
+            <p:cNvSpPr/>
+            <p:nvPr/>
+          </p:nvSpPr>
+          <p:spPr>
+            <a:xfrm>
+              <a:off x="381000" y="450236"/>
+              <a:ext cx="2327833" cy="310415"/>
+            </a:xfrm>
+            <a:prstGeom prst="rect">
+              <a:avLst/>
+            </a:prstGeom>
+            <a:solidFill>
+              <a:schemeClr val="accent1">
+                <a:lumMod val="75000"/>
+              </a:schemeClr>
+            </a:solidFill>
+          </p:spPr>
+          <p:style>
+            <a:lnRef idx="2">
+              <a:schemeClr val="accent1">
+                <a:shade val="50000"/>
+              </a:schemeClr>
+            </a:lnRef>
+            <a:fillRef idx="1">
+              <a:schemeClr val="accent1"/>
+            </a:fillRef>
+            <a:effectRef idx="0">
+              <a:schemeClr val="accent1"/>
+            </a:effectRef>
+            <a:fontRef idx="minor">
+              <a:schemeClr val="lt1"/>
+            </a:fontRef>
+          </p:style>
+          <p:txBody>
+            <a:bodyPr rtlCol="0" anchor="ctr"/>
+            <a:lstStyle/>
+            <a:p>
+              <a:pPr algn="ctr"/>
+              <a:r>
+                <a:rPr lang="en-US" dirty="0" smtClean="0"/>
+                <a:t>Architecture</a:t>
+              </a:r>
+              <a:endParaRPr lang="en-US" dirty="0"/>
+            </a:p>
+          </p:txBody>
+        </p:sp>
+      </p:grpSp>
+    </p:spTree>
+    <p:extLst>
+      <p:ext uri="{BB962C8B-B14F-4D97-AF65-F5344CB8AC3E}">
+        <p14:creationId xmlns:p14="http://schemas.microsoft.com/office/powerpoint/2010/main" val="1276383537"/>
+      </p:ext>
+    </p:extLst>
+  </p:cSld>
+  <p:clrMapOvr>
+    <a:masterClrMapping/>
+  </p:clrMapOvr>
+</p:sld>
+</file>
+
+<file path=ppt/slides/slide3.xml><?xml version="1.0" encoding="utf-8"?>
 <p:sld xmlns:a="http://schemas.openxmlformats.org/drawingml/2006/main" xmlns:r="http://schemas.openxmlformats.org/officeDocument/2006/relationships" xmlns:p="http://schemas.openxmlformats.org/presentationml/2006/main">
   <p:cSld>
     <p:spTree>
@@ -4780,7 +6815,7 @@
         </p:nvGraphicFramePr>
         <p:xfrm>
           <a:off x="533400" y="533400"/>
-          <a:ext cx="5486400" cy="4886960"/>
+          <a:ext cx="5486400" cy="5161280"/>
         </p:xfrm>
         <a:graphic>
           <a:graphicData uri="http://schemas.openxmlformats.org/drawingml/2006/table">
@@ -5185,7 +7220,674 @@
 </p:sld>
 </file>
 
-<file path=ppt/slides/slide3.xml><?xml version="1.0" encoding="utf-8"?>
+<file path=ppt/slides/slide4.xml><?xml version="1.0" encoding="utf-8"?>
+<p:sld xmlns:a="http://schemas.openxmlformats.org/drawingml/2006/main" xmlns:r="http://schemas.openxmlformats.org/officeDocument/2006/relationships" xmlns:p="http://schemas.openxmlformats.org/presentationml/2006/main">
+  <p:cSld>
+    <p:spTree>
+      <p:nvGrpSpPr>
+        <p:cNvPr id="1" name=""/>
+        <p:cNvGrpSpPr/>
+        <p:nvPr/>
+      </p:nvGrpSpPr>
+      <p:grpSpPr>
+        <a:xfrm>
+          <a:off x="0" y="0"/>
+          <a:ext cx="0" cy="0"/>
+          <a:chOff x="0" y="0"/>
+          <a:chExt cx="0" cy="0"/>
+        </a:xfrm>
+      </p:grpSpPr>
+      <p:graphicFrame>
+        <p:nvGraphicFramePr>
+          <p:cNvPr id="4" name="Content Placeholder 3"/>
+          <p:cNvGraphicFramePr>
+            <a:graphicFrameLocks/>
+          </p:cNvGraphicFramePr>
+          <p:nvPr>
+            <p:extLst>
+              <p:ext uri="{D42A27DB-BD31-4B8C-83A1-F6EECF244321}">
+                <p14:modId xmlns:p14="http://schemas.microsoft.com/office/powerpoint/2010/main" val="2800280732"/>
+              </p:ext>
+            </p:extLst>
+          </p:nvPr>
+        </p:nvGraphicFramePr>
+        <p:xfrm>
+          <a:off x="3200400" y="838200"/>
+          <a:ext cx="2209802" cy="4019269"/>
+        </p:xfrm>
+        <a:graphic>
+          <a:graphicData uri="http://schemas.openxmlformats.org/drawingml/2006/table">
+            <a:tbl>
+              <a:tblPr firstRow="1" bandRow="1">
+                <a:tableStyleId>{5C22544A-7EE6-4342-B048-85BDC9FD1C3A}</a:tableStyleId>
+              </a:tblPr>
+              <a:tblGrid>
+                <a:gridCol w="1104901"/>
+                <a:gridCol w="1104901"/>
+              </a:tblGrid>
+              <a:tr h="177272">
+                <a:tc gridSpan="2">
+                  <a:txBody>
+                    <a:bodyPr/>
+                    <a:lstStyle/>
+                    <a:p>
+                      <a:pPr algn="ctr"/>
+                      <a:r>
+                        <a:rPr lang="en-US" sz="600" dirty="0" smtClean="0"/>
+                        <a:t>Critical Requirements</a:t>
+                      </a:r>
+                      <a:endParaRPr lang="en-US" sz="600" dirty="0"/>
+                    </a:p>
+                  </a:txBody>
+                  <a:tcPr/>
+                </a:tc>
+                <a:tc hMerge="1">
+                  <a:txBody>
+                    <a:bodyPr/>
+                    <a:lstStyle/>
+                    <a:p>
+                      <a:endParaRPr lang="en-US" dirty="0"/>
+                    </a:p>
+                  </a:txBody>
+                  <a:tcPr/>
+                </a:tc>
+              </a:tr>
+              <a:tr h="177272">
+                <a:tc>
+                  <a:txBody>
+                    <a:bodyPr/>
+                    <a:lstStyle/>
+                    <a:p>
+                      <a:r>
+                        <a:rPr lang="en-US" sz="600" dirty="0" smtClean="0"/>
+                        <a:t>3.1 STL File Input</a:t>
+                      </a:r>
+                      <a:endParaRPr lang="en-US" sz="600" dirty="0"/>
+                    </a:p>
+                  </a:txBody>
+                  <a:tcPr/>
+                </a:tc>
+                <a:tc>
+                  <a:txBody>
+                    <a:bodyPr/>
+                    <a:lstStyle/>
+                    <a:p>
+                      <a:pPr algn="ctr"/>
+                      <a:r>
+                        <a:rPr lang="en-US" sz="600" b="1" dirty="0" smtClean="0"/>
+                        <a:t>Completed</a:t>
+                      </a:r>
+                      <a:endParaRPr lang="en-US" sz="600" b="1" dirty="0"/>
+                    </a:p>
+                  </a:txBody>
+                  <a:tcPr>
+                    <a:solidFill>
+                      <a:srgbClr val="00B050"/>
+                    </a:solidFill>
+                  </a:tcPr>
+                </a:tc>
+              </a:tr>
+              <a:tr h="248430">
+                <a:tc>
+                  <a:txBody>
+                    <a:bodyPr/>
+                    <a:lstStyle/>
+                    <a:p>
+                      <a:r>
+                        <a:rPr lang="en-US" sz="600" dirty="0" smtClean="0"/>
+                        <a:t>3.2 Graphical User Interface</a:t>
+                      </a:r>
+                      <a:endParaRPr lang="en-US" sz="600" dirty="0"/>
+                    </a:p>
+                  </a:txBody>
+                  <a:tcPr/>
+                </a:tc>
+                <a:tc>
+                  <a:txBody>
+                    <a:bodyPr/>
+                    <a:lstStyle/>
+                    <a:p>
+                      <a:pPr algn="ctr"/>
+                      <a:r>
+                        <a:rPr lang="en-US" sz="600" b="1" dirty="0" smtClean="0"/>
+                        <a:t>Completed</a:t>
+                      </a:r>
+                      <a:endParaRPr lang="en-US" sz="600" b="1" dirty="0"/>
+                    </a:p>
+                  </a:txBody>
+                  <a:tcPr>
+                    <a:solidFill>
+                      <a:srgbClr val="00B050"/>
+                    </a:solidFill>
+                  </a:tcPr>
+                </a:tc>
+              </a:tr>
+              <a:tr h="248430">
+                <a:tc>
+                  <a:txBody>
+                    <a:bodyPr/>
+                    <a:lstStyle/>
+                    <a:p>
+                      <a:r>
+                        <a:rPr lang="en-US" sz="600" dirty="0" smtClean="0"/>
+                        <a:t>3.3 Generate</a:t>
+                      </a:r>
+                      <a:r>
+                        <a:rPr lang="en-US" sz="600" baseline="0" dirty="0" smtClean="0"/>
+                        <a:t> Machine Instructions</a:t>
+                      </a:r>
+                      <a:endParaRPr lang="en-US" sz="600" dirty="0"/>
+                    </a:p>
+                  </a:txBody>
+                  <a:tcPr/>
+                </a:tc>
+                <a:tc>
+                  <a:txBody>
+                    <a:bodyPr/>
+                    <a:lstStyle/>
+                    <a:p>
+                      <a:pPr algn="ctr"/>
+                      <a:r>
+                        <a:rPr lang="en-US" sz="600" b="1" dirty="0" smtClean="0"/>
+                        <a:t>Completed</a:t>
+                      </a:r>
+                      <a:endParaRPr lang="en-US" sz="600" b="1" dirty="0"/>
+                    </a:p>
+                  </a:txBody>
+                  <a:tcPr>
+                    <a:solidFill>
+                      <a:srgbClr val="00B050"/>
+                    </a:solidFill>
+                  </a:tcPr>
+                </a:tc>
+              </a:tr>
+              <a:tr h="248430">
+                <a:tc>
+                  <a:txBody>
+                    <a:bodyPr/>
+                    <a:lstStyle/>
+                    <a:p>
+                      <a:r>
+                        <a:rPr lang="en-US" sz="600" dirty="0" smtClean="0"/>
+                        <a:t>3.4 Issue Machine Instructions</a:t>
+                      </a:r>
+                      <a:endParaRPr lang="en-US" sz="600" dirty="0"/>
+                    </a:p>
+                  </a:txBody>
+                  <a:tcPr/>
+                </a:tc>
+                <a:tc>
+                  <a:txBody>
+                    <a:bodyPr/>
+                    <a:lstStyle/>
+                    <a:p>
+                      <a:pPr algn="ctr"/>
+                      <a:r>
+                        <a:rPr lang="en-US" sz="600" b="1" dirty="0" smtClean="0"/>
+                        <a:t>Partially Completed</a:t>
+                      </a:r>
+                      <a:endParaRPr lang="en-US" sz="600" b="1" dirty="0"/>
+                    </a:p>
+                  </a:txBody>
+                  <a:tcPr>
+                    <a:solidFill>
+                      <a:srgbClr val="FFFF00"/>
+                    </a:solidFill>
+                  </a:tcPr>
+                </a:tc>
+              </a:tr>
+              <a:tr h="222118">
+                <a:tc>
+                  <a:txBody>
+                    <a:bodyPr/>
+                    <a:lstStyle/>
+                    <a:p>
+                      <a:r>
+                        <a:rPr lang="en-US" sz="600" dirty="0" smtClean="0"/>
+                        <a:t>3.5 Monitor Temperature</a:t>
+                      </a:r>
+                      <a:endParaRPr lang="en-US" sz="600" dirty="0"/>
+                    </a:p>
+                  </a:txBody>
+                  <a:tcPr/>
+                </a:tc>
+                <a:tc>
+                  <a:txBody>
+                    <a:bodyPr/>
+                    <a:lstStyle/>
+                    <a:p>
+                      <a:pPr algn="ctr"/>
+                      <a:r>
+                        <a:rPr lang="en-US" sz="600" b="1" dirty="0" smtClean="0"/>
+                        <a:t>Completed</a:t>
+                      </a:r>
+                      <a:endParaRPr lang="en-US" sz="600" b="1" dirty="0"/>
+                    </a:p>
+                  </a:txBody>
+                  <a:tcPr>
+                    <a:solidFill>
+                      <a:srgbClr val="00B050"/>
+                    </a:solidFill>
+                  </a:tcPr>
+                </a:tc>
+              </a:tr>
+              <a:tr h="177272">
+                <a:tc>
+                  <a:txBody>
+                    <a:bodyPr/>
+                    <a:lstStyle/>
+                    <a:p>
+                      <a:r>
+                        <a:rPr lang="en-US" sz="600" dirty="0" smtClean="0"/>
+                        <a:t>3.6 Monitor Position</a:t>
+                      </a:r>
+                      <a:endParaRPr lang="en-US" sz="600" dirty="0"/>
+                    </a:p>
+                  </a:txBody>
+                  <a:tcPr/>
+                </a:tc>
+                <a:tc>
+                  <a:txBody>
+                    <a:bodyPr/>
+                    <a:lstStyle/>
+                    <a:p>
+                      <a:pPr algn="ctr"/>
+                      <a:r>
+                        <a:rPr lang="en-US" sz="600" b="1" dirty="0" smtClean="0"/>
+                        <a:t>Completed</a:t>
+                      </a:r>
+                      <a:endParaRPr lang="en-US" sz="600" b="1" dirty="0"/>
+                    </a:p>
+                  </a:txBody>
+                  <a:tcPr>
+                    <a:solidFill>
+                      <a:srgbClr val="00B050"/>
+                    </a:solidFill>
+                  </a:tcPr>
+                </a:tc>
+              </a:tr>
+              <a:tr h="248430">
+                <a:tc>
+                  <a:txBody>
+                    <a:bodyPr/>
+                    <a:lstStyle/>
+                    <a:p>
+                      <a:r>
+                        <a:rPr lang="en-US" sz="600" dirty="0" smtClean="0"/>
+                        <a:t>3.7</a:t>
+                      </a:r>
+                      <a:r>
+                        <a:rPr lang="en-US" sz="600" baseline="0" dirty="0" smtClean="0"/>
+                        <a:t> Adhere to Material Constraints</a:t>
+                      </a:r>
+                      <a:endParaRPr lang="en-US" sz="600" dirty="0"/>
+                    </a:p>
+                  </a:txBody>
+                  <a:tcPr/>
+                </a:tc>
+                <a:tc>
+                  <a:txBody>
+                    <a:bodyPr/>
+                    <a:lstStyle/>
+                    <a:p>
+                      <a:pPr algn="ctr"/>
+                      <a:r>
+                        <a:rPr lang="en-US" sz="600" b="1" dirty="0" smtClean="0"/>
+                        <a:t>Completed</a:t>
+                      </a:r>
+                      <a:endParaRPr lang="en-US" sz="600" b="1" dirty="0"/>
+                    </a:p>
+                  </a:txBody>
+                  <a:tcPr>
+                    <a:solidFill>
+                      <a:srgbClr val="00B050"/>
+                    </a:solidFill>
+                  </a:tcPr>
+                </a:tc>
+              </a:tr>
+              <a:tr h="177272">
+                <a:tc>
+                  <a:txBody>
+                    <a:bodyPr/>
+                    <a:lstStyle/>
+                    <a:p>
+                      <a:r>
+                        <a:rPr lang="en-US" sz="600" dirty="0" smtClean="0"/>
+                        <a:t>3.8 Identify Materials</a:t>
+                      </a:r>
+                      <a:endParaRPr lang="en-US" sz="600" dirty="0"/>
+                    </a:p>
+                  </a:txBody>
+                  <a:tcPr/>
+                </a:tc>
+                <a:tc>
+                  <a:txBody>
+                    <a:bodyPr/>
+                    <a:lstStyle/>
+                    <a:p>
+                      <a:pPr algn="ctr"/>
+                      <a:r>
+                        <a:rPr lang="en-US" sz="600" b="1" dirty="0" smtClean="0"/>
+                        <a:t>Completed</a:t>
+                      </a:r>
+                    </a:p>
+                  </a:txBody>
+                  <a:tcPr>
+                    <a:solidFill>
+                      <a:srgbClr val="00B050"/>
+                    </a:solidFill>
+                  </a:tcPr>
+                </a:tc>
+              </a:tr>
+              <a:tr h="177272">
+                <a:tc>
+                  <a:txBody>
+                    <a:bodyPr/>
+                    <a:lstStyle/>
+                    <a:p>
+                      <a:r>
+                        <a:rPr lang="en-US" sz="600" dirty="0" smtClean="0"/>
+                        <a:t>3.9 Identify Shapes</a:t>
+                      </a:r>
+                      <a:endParaRPr lang="en-US" sz="600" dirty="0"/>
+                    </a:p>
+                  </a:txBody>
+                  <a:tcPr/>
+                </a:tc>
+                <a:tc>
+                  <a:txBody>
+                    <a:bodyPr/>
+                    <a:lstStyle/>
+                    <a:p>
+                      <a:pPr algn="ctr"/>
+                      <a:r>
+                        <a:rPr lang="en-US" sz="600" b="1" dirty="0" smtClean="0"/>
+                        <a:t>Completed</a:t>
+                      </a:r>
+                      <a:endParaRPr lang="en-US" sz="600" b="1" dirty="0"/>
+                    </a:p>
+                  </a:txBody>
+                  <a:tcPr>
+                    <a:solidFill>
+                      <a:srgbClr val="00B050"/>
+                    </a:solidFill>
+                  </a:tcPr>
+                </a:tc>
+              </a:tr>
+              <a:tr h="296157">
+                <a:tc>
+                  <a:txBody>
+                    <a:bodyPr/>
+                    <a:lstStyle/>
+                    <a:p>
+                      <a:r>
+                        <a:rPr lang="en-US" sz="600" dirty="0" smtClean="0"/>
+                        <a:t>3.10 Determine Shape of Support Material Structure</a:t>
+                      </a:r>
+                      <a:endParaRPr lang="en-US" sz="600" dirty="0"/>
+                    </a:p>
+                  </a:txBody>
+                  <a:tcPr/>
+                </a:tc>
+                <a:tc>
+                  <a:txBody>
+                    <a:bodyPr/>
+                    <a:lstStyle/>
+                    <a:p>
+                      <a:pPr algn="ctr"/>
+                      <a:r>
+                        <a:rPr lang="en-US" sz="600" b="1" dirty="0" smtClean="0"/>
+                        <a:t>Completed</a:t>
+                      </a:r>
+                      <a:endParaRPr lang="en-US" sz="600" b="1" dirty="0"/>
+                    </a:p>
+                  </a:txBody>
+                  <a:tcPr>
+                    <a:solidFill>
+                      <a:srgbClr val="00B050"/>
+                    </a:solidFill>
+                  </a:tcPr>
+                </a:tc>
+              </a:tr>
+              <a:tr h="222118">
+                <a:tc>
+                  <a:txBody>
+                    <a:bodyPr/>
+                    <a:lstStyle/>
+                    <a:p>
+                      <a:r>
+                        <a:rPr lang="en-US" sz="600" dirty="0" smtClean="0"/>
+                        <a:t>3.11 Create Printing Path</a:t>
+                      </a:r>
+                      <a:endParaRPr lang="en-US" sz="600" dirty="0"/>
+                    </a:p>
+                  </a:txBody>
+                  <a:tcPr/>
+                </a:tc>
+                <a:tc>
+                  <a:txBody>
+                    <a:bodyPr/>
+                    <a:lstStyle/>
+                    <a:p>
+                      <a:pPr algn="ctr"/>
+                      <a:r>
+                        <a:rPr lang="en-US" sz="600" b="1" dirty="0" smtClean="0"/>
+                        <a:t>Completed</a:t>
+                      </a:r>
+                      <a:endParaRPr lang="en-US" sz="600" b="1" dirty="0"/>
+                    </a:p>
+                  </a:txBody>
+                  <a:tcPr>
+                    <a:solidFill>
+                      <a:srgbClr val="00B050"/>
+                    </a:solidFill>
+                  </a:tcPr>
+                </a:tc>
+              </a:tr>
+              <a:tr h="222118">
+                <a:tc>
+                  <a:txBody>
+                    <a:bodyPr/>
+                    <a:lstStyle/>
+                    <a:p>
+                      <a:r>
+                        <a:rPr lang="en-US" sz="600" dirty="0" smtClean="0"/>
+                        <a:t>3.12 Database Interface</a:t>
+                      </a:r>
+                      <a:endParaRPr lang="en-US" sz="600" dirty="0"/>
+                    </a:p>
+                  </a:txBody>
+                  <a:tcPr/>
+                </a:tc>
+                <a:tc>
+                  <a:txBody>
+                    <a:bodyPr/>
+                    <a:lstStyle/>
+                    <a:p>
+                      <a:pPr algn="ctr"/>
+                      <a:r>
+                        <a:rPr lang="en-US" sz="600" b="1" dirty="0" smtClean="0"/>
+                        <a:t>Completed</a:t>
+                      </a:r>
+                      <a:endParaRPr lang="en-US" sz="600" b="1" dirty="0"/>
+                    </a:p>
+                  </a:txBody>
+                  <a:tcPr>
+                    <a:solidFill>
+                      <a:srgbClr val="00B050"/>
+                    </a:solidFill>
+                  </a:tcPr>
+                </a:tc>
+              </a:tr>
+              <a:tr h="248430">
+                <a:tc>
+                  <a:txBody>
+                    <a:bodyPr/>
+                    <a:lstStyle/>
+                    <a:p>
+                      <a:r>
+                        <a:rPr lang="en-US" sz="600" dirty="0" smtClean="0"/>
+                        <a:t>3.13 Store &amp; Load </a:t>
+                      </a:r>
+                      <a:br>
+                        <a:rPr lang="en-US" sz="600" dirty="0" smtClean="0"/>
+                      </a:br>
+                      <a:r>
+                        <a:rPr lang="en-US" sz="600" dirty="0" smtClean="0"/>
+                        <a:t>Material Records</a:t>
+                      </a:r>
+                      <a:endParaRPr lang="en-US" sz="600" dirty="0"/>
+                    </a:p>
+                  </a:txBody>
+                  <a:tcPr/>
+                </a:tc>
+                <a:tc>
+                  <a:txBody>
+                    <a:bodyPr/>
+                    <a:lstStyle/>
+                    <a:p>
+                      <a:pPr algn="ctr"/>
+                      <a:r>
+                        <a:rPr lang="en-US" sz="600" b="1" dirty="0" smtClean="0"/>
+                        <a:t>Completed</a:t>
+                      </a:r>
+                      <a:endParaRPr lang="en-US" sz="600" b="1" dirty="0"/>
+                    </a:p>
+                  </a:txBody>
+                  <a:tcPr>
+                    <a:solidFill>
+                      <a:srgbClr val="00B050"/>
+                    </a:solidFill>
+                  </a:tcPr>
+                </a:tc>
+              </a:tr>
+              <a:tr h="248430">
+                <a:tc>
+                  <a:txBody>
+                    <a:bodyPr/>
+                    <a:lstStyle/>
+                    <a:p>
+                      <a:r>
+                        <a:rPr lang="en-US" sz="600" dirty="0" smtClean="0"/>
+                        <a:t>3.14 Slice Geometry</a:t>
+                      </a:r>
+                      <a:r>
+                        <a:rPr lang="en-US" sz="600" baseline="0" dirty="0" smtClean="0"/>
+                        <a:t> into Thickness Levels</a:t>
+                      </a:r>
+                      <a:endParaRPr lang="en-US" sz="600" dirty="0"/>
+                    </a:p>
+                  </a:txBody>
+                  <a:tcPr/>
+                </a:tc>
+                <a:tc>
+                  <a:txBody>
+                    <a:bodyPr/>
+                    <a:lstStyle/>
+                    <a:p>
+                      <a:pPr algn="ctr"/>
+                      <a:r>
+                        <a:rPr lang="en-US" sz="600" b="1" dirty="0" smtClean="0"/>
+                        <a:t>Completed</a:t>
+                      </a:r>
+                      <a:endParaRPr lang="en-US" sz="600" b="1" dirty="0"/>
+                    </a:p>
+                  </a:txBody>
+                  <a:tcPr>
+                    <a:solidFill>
+                      <a:srgbClr val="00B050"/>
+                    </a:solidFill>
+                  </a:tcPr>
+                </a:tc>
+              </a:tr>
+              <a:tr h="222118">
+                <a:tc>
+                  <a:txBody>
+                    <a:bodyPr/>
+                    <a:lstStyle/>
+                    <a:p>
+                      <a:r>
+                        <a:rPr lang="en-US" sz="600" dirty="0" smtClean="0"/>
+                        <a:t>3.15 Monitor Flow Sensors</a:t>
+                      </a:r>
+                      <a:endParaRPr lang="en-US" sz="600" dirty="0"/>
+                    </a:p>
+                  </a:txBody>
+                  <a:tcPr/>
+                </a:tc>
+                <a:tc>
+                  <a:txBody>
+                    <a:bodyPr/>
+                    <a:lstStyle/>
+                    <a:p>
+                      <a:pPr algn="ctr"/>
+                      <a:r>
+                        <a:rPr lang="en-US" sz="600" b="1" dirty="0" smtClean="0"/>
+                        <a:t>Completed</a:t>
+                      </a:r>
+                      <a:endParaRPr lang="en-US" sz="600" b="1" dirty="0"/>
+                    </a:p>
+                  </a:txBody>
+                  <a:tcPr>
+                    <a:solidFill>
+                      <a:srgbClr val="00B050"/>
+                    </a:solidFill>
+                  </a:tcPr>
+                </a:tc>
+              </a:tr>
+              <a:tr h="248430">
+                <a:tc>
+                  <a:txBody>
+                    <a:bodyPr/>
+                    <a:lstStyle/>
+                    <a:p>
+                      <a:r>
+                        <a:rPr lang="en-US" sz="600" dirty="0" smtClean="0"/>
+                        <a:t>3.17 Allow for UV Head Polymerization</a:t>
+                      </a:r>
+                      <a:endParaRPr lang="en-US" sz="600" dirty="0"/>
+                    </a:p>
+                  </a:txBody>
+                  <a:tcPr/>
+                </a:tc>
+                <a:tc>
+                  <a:txBody>
+                    <a:bodyPr/>
+                    <a:lstStyle/>
+                    <a:p>
+                      <a:pPr algn="ctr"/>
+                      <a:r>
+                        <a:rPr lang="en-US" sz="600" b="1" dirty="0" smtClean="0"/>
+                        <a:t>Completed</a:t>
+                      </a:r>
+                      <a:endParaRPr lang="en-US" sz="600" b="1" dirty="0"/>
+                    </a:p>
+                  </a:txBody>
+                  <a:tcPr>
+                    <a:solidFill>
+                      <a:srgbClr val="00B050"/>
+                    </a:solidFill>
+                  </a:tcPr>
+                </a:tc>
+              </a:tr>
+            </a:tbl>
+          </a:graphicData>
+        </a:graphic>
+      </p:graphicFrame>
+    </p:spTree>
+    <p:extLst>
+      <p:ext uri="{BB962C8B-B14F-4D97-AF65-F5344CB8AC3E}">
+        <p14:creationId xmlns:p14="http://schemas.microsoft.com/office/powerpoint/2010/main" val="3613340714"/>
+      </p:ext>
+    </p:extLst>
+  </p:cSld>
+  <p:clrMapOvr>
+    <a:masterClrMapping/>
+  </p:clrMapOvr>
+</p:sld>
+</file>
+
+<file path=ppt/slides/slide5.xml><?xml version="1.0" encoding="utf-8"?>
 <p:sld xmlns:a="http://schemas.openxmlformats.org/drawingml/2006/main" xmlns:r="http://schemas.openxmlformats.org/officeDocument/2006/relationships" xmlns:p="http://schemas.openxmlformats.org/presentationml/2006/main">
   <p:cSld>
     <p:spTree>
@@ -5237,8 +7939,8 @@
           </p:nvPr>
         </p:nvGraphicFramePr>
         <p:xfrm>
-          <a:off x="457200" y="1600200"/>
-          <a:ext cx="8229600" cy="2595880"/>
+          <a:off x="457200" y="1752600"/>
+          <a:ext cx="7620001" cy="2595880"/>
         </p:xfrm>
         <a:graphic>
           <a:graphicData uri="http://schemas.openxmlformats.org/drawingml/2006/table">
@@ -5247,7 +7949,7 @@
                 <a:tableStyleId>{5C22544A-7EE6-4342-B048-85BDC9FD1C3A}</a:tableStyleId>
               </a:tblPr>
               <a:tblGrid>
-                <a:gridCol w="8229600"/>
+                <a:gridCol w="7620001"/>
               </a:tblGrid>
               <a:tr h="370840">
                 <a:tc>
@@ -5262,7 +7964,7 @@
                       <a:endParaRPr lang="en-US" dirty="0"/>
                     </a:p>
                   </a:txBody>
-                  <a:tcPr/>
+                  <a:tcPr marL="84665" marR="84665"/>
                 </a:tc>
               </a:tr>
               <a:tr h="370840">
@@ -5282,7 +7984,7 @@
                       <a:endParaRPr lang="en-US" dirty="0"/>
                     </a:p>
                   </a:txBody>
-                  <a:tcPr/>
+                  <a:tcPr marL="84665" marR="84665"/>
                 </a:tc>
               </a:tr>
               <a:tr h="370840">
@@ -5298,7 +8000,7 @@
                       <a:endParaRPr lang="en-US" dirty="0"/>
                     </a:p>
                   </a:txBody>
-                  <a:tcPr/>
+                  <a:tcPr marL="84665" marR="84665"/>
                 </a:tc>
               </a:tr>
               <a:tr h="370840">
@@ -5314,7 +8016,7 @@
                       <a:endParaRPr lang="en-US" dirty="0"/>
                     </a:p>
                   </a:txBody>
-                  <a:tcPr/>
+                  <a:tcPr marL="84665" marR="84665"/>
                 </a:tc>
               </a:tr>
               <a:tr h="370840">
@@ -5330,7 +8032,7 @@
                       <a:endParaRPr lang="en-US" dirty="0"/>
                     </a:p>
                   </a:txBody>
-                  <a:tcPr/>
+                  <a:tcPr marL="84665" marR="84665"/>
                 </a:tc>
               </a:tr>
               <a:tr h="370840">
@@ -5345,7 +8047,7 @@
                       </a:r>
                     </a:p>
                   </a:txBody>
-                  <a:tcPr/>
+                  <a:tcPr marL="84665" marR="84665"/>
                 </a:tc>
               </a:tr>
               <a:tr h="370840">
@@ -5365,7 +8067,7 @@
                       <a:endParaRPr lang="en-US" dirty="0"/>
                     </a:p>
                   </a:txBody>
-                  <a:tcPr/>
+                  <a:tcPr marL="84665" marR="84665"/>
                 </a:tc>
               </a:tr>
             </a:tbl>
@@ -5386,58 +8088,58 @@
 </file>
 
 <file path=ppt/theme/theme1.xml><?xml version="1.0" encoding="utf-8"?>
-<a:theme xmlns:a="http://schemas.openxmlformats.org/drawingml/2006/main" name="Office Theme">
+<a:theme xmlns:a="http://schemas.openxmlformats.org/drawingml/2006/main" name="Essential">
   <a:themeElements>
-    <a:clrScheme name="Office">
+    <a:clrScheme name="Essential">
       <a:dk1>
-        <a:sysClr val="windowText" lastClr="000000"/>
+        <a:srgbClr val="000000"/>
       </a:dk1>
       <a:lt1>
-        <a:sysClr val="window" lastClr="FFFFFF"/>
+        <a:srgbClr val="FFFFFF"/>
       </a:lt1>
       <a:dk2>
-        <a:srgbClr val="1F497D"/>
+        <a:srgbClr val="D1282E"/>
       </a:dk2>
       <a:lt2>
-        <a:srgbClr val="EEECE1"/>
+        <a:srgbClr val="C8C8B1"/>
       </a:lt2>
       <a:accent1>
-        <a:srgbClr val="4F81BD"/>
+        <a:srgbClr val="7A7A7A"/>
       </a:accent1>
       <a:accent2>
-        <a:srgbClr val="C0504D"/>
+        <a:srgbClr val="F5C201"/>
       </a:accent2>
       <a:accent3>
-        <a:srgbClr val="9BBB59"/>
+        <a:srgbClr val="526DB0"/>
       </a:accent3>
       <a:accent4>
-        <a:srgbClr val="8064A2"/>
+        <a:srgbClr val="989AAC"/>
       </a:accent4>
       <a:accent5>
-        <a:srgbClr val="4BACC6"/>
+        <a:srgbClr val="DC5924"/>
       </a:accent5>
       <a:accent6>
-        <a:srgbClr val="F79646"/>
+        <a:srgbClr val="B4B392"/>
       </a:accent6>
       <a:hlink>
-        <a:srgbClr val="0000FF"/>
+        <a:srgbClr val="CC9900"/>
       </a:hlink>
       <a:folHlink>
-        <a:srgbClr val="800080"/>
+        <a:srgbClr val="969696"/>
       </a:folHlink>
     </a:clrScheme>
-    <a:fontScheme name="Office">
+    <a:fontScheme name="Essential">
       <a:majorFont>
-        <a:latin typeface="Calibri"/>
+        <a:latin typeface="Arial Black"/>
         <a:ea typeface=""/>
         <a:cs typeface=""/>
         <a:font script="Jpan" typeface="ＭＳ Ｐゴシック"/>
-        <a:font script="Hang" typeface="맑은 고딕"/>
-        <a:font script="Hans" typeface="宋体"/>
-        <a:font script="Hant" typeface="新細明體"/>
-        <a:font script="Arab" typeface="Times New Roman"/>
-        <a:font script="Hebr" typeface="Times New Roman"/>
-        <a:font script="Thai" typeface="Angsana New"/>
+        <a:font script="Hang" typeface="HY견고딕"/>
+        <a:font script="Hans" typeface="微软雅黑"/>
+        <a:font script="Hant" typeface="微軟正黑體"/>
+        <a:font script="Arab" typeface="Tahoma"/>
+        <a:font script="Hebr" typeface="Tahoma"/>
+        <a:font script="Thai" typeface="Tahoma"/>
         <a:font script="Ethi" typeface="Nyala"/>
         <a:font script="Beng" typeface="Vrinda"/>
         <a:font script="Gujr" typeface="Shruti"/>
@@ -5463,13 +8165,13 @@
         <a:font script="Geor" typeface="Sylfaen"/>
       </a:majorFont>
       <a:minorFont>
-        <a:latin typeface="Calibri"/>
+        <a:latin typeface="Arial"/>
         <a:ea typeface=""/>
         <a:cs typeface=""/>
         <a:font script="Jpan" typeface="ＭＳ Ｐゴシック"/>
-        <a:font script="Hang" typeface="맑은 고딕"/>
-        <a:font script="Hans" typeface="宋体"/>
-        <a:font script="Hant" typeface="新細明體"/>
+        <a:font script="Hang" typeface="돋움"/>
+        <a:font script="Hans" typeface="黑体"/>
+        <a:font script="Hant" typeface="微軟正黑體"/>
         <a:font script="Arab" typeface="Arial"/>
         <a:font script="Hebr" typeface="Arial"/>
         <a:font script="Thai" typeface="Cordia New"/>
@@ -5498,7 +8200,7 @@
         <a:font script="Geor" typeface="Sylfaen"/>
       </a:minorFont>
     </a:fontScheme>
-    <a:fmtScheme name="Office">
+    <a:fmtScheme name="Essential">
       <a:fillStyleLst>
         <a:solidFill>
           <a:schemeClr val="phClr"/>
@@ -5507,51 +8209,33 @@
           <a:gsLst>
             <a:gs pos="0">
               <a:schemeClr val="phClr">
-                <a:tint val="50000"/>
-                <a:satMod val="300000"/>
+                <a:tint val="60000"/>
+                <a:satMod val="250000"/>
               </a:schemeClr>
             </a:gs>
             <a:gs pos="35000">
               <a:schemeClr val="phClr">
-                <a:tint val="37000"/>
-                <a:satMod val="300000"/>
+                <a:tint val="47000"/>
+                <a:satMod val="275000"/>
               </a:schemeClr>
             </a:gs>
             <a:gs pos="100000">
               <a:schemeClr val="phClr">
-                <a:tint val="15000"/>
-                <a:satMod val="350000"/>
+                <a:tint val="25000"/>
+                <a:satMod val="300000"/>
               </a:schemeClr>
             </a:gs>
           </a:gsLst>
           <a:lin ang="16200000" scaled="1"/>
         </a:gradFill>
-        <a:gradFill rotWithShape="1">
-          <a:gsLst>
-            <a:gs pos="0">
-              <a:schemeClr val="phClr">
-                <a:shade val="51000"/>
-                <a:satMod val="130000"/>
-              </a:schemeClr>
-            </a:gs>
-            <a:gs pos="80000">
-              <a:schemeClr val="phClr">
-                <a:shade val="93000"/>
-                <a:satMod val="130000"/>
-              </a:schemeClr>
-            </a:gs>
-            <a:gs pos="100000">
-              <a:schemeClr val="phClr">
-                <a:shade val="94000"/>
-                <a:satMod val="135000"/>
-              </a:schemeClr>
-            </a:gs>
-          </a:gsLst>
-          <a:lin ang="16200000" scaled="0"/>
-        </a:gradFill>
+        <a:solidFill>
+          <a:schemeClr val="phClr">
+            <a:satMod val="110000"/>
+          </a:schemeClr>
+        </a:solidFill>
       </a:fillStyleLst>
       <a:lnStyleLst>
-        <a:ln w="9525" cap="flat" cmpd="sng" algn="ctr">
+        <a:ln w="12700" cap="flat" cmpd="sng" algn="ctr">
           <a:solidFill>
             <a:schemeClr val="phClr">
               <a:shade val="95000"/>
@@ -5560,13 +8244,13 @@
           </a:solidFill>
           <a:prstDash val="solid"/>
         </a:ln>
-        <a:ln w="25400" cap="flat" cmpd="sng" algn="ctr">
+        <a:ln w="28575" cap="flat" cmpd="sng" algn="ctr">
           <a:solidFill>
             <a:schemeClr val="phClr"/>
           </a:solidFill>
           <a:prstDash val="solid"/>
         </a:ln>
-        <a:ln w="38100" cap="flat" cmpd="sng" algn="ctr">
+        <a:ln w="41275" cap="flat" cmpd="sng" algn="ctr">
           <a:solidFill>
             <a:schemeClr val="phClr"/>
           </a:solidFill>
@@ -5575,28 +8259,22 @@
       </a:lnStyleLst>
       <a:effectStyleLst>
         <a:effectStyle>
+          <a:effectLst/>
+        </a:effectStyle>
+        <a:effectStyle>
           <a:effectLst>
-            <a:outerShdw blurRad="40000" dist="20000" dir="5400000" rotWithShape="0">
+            <a:outerShdw blurRad="39999" dist="23000" algn="bl" rotWithShape="0">
               <a:srgbClr val="000000">
-                <a:alpha val="38000"/>
+                <a:alpha val="40000"/>
               </a:srgbClr>
             </a:outerShdw>
           </a:effectLst>
         </a:effectStyle>
         <a:effectStyle>
           <a:effectLst>
-            <a:outerShdw blurRad="40000" dist="23000" dir="5400000" rotWithShape="0">
+            <a:outerShdw blurRad="38100" dist="19050" algn="bl" rotWithShape="0">
               <a:srgbClr val="000000">
-                <a:alpha val="35000"/>
-              </a:srgbClr>
-            </a:outerShdw>
-          </a:effectLst>
-        </a:effectStyle>
-        <a:effectStyle>
-          <a:effectLst>
-            <a:outerShdw blurRad="40000" dist="23000" dir="5400000" rotWithShape="0">
-              <a:srgbClr val="000000">
-                <a:alpha val="35000"/>
+                <a:alpha val="60000"/>
               </a:srgbClr>
             </a:outerShdw>
           </a:effectLst>
@@ -5604,12 +8282,10 @@
             <a:camera prst="orthographicFront">
               <a:rot lat="0" lon="0" rev="0"/>
             </a:camera>
-            <a:lightRig rig="threePt" dir="t">
-              <a:rot lat="0" lon="0" rev="1200000"/>
-            </a:lightRig>
+            <a:lightRig rig="balanced" dir="l"/>
           </a:scene3d>
-          <a:sp3d>
-            <a:bevelT w="63500" h="25400"/>
+          <a:sp3d prstMaterial="plastic">
+            <a:bevelT w="38100" h="31750"/>
           </a:sp3d>
         </a:effectStyle>
       </a:effectStyleLst>
@@ -5617,49 +8293,43 @@
         <a:solidFill>
           <a:schemeClr val="phClr"/>
         </a:solidFill>
+        <a:blipFill rotWithShape="1">
+          <a:blip xmlns:r="http://schemas.openxmlformats.org/officeDocument/2006/relationships" r:embed="rId1">
+            <a:duotone>
+              <a:schemeClr val="phClr">
+                <a:tint val="96000"/>
+              </a:schemeClr>
+              <a:schemeClr val="phClr">
+                <a:shade val="94000"/>
+              </a:schemeClr>
+            </a:duotone>
+          </a:blip>
+          <a:tile tx="0" ty="0" sx="100000" sy="100000" flip="none" algn="tl"/>
+        </a:blipFill>
         <a:gradFill rotWithShape="1">
           <a:gsLst>
             <a:gs pos="0">
               <a:schemeClr val="phClr">
-                <a:tint val="40000"/>
-                <a:satMod val="350000"/>
+                <a:tint val="84000"/>
+                <a:satMod val="110000"/>
               </a:schemeClr>
             </a:gs>
-            <a:gs pos="40000">
+            <a:gs pos="44000">
               <a:schemeClr val="phClr">
-                <a:tint val="45000"/>
-                <a:shade val="99000"/>
-                <a:satMod val="350000"/>
+                <a:tint val="93000"/>
+                <a:satMod val="115000"/>
               </a:schemeClr>
             </a:gs>
             <a:gs pos="100000">
               <a:schemeClr val="phClr">
-                <a:shade val="20000"/>
-                <a:satMod val="255000"/>
+                <a:tint val="100000"/>
+                <a:shade val="59000"/>
+                <a:satMod val="120000"/>
               </a:schemeClr>
             </a:gs>
           </a:gsLst>
           <a:path path="circle">
-            <a:fillToRect l="50000" t="-80000" r="50000" b="180000"/>
-          </a:path>
-        </a:gradFill>
-        <a:gradFill rotWithShape="1">
-          <a:gsLst>
-            <a:gs pos="0">
-              <a:schemeClr val="phClr">
-                <a:tint val="80000"/>
-                <a:satMod val="300000"/>
-              </a:schemeClr>
-            </a:gs>
-            <a:gs pos="100000">
-              <a:schemeClr val="phClr">
-                <a:shade val="30000"/>
-                <a:satMod val="200000"/>
-              </a:schemeClr>
-            </a:gs>
-          </a:gsLst>
-          <a:path path="circle">
-            <a:fillToRect l="50000" t="50000" r="50000" b="50000"/>
+            <a:fillToRect l="40000" t="60000" r="60000" b="40000"/>
           </a:path>
         </a:gradFill>
       </a:bgFillStyleLst>

--- a/Presentation Display/Trifold.pptx
+++ b/Presentation Display/Trifold.pptx
@@ -108,6 +108,22 @@
       </a:defRPr>
     </a:lvl9pPr>
   </p:defaultTextStyle>
+  <p:extLst>
+    <p:ext uri="{EFAFB233-063F-42B5-8137-9DF3F51BA10A}">
+      <p15:sldGuideLst xmlns:p15="http://schemas.microsoft.com/office/powerpoint/2012/main">
+        <p15:guide id="1" orient="horz" pos="2160">
+          <p15:clr>
+            <a:srgbClr val="A4A3A4"/>
+          </p15:clr>
+        </p15:guide>
+        <p15:guide id="2" pos="2880">
+          <p15:clr>
+            <a:srgbClr val="A4A3A4"/>
+          </p15:clr>
+        </p15:guide>
+      </p15:sldGuideLst>
+    </p:ext>
+  </p:extLst>
 </p:presentation>
 </file>
 
@@ -304,7 +320,7 @@
           <a:p>
             <a:fld id="{8011ADEE-8407-4121-A573-57C195DB20DA}" type="datetimeFigureOut">
               <a:rPr lang="en-US" smtClean="0"/>
-              <a:t>4/27/2014</a:t>
+              <a:t>4/30/2014</a:t>
             </a:fld>
             <a:endParaRPr lang="en-US"/>
           </a:p>
@@ -569,7 +585,7 @@
           <a:p>
             <a:fld id="{8011ADEE-8407-4121-A573-57C195DB20DA}" type="datetimeFigureOut">
               <a:rPr lang="en-US" smtClean="0"/>
-              <a:t>4/27/2014</a:t>
+              <a:t>4/30/2014</a:t>
             </a:fld>
             <a:endParaRPr lang="en-US"/>
           </a:p>
@@ -744,7 +760,7 @@
           <a:p>
             <a:fld id="{8011ADEE-8407-4121-A573-57C195DB20DA}" type="datetimeFigureOut">
               <a:rPr lang="en-US" smtClean="0"/>
-              <a:t>4/27/2014</a:t>
+              <a:t>4/30/2014</a:t>
             </a:fld>
             <a:endParaRPr lang="en-US"/>
           </a:p>
@@ -909,7 +925,7 @@
           <a:p>
             <a:fld id="{8011ADEE-8407-4121-A573-57C195DB20DA}" type="datetimeFigureOut">
               <a:rPr lang="en-US" smtClean="0"/>
-              <a:t>4/27/2014</a:t>
+              <a:t>4/30/2014</a:t>
             </a:fld>
             <a:endParaRPr lang="en-US"/>
           </a:p>
@@ -1158,7 +1174,7 @@
           <a:p>
             <a:fld id="{8011ADEE-8407-4121-A573-57C195DB20DA}" type="datetimeFigureOut">
               <a:rPr lang="en-US" smtClean="0"/>
-              <a:t>4/27/2014</a:t>
+              <a:t>4/30/2014</a:t>
             </a:fld>
             <a:endParaRPr lang="en-US"/>
           </a:p>
@@ -1441,7 +1457,7 @@
           <a:p>
             <a:fld id="{8011ADEE-8407-4121-A573-57C195DB20DA}" type="datetimeFigureOut">
               <a:rPr lang="en-US" smtClean="0"/>
-              <a:t>4/27/2014</a:t>
+              <a:t>4/30/2014</a:t>
             </a:fld>
             <a:endParaRPr lang="en-US"/>
           </a:p>
@@ -1880,7 +1896,7 @@
           <a:p>
             <a:fld id="{8011ADEE-8407-4121-A573-57C195DB20DA}" type="datetimeFigureOut">
               <a:rPr lang="en-US" smtClean="0"/>
-              <a:t>4/27/2014</a:t>
+              <a:t>4/30/2014</a:t>
             </a:fld>
             <a:endParaRPr lang="en-US"/>
           </a:p>
@@ -1993,7 +2009,7 @@
           <a:p>
             <a:fld id="{8011ADEE-8407-4121-A573-57C195DB20DA}" type="datetimeFigureOut">
               <a:rPr lang="en-US" smtClean="0"/>
-              <a:t>4/27/2014</a:t>
+              <a:t>4/30/2014</a:t>
             </a:fld>
             <a:endParaRPr lang="en-US"/>
           </a:p>
@@ -2083,7 +2099,7 @@
           <a:p>
             <a:fld id="{8011ADEE-8407-4121-A573-57C195DB20DA}" type="datetimeFigureOut">
               <a:rPr lang="en-US" smtClean="0"/>
-              <a:t>4/27/2014</a:t>
+              <a:t>4/30/2014</a:t>
             </a:fld>
             <a:endParaRPr lang="en-US"/>
           </a:p>
@@ -2325,7 +2341,7 @@
           <a:p>
             <a:fld id="{8011ADEE-8407-4121-A573-57C195DB20DA}" type="datetimeFigureOut">
               <a:rPr lang="en-US" smtClean="0"/>
-              <a:t>4/27/2014</a:t>
+              <a:t>4/30/2014</a:t>
             </a:fld>
             <a:endParaRPr lang="en-US"/>
           </a:p>
@@ -2619,7 +2635,7 @@
           <a:p>
             <a:fld id="{8011ADEE-8407-4121-A573-57C195DB20DA}" type="datetimeFigureOut">
               <a:rPr lang="en-US" smtClean="0"/>
-              <a:t>4/27/2014</a:t>
+              <a:t>4/30/2014</a:t>
             </a:fld>
             <a:endParaRPr lang="en-US"/>
           </a:p>
@@ -2913,7 +2929,7 @@
           <a:p>
             <a:fld id="{8011ADEE-8407-4121-A573-57C195DB20DA}" type="datetimeFigureOut">
               <a:rPr lang="en-US" smtClean="0"/>
-              <a:t>4/27/2014</a:t>
+              <a:t>4/30/2014</a:t>
             </a:fld>
             <a:endParaRPr lang="en-US"/>
           </a:p>
@@ -3483,50 +3499,6 @@
             <a:r>
               <a:rPr lang="en-US" dirty="0" smtClean="0"/>
               <a:t>Printer Pic</a:t>
-            </a:r>
-            <a:endParaRPr lang="en-US" dirty="0"/>
-          </a:p>
-        </p:txBody>
-      </p:sp>
-      <p:sp>
-        <p:nvSpPr>
-          <p:cNvPr id="10" name="Rectangle 9"/>
-          <p:cNvSpPr/>
-          <p:nvPr/>
-        </p:nvSpPr>
-        <p:spPr>
-          <a:xfrm>
-            <a:off x="38100" y="990600"/>
-            <a:ext cx="2112998" cy="1355850"/>
-          </a:xfrm>
-          <a:prstGeom prst="rect">
-            <a:avLst/>
-          </a:prstGeom>
-        </p:spPr>
-        <p:style>
-          <a:lnRef idx="2">
-            <a:schemeClr val="accent1">
-              <a:shade val="50000"/>
-            </a:schemeClr>
-          </a:lnRef>
-          <a:fillRef idx="1">
-            <a:schemeClr val="accent1"/>
-          </a:fillRef>
-          <a:effectRef idx="0">
-            <a:schemeClr val="accent1"/>
-          </a:effectRef>
-          <a:fontRef idx="minor">
-            <a:schemeClr val="lt1"/>
-          </a:fontRef>
-        </p:style>
-        <p:txBody>
-          <a:bodyPr rtlCol="0" anchor="ctr"/>
-          <a:lstStyle/>
-          <a:p>
-            <a:pPr algn="ctr"/>
-            <a:r>
-              <a:rPr lang="en-US" dirty="0" smtClean="0"/>
-              <a:t>Group Photo</a:t>
             </a:r>
             <a:endParaRPr lang="en-US" dirty="0"/>
           </a:p>
@@ -4832,11 +4804,7 @@
           <a:p>
             <a:r>
               <a:rPr lang="en-US" sz="2400" dirty="0" smtClean="0"/>
-              <a:t>Team </a:t>
-            </a:r>
-            <a:r>
-              <a:rPr lang="en-US" sz="2400" dirty="0" smtClean="0"/>
-              <a:t>Ink</a:t>
+              <a:t>Team Ink</a:t>
             </a:r>
             <a:r>
               <a:rPr lang="en-US" sz="2400" dirty="0" smtClean="0">
@@ -4855,11 +4823,7 @@
             </a:br>
             <a:r>
               <a:rPr lang="en-US" sz="1200" dirty="0" smtClean="0"/>
-              <a:t>3D P</a:t>
-            </a:r>
-            <a:r>
-              <a:rPr lang="en-US" sz="1200" dirty="0" smtClean="0"/>
-              <a:t>rinter Fabrication System</a:t>
+              <a:t>3D Printer Fabrication System</a:t>
             </a:r>
             <a:endParaRPr lang="en-US" sz="1200" dirty="0"/>
           </a:p>
@@ -5394,12 +5358,12 @@
           <a:graphicData uri="http://schemas.openxmlformats.org/presentationml/2006/ole">
             <mc:AlternateContent xmlns:mc="http://schemas.openxmlformats.org/markup-compatibility/2006">
               <mc:Choice xmlns:v="urn:schemas-microsoft-com:vml" Requires="v">
-                <p:oleObj spid="_x0000_s1033" name="Visio" r:id="rId8" imgW="7572367" imgH="8496360" progId="Visio.Drawing.15">
+                <p:oleObj spid="_x0000_s1034" name="Visio" r:id="rId9" imgW="7572367" imgH="8496360" progId="Visio.Drawing.15">
                   <p:embed/>
                 </p:oleObj>
               </mc:Choice>
               <mc:Fallback>
-                <p:oleObj name="Visio" r:id="rId8" imgW="7572367" imgH="8496360" progId="Visio.Drawing.15">
+                <p:oleObj name="Visio" r:id="rId9" imgW="7572367" imgH="8496360" progId="Visio.Drawing.15">
                   <p:embed/>
                   <p:pic>
                     <p:nvPicPr>
@@ -5410,7 +5374,7 @@
                       <p:nvPr/>
                     </p:nvPicPr>
                     <p:blipFill>
-                      <a:blip r:embed="rId9">
+                      <a:blip r:embed="rId10">
                         <a:extLst>
                           <a:ext uri="{28A0092B-C50C-407E-A947-70E740481C1C}">
                             <a14:useLocalDpi xmlns:a14="http://schemas.microsoft.com/office/drawing/2010/main" val="0"/>
@@ -6079,6 +6043,36 @@
           </a:graphicData>
         </a:graphic>
       </p:graphicFrame>
+      <p:pic>
+        <p:nvPicPr>
+          <p:cNvPr id="2" name="Picture 1"/>
+          <p:cNvPicPr>
+            <a:picLocks noChangeAspect="1"/>
+          </p:cNvPicPr>
+          <p:nvPr/>
+        </p:nvPicPr>
+        <p:blipFill>
+          <a:blip r:embed="rId11" cstate="print">
+            <a:extLst>
+              <a:ext uri="{28A0092B-C50C-407E-A947-70E740481C1C}">
+                <a14:useLocalDpi xmlns:a14="http://schemas.microsoft.com/office/drawing/2010/main" val="0"/>
+              </a:ext>
+            </a:extLst>
+          </a:blip>
+          <a:stretch>
+            <a:fillRect/>
+          </a:stretch>
+        </p:blipFill>
+        <p:spPr>
+          <a:xfrm>
+            <a:off x="77884" y="987151"/>
+            <a:ext cx="1992925" cy="1494694"/>
+          </a:xfrm>
+          <a:prstGeom prst="rect">
+            <a:avLst/>
+          </a:prstGeom>
+        </p:spPr>
+      </p:pic>
     </p:spTree>
     <p:extLst>
       <p:ext uri="{BB962C8B-B14F-4D97-AF65-F5344CB8AC3E}">

--- a/Presentation Display/Trifold.pptx
+++ b/Presentation Display/Trifold.pptx
@@ -12,7 +12,7 @@
     <p:sldId id="258" r:id="rId6"/>
   </p:sldIdLst>
   <p:sldSz cx="9144000" cy="6858000" type="screen4x3"/>
-  <p:notesSz cx="6858000" cy="9144000"/>
+  <p:notesSz cx="7010400" cy="9296400"/>
   <p:defaultTextStyle>
     <a:defPPr>
       <a:defRPr lang="en-US"/>
@@ -110,7 +110,7 @@
   </p:defaultTextStyle>
   <p:extLst>
     <p:ext uri="{EFAFB233-063F-42B5-8137-9DF3F51BA10A}">
-      <p15:sldGuideLst xmlns:p15="http://schemas.microsoft.com/office/powerpoint/2012/main">
+      <p15:sldGuideLst xmlns:p15="http://schemas.microsoft.com/office/powerpoint/2012/main" xmlns="">
         <p15:guide id="1" orient="horz" pos="2160">
           <p15:clr>
             <a:srgbClr val="A4A3A4"/>
@@ -3422,8 +3422,8 @@
         </p:nvSpPr>
         <p:spPr>
           <a:xfrm>
-            <a:off x="2151097" y="4354091"/>
-            <a:ext cx="2379069" cy="2503909"/>
+            <a:off x="2285999" y="4354091"/>
+            <a:ext cx="2244167" cy="2503909"/>
           </a:xfrm>
           <a:prstGeom prst="rect">
             <a:avLst/>
@@ -3468,7 +3468,7 @@
         </p:nvSpPr>
         <p:spPr>
           <a:xfrm>
-            <a:off x="2819400" y="5606045"/>
+            <a:off x="2819400" y="5745297"/>
             <a:ext cx="1524000" cy="1023355"/>
           </a:xfrm>
           <a:prstGeom prst="rect">
@@ -3512,8 +3512,8 @@
         </p:nvGrpSpPr>
         <p:grpSpPr>
           <a:xfrm>
-            <a:off x="4530167" y="990600"/>
-            <a:ext cx="2379069" cy="3000280"/>
+            <a:off x="4530168" y="990600"/>
+            <a:ext cx="2379068" cy="3000280"/>
             <a:chOff x="4530167" y="990600"/>
             <a:chExt cx="2379069" cy="2961301"/>
           </a:xfrm>
@@ -3701,8 +3701,8 @@
         </p:nvGrpSpPr>
         <p:grpSpPr>
           <a:xfrm>
-            <a:off x="4530166" y="3990880"/>
-            <a:ext cx="2379069" cy="2867120"/>
+            <a:off x="4530167" y="3990880"/>
+            <a:ext cx="2379068" cy="2867120"/>
             <a:chOff x="4530166" y="3990880"/>
             <a:chExt cx="2379069" cy="2867120"/>
           </a:xfrm>
@@ -3891,14 +3891,14 @@
           <p:nvPr>
             <p:extLst>
               <p:ext uri="{D42A27DB-BD31-4B8C-83A1-F6EECF244321}">
-                <p14:modId xmlns:p14="http://schemas.microsoft.com/office/powerpoint/2010/main" val="3698545019"/>
+                <p14:modId xmlns:p14="http://schemas.microsoft.com/office/powerpoint/2010/main" val="2677771258"/>
               </p:ext>
             </p:extLst>
           </p:nvPr>
         </p:nvGraphicFramePr>
         <p:xfrm>
-          <a:off x="50334" y="2471250"/>
-          <a:ext cx="2088530" cy="2278380"/>
+          <a:off x="37594" y="2743199"/>
+          <a:ext cx="2155682" cy="2278380"/>
         </p:xfrm>
         <a:graphic>
           <a:graphicData uri="http://schemas.openxmlformats.org/drawingml/2006/table">
@@ -3907,9 +3907,9 @@
                 <a:tableStyleId>{5C22544A-7EE6-4342-B048-85BDC9FD1C3A}</a:tableStyleId>
               </a:tblPr>
               <a:tblGrid>
-                <a:gridCol w="778244"/>
-                <a:gridCol w="551997"/>
-                <a:gridCol w="758289"/>
+                <a:gridCol w="803267"/>
+                <a:gridCol w="569745"/>
+                <a:gridCol w="782670"/>
               </a:tblGrid>
               <a:tr h="139557">
                 <a:tc>
@@ -4326,12 +4326,12 @@
                         </a:spcAft>
                       </a:pPr>
                       <a:r>
-                        <a:rPr lang="en-US" sz="500">
+                        <a:rPr lang="en-US" sz="500" dirty="0">
                           <a:effectLst/>
                         </a:rPr>
                         <a:t>Software Engineering Lead</a:t>
                       </a:r>
-                      <a:endParaRPr lang="en-US" sz="500">
+                      <a:endParaRPr lang="en-US" sz="500" dirty="0">
                         <a:effectLst/>
                         <a:latin typeface="Times New Roman"/>
                         <a:ea typeface="Times New Roman"/>
@@ -4609,14 +4609,14 @@
           <p:nvPr>
             <p:extLst>
               <p:ext uri="{D42A27DB-BD31-4B8C-83A1-F6EECF244321}">
-                <p14:modId xmlns:p14="http://schemas.microsoft.com/office/powerpoint/2010/main" val="2454828749"/>
+                <p14:modId xmlns:p14="http://schemas.microsoft.com/office/powerpoint/2010/main" val="1588777095"/>
               </p:ext>
             </p:extLst>
           </p:nvPr>
         </p:nvGraphicFramePr>
         <p:xfrm>
-          <a:off x="40106" y="4953000"/>
-          <a:ext cx="2093494" cy="1679136"/>
+          <a:off x="37592" y="5089516"/>
+          <a:ext cx="2172207" cy="1679136"/>
         </p:xfrm>
         <a:graphic>
           <a:graphicData uri="http://schemas.openxmlformats.org/drawingml/2006/table">
@@ -4625,7 +4625,7 @@
                 <a:tableStyleId>{5C22544A-7EE6-4342-B048-85BDC9FD1C3A}</a:tableStyleId>
               </a:tblPr>
               <a:tblGrid>
-                <a:gridCol w="2093494"/>
+                <a:gridCol w="2172207"/>
               </a:tblGrid>
               <a:tr h="164903">
                 <a:tc>
@@ -4837,8 +4837,8 @@
         </p:nvSpPr>
         <p:spPr>
           <a:xfrm>
-            <a:off x="2151098" y="990600"/>
-            <a:ext cx="2379069" cy="1752600"/>
+            <a:off x="2286000" y="990600"/>
+            <a:ext cx="2244167" cy="1752600"/>
           </a:xfrm>
           <a:prstGeom prst="rect">
             <a:avLst/>
@@ -4883,8 +4883,8 @@
         </p:nvSpPr>
         <p:spPr>
           <a:xfrm>
-            <a:off x="2151098" y="990600"/>
-            <a:ext cx="2379069" cy="333402"/>
+            <a:off x="2286000" y="990600"/>
+            <a:ext cx="2244167" cy="333402"/>
           </a:xfrm>
           <a:prstGeom prst="rect">
             <a:avLst/>
@@ -4986,8 +4986,8 @@
         </p:nvSpPr>
         <p:spPr>
           <a:xfrm>
-            <a:off x="2151098" y="2743199"/>
-            <a:ext cx="2379069" cy="1606079"/>
+            <a:off x="2286000" y="2743199"/>
+            <a:ext cx="2244167" cy="1606079"/>
           </a:xfrm>
           <a:prstGeom prst="rect">
             <a:avLst/>
@@ -5032,8 +5032,8 @@
         </p:nvSpPr>
         <p:spPr>
           <a:xfrm>
-            <a:off x="2168055" y="2743200"/>
-            <a:ext cx="2362112" cy="333402"/>
+            <a:off x="2286000" y="2743200"/>
+            <a:ext cx="2244166" cy="333402"/>
           </a:xfrm>
           <a:prstGeom prst="rect">
             <a:avLst/>
@@ -5081,8 +5081,8 @@
         </p:nvSpPr>
         <p:spPr>
           <a:xfrm>
-            <a:off x="2168056" y="3221072"/>
-            <a:ext cx="2362111" cy="1092607"/>
+            <a:off x="2362200" y="3221072"/>
+            <a:ext cx="2167967" cy="1169551"/>
           </a:xfrm>
           <a:prstGeom prst="rect">
             <a:avLst/>
@@ -5152,7 +5152,7 @@
         </p:blipFill>
         <p:spPr bwMode="auto">
           <a:xfrm>
-            <a:off x="2227767" y="4800600"/>
+            <a:off x="2362200" y="4800600"/>
             <a:ext cx="1586605" cy="1083938"/>
           </a:xfrm>
           <a:prstGeom prst="rect">
@@ -5201,8 +5201,8 @@
         </p:nvSpPr>
         <p:spPr>
           <a:xfrm>
-            <a:off x="2151097" y="4354091"/>
-            <a:ext cx="2379069" cy="281906"/>
+            <a:off x="2286000" y="4354091"/>
+            <a:ext cx="2244166" cy="281906"/>
           </a:xfrm>
           <a:prstGeom prst="rect">
             <a:avLst/>
@@ -5358,7 +5358,7 @@
           <a:graphicData uri="http://schemas.openxmlformats.org/presentationml/2006/ole">
             <mc:AlternateContent xmlns:mc="http://schemas.openxmlformats.org/markup-compatibility/2006">
               <mc:Choice xmlns:v="urn:schemas-microsoft-com:vml" Requires="v">
-                <p:oleObj spid="_x0000_s1034" name="Visio" r:id="rId9" imgW="7572367" imgH="8496360" progId="Visio.Drawing.15">
+                <p:oleObj spid="_x0000_s1035" name="Visio" r:id="rId9" imgW="7572367" imgH="8496360" progId="Visio.Drawing.15">
                   <p:embed/>
                 </p:oleObj>
               </mc:Choice>
@@ -6065,8 +6065,8 @@
         </p:blipFill>
         <p:spPr>
           <a:xfrm>
-            <a:off x="77884" y="987151"/>
-            <a:ext cx="1992925" cy="1494694"/>
+            <a:off x="37593" y="1003434"/>
+            <a:ext cx="2134477" cy="1600858"/>
           </a:xfrm>
           <a:prstGeom prst="rect">
             <a:avLst/>

--- a/Presentation Display/Trifold.pptx
+++ b/Presentation Display/Trifold.pptx
@@ -110,7 +110,7 @@
   </p:defaultTextStyle>
   <p:extLst>
     <p:ext uri="{EFAFB233-063F-42B5-8137-9DF3F51BA10A}">
-      <p15:sldGuideLst xmlns:p15="http://schemas.microsoft.com/office/powerpoint/2012/main" xmlns="">
+      <p15:sldGuideLst xmlns="" xmlns:p15="http://schemas.microsoft.com/office/powerpoint/2012/main">
         <p15:guide id="1" orient="horz" pos="2160">
           <p15:clr>
             <a:srgbClr val="A4A3A4"/>
@@ -3416,14 +3416,110 @@
       </p:grpSpPr>
       <p:sp>
         <p:nvSpPr>
+          <p:cNvPr id="5" name="Rectangle 4"/>
+          <p:cNvSpPr/>
+          <p:nvPr/>
+        </p:nvSpPr>
+        <p:spPr>
+          <a:xfrm>
+            <a:off x="6310" y="8609"/>
+            <a:ext cx="127152" cy="994825"/>
+          </a:xfrm>
+          <a:prstGeom prst="rect">
+            <a:avLst/>
+          </a:prstGeom>
+          <a:solidFill>
+            <a:schemeClr val="tx1"/>
+          </a:solidFill>
+          <a:ln>
+            <a:solidFill>
+              <a:schemeClr val="tx1"/>
+            </a:solidFill>
+          </a:ln>
+        </p:spPr>
+        <p:style>
+          <a:lnRef idx="2">
+            <a:schemeClr val="accent1">
+              <a:shade val="50000"/>
+            </a:schemeClr>
+          </a:lnRef>
+          <a:fillRef idx="1">
+            <a:schemeClr val="accent1"/>
+          </a:fillRef>
+          <a:effectRef idx="0">
+            <a:schemeClr val="accent1"/>
+          </a:effectRef>
+          <a:fontRef idx="minor">
+            <a:schemeClr val="lt1"/>
+          </a:fontRef>
+        </p:style>
+        <p:txBody>
+          <a:bodyPr rtlCol="0" anchor="ctr"/>
+          <a:lstStyle/>
+          <a:p>
+            <a:pPr algn="ctr"/>
+            <a:endParaRPr lang="en-US"/>
+          </a:p>
+        </p:txBody>
+      </p:sp>
+      <p:sp>
+        <p:nvSpPr>
+          <p:cNvPr id="4" name="Rectangle 3"/>
+          <p:cNvSpPr/>
+          <p:nvPr/>
+        </p:nvSpPr>
+        <p:spPr>
+          <a:xfrm flipH="1">
+            <a:off x="8991599" y="12834"/>
+            <a:ext cx="45719" cy="977766"/>
+          </a:xfrm>
+          <a:prstGeom prst="rect">
+            <a:avLst/>
+          </a:prstGeom>
+          <a:solidFill>
+            <a:srgbClr val="FF0000"/>
+          </a:solidFill>
+          <a:ln>
+            <a:solidFill>
+              <a:srgbClr val="FF0000"/>
+            </a:solidFill>
+          </a:ln>
+        </p:spPr>
+        <p:style>
+          <a:lnRef idx="2">
+            <a:schemeClr val="accent1">
+              <a:shade val="50000"/>
+            </a:schemeClr>
+          </a:lnRef>
+          <a:fillRef idx="1">
+            <a:schemeClr val="accent1"/>
+          </a:fillRef>
+          <a:effectRef idx="0">
+            <a:schemeClr val="accent1"/>
+          </a:effectRef>
+          <a:fontRef idx="minor">
+            <a:schemeClr val="lt1"/>
+          </a:fontRef>
+        </p:style>
+        <p:txBody>
+          <a:bodyPr rtlCol="0" anchor="ctr"/>
+          <a:lstStyle/>
+          <a:p>
+            <a:pPr algn="ctr"/>
+            <a:endParaRPr lang="en-US"/>
+          </a:p>
+        </p:txBody>
+      </p:sp>
+      <p:sp>
+        <p:nvSpPr>
           <p:cNvPr id="53" name="Rectangle 52"/>
           <p:cNvSpPr/>
           <p:nvPr/>
         </p:nvSpPr>
         <p:spPr>
           <a:xfrm>
-            <a:off x="2285999" y="4354091"/>
-            <a:ext cx="2244167" cy="2503909"/>
+            <a:off x="2286000" y="4354091"/>
+            <a:ext cx="2244166" cy="2503909"/>
           </a:xfrm>
           <a:prstGeom prst="rect">
             <a:avLst/>
@@ -3457,50 +3553,6 @@
           <a:p>
             <a:pPr algn="ctr"/>
             <a:endParaRPr lang="en-US"/>
-          </a:p>
-        </p:txBody>
-      </p:sp>
-      <p:sp>
-        <p:nvSpPr>
-          <p:cNvPr id="46" name="Rectangle 45"/>
-          <p:cNvSpPr/>
-          <p:nvPr/>
-        </p:nvSpPr>
-        <p:spPr>
-          <a:xfrm>
-            <a:off x="2819400" y="5745297"/>
-            <a:ext cx="1524000" cy="1023355"/>
-          </a:xfrm>
-          <a:prstGeom prst="rect">
-            <a:avLst/>
-          </a:prstGeom>
-        </p:spPr>
-        <p:style>
-          <a:lnRef idx="2">
-            <a:schemeClr val="accent1">
-              <a:shade val="50000"/>
-            </a:schemeClr>
-          </a:lnRef>
-          <a:fillRef idx="1">
-            <a:schemeClr val="accent1"/>
-          </a:fillRef>
-          <a:effectRef idx="0">
-            <a:schemeClr val="accent1"/>
-          </a:effectRef>
-          <a:fontRef idx="minor">
-            <a:schemeClr val="lt1"/>
-          </a:fontRef>
-        </p:style>
-        <p:txBody>
-          <a:bodyPr rtlCol="0" anchor="ctr"/>
-          <a:lstStyle/>
-          <a:p>
-            <a:pPr algn="ctr"/>
-            <a:r>
-              <a:rPr lang="en-US" dirty="0" smtClean="0"/>
-              <a:t>Printer Pic</a:t>
-            </a:r>
-            <a:endParaRPr lang="en-US" dirty="0"/>
           </a:p>
         </p:txBody>
       </p:sp>
@@ -3891,14 +3943,14 @@
           <p:nvPr>
             <p:extLst>
               <p:ext uri="{D42A27DB-BD31-4B8C-83A1-F6EECF244321}">
-                <p14:modId xmlns:p14="http://schemas.microsoft.com/office/powerpoint/2010/main" val="2677771258"/>
+                <p14:modId xmlns:p14="http://schemas.microsoft.com/office/powerpoint/2010/main" val="3876931322"/>
               </p:ext>
             </p:extLst>
           </p:nvPr>
         </p:nvGraphicFramePr>
         <p:xfrm>
           <a:off x="37594" y="2743199"/>
-          <a:ext cx="2155682" cy="2278380"/>
+          <a:ext cx="2155682" cy="2291224"/>
         </p:xfrm>
         <a:graphic>
           <a:graphicData uri="http://schemas.openxmlformats.org/drawingml/2006/table">
@@ -3911,7 +3963,7 @@
                 <a:gridCol w="569745"/>
                 <a:gridCol w="782670"/>
               </a:tblGrid>
-              <a:tr h="139557">
+              <a:tr h="152401">
                 <a:tc>
                   <a:txBody>
                     <a:bodyPr/>
@@ -4262,16 +4314,10 @@
                         </a:rPr>
                       </a:br>
                       <a:r>
-                        <a:rPr lang="en-US" sz="500" dirty="0" err="1" smtClean="0">
-                          <a:effectLst/>
-                        </a:rPr>
-                        <a:t>Hardware</a:t>
-                      </a:r>
-                      <a:r>
                         <a:rPr lang="en-US" sz="500" dirty="0" smtClean="0">
                           <a:effectLst/>
                         </a:rPr>
-                        <a:t> Development</a:t>
+                        <a:t>Hardware Development</a:t>
                       </a:r>
                       <a:br>
                         <a:rPr lang="en-US" sz="500" dirty="0" smtClean="0">
@@ -4750,36 +4796,6 @@
           </a:graphicData>
         </a:graphic>
       </p:graphicFrame>
-      <p:pic>
-        <p:nvPicPr>
-          <p:cNvPr id="15" name="Picture 14"/>
-          <p:cNvPicPr>
-            <a:picLocks noChangeAspect="1"/>
-          </p:cNvPicPr>
-          <p:nvPr/>
-        </p:nvPicPr>
-        <p:blipFill>
-          <a:blip r:embed="rId5" cstate="print">
-            <a:extLst>
-              <a:ext uri="{28A0092B-C50C-407E-A947-70E740481C1C}">
-                <a14:useLocalDpi xmlns:a14="http://schemas.microsoft.com/office/drawing/2010/main" val="0"/>
-              </a:ext>
-            </a:extLst>
-          </a:blip>
-          <a:stretch>
-            <a:fillRect/>
-          </a:stretch>
-        </p:blipFill>
-        <p:spPr>
-          <a:xfrm>
-            <a:off x="3610" y="0"/>
-            <a:ext cx="3263147" cy="609599"/>
-          </a:xfrm>
-          <a:prstGeom prst="rect">
-            <a:avLst/>
-          </a:prstGeom>
-        </p:spPr>
-      </p:pic>
       <p:sp>
         <p:nvSpPr>
           <p:cNvPr id="22" name="Title 1"/>
@@ -4792,8 +4808,8 @@
         </p:nvSpPr>
         <p:spPr>
           <a:xfrm>
-            <a:off x="3155870" y="46661"/>
-            <a:ext cx="2748594" cy="789260"/>
+            <a:off x="2652793" y="257726"/>
+            <a:ext cx="3754750" cy="745707"/>
           </a:xfrm>
         </p:spPr>
         <p:txBody>
@@ -4802,30 +4818,16 @@
           </a:bodyPr>
           <a:lstStyle/>
           <a:p>
+            <a:pPr algn="ctr"/>
             <a:r>
-              <a:rPr lang="en-US" sz="2400" dirty="0" smtClean="0"/>
-              <a:t>Team Ink</a:t>
+              <a:rPr lang="en-US" sz="2200" dirty="0" smtClean="0"/>
+              <a:t>3D </a:t>
             </a:r>
             <a:r>
-              <a:rPr lang="en-US" sz="2400" dirty="0" smtClean="0">
-                <a:solidFill>
-                  <a:srgbClr val="FF0000"/>
-                </a:solidFill>
-              </a:rPr>
-              <a:t>3D</a:t>
+              <a:rPr lang="en-US" sz="2200" dirty="0" smtClean="0"/>
+              <a:t>Printer Fabrication System</a:t>
             </a:r>
-            <a:r>
-              <a:rPr lang="en-US" dirty="0"/>
-              <a:t/>
-            </a:r>
-            <a:br>
-              <a:rPr lang="en-US" dirty="0"/>
-            </a:br>
-            <a:r>
-              <a:rPr lang="en-US" sz="1200" dirty="0" smtClean="0"/>
-              <a:t>3D Printer Fabrication System</a:t>
-            </a:r>
-            <a:endParaRPr lang="en-US" sz="1200" dirty="0"/>
+            <a:endParaRPr lang="en-US" sz="2200" dirty="0"/>
           </a:p>
         </p:txBody>
       </p:sp>
@@ -4838,7 +4840,7 @@
         <p:spPr>
           <a:xfrm>
             <a:off x="2286000" y="990600"/>
-            <a:ext cx="2244167" cy="1752600"/>
+            <a:ext cx="2244168" cy="1752600"/>
           </a:xfrm>
           <a:prstGeom prst="rect">
             <a:avLst/>
@@ -4933,7 +4935,7 @@
           <p:nvPr/>
         </p:nvPicPr>
         <p:blipFill>
-          <a:blip r:embed="rId6" cstate="print">
+          <a:blip r:embed="rId5" cstate="print">
             <a:extLst>
               <a:ext uri="{28A0092B-C50C-407E-A947-70E740481C1C}">
                 <a14:useLocalDpi xmlns:a14="http://schemas.microsoft.com/office/drawing/2010/main" val="0"/>
@@ -4987,7 +4989,7 @@
         <p:spPr>
           <a:xfrm>
             <a:off x="2286000" y="2743199"/>
-            <a:ext cx="2244167" cy="1606079"/>
+            <a:ext cx="2244168" cy="1606079"/>
           </a:xfrm>
           <a:prstGeom prst="rect">
             <a:avLst/>
@@ -5081,7 +5083,7 @@
         </p:nvSpPr>
         <p:spPr>
           <a:xfrm>
-            <a:off x="2362200" y="3221072"/>
+            <a:off x="2362199" y="3144128"/>
             <a:ext cx="2167967" cy="1169551"/>
           </a:xfrm>
           <a:prstGeom prst="rect">
@@ -5138,7 +5140,7 @@
           <p:nvPr/>
         </p:nvPicPr>
         <p:blipFill>
-          <a:blip r:embed="rId7" cstate="print">
+          <a:blip r:embed="rId6" cstate="print">
             <a:extLst>
               <a:ext uri="{28A0092B-C50C-407E-A947-70E740481C1C}">
                 <a14:useLocalDpi xmlns:a14="http://schemas.microsoft.com/office/drawing/2010/main" val="0"/>
@@ -5152,7 +5154,7 @@
         </p:blipFill>
         <p:spPr bwMode="auto">
           <a:xfrm>
-            <a:off x="2362200" y="4800600"/>
+            <a:off x="2362199" y="4756762"/>
             <a:ext cx="1586605" cy="1083938"/>
           </a:xfrm>
           <a:prstGeom prst="rect">
@@ -5358,12 +5360,12 @@
           <a:graphicData uri="http://schemas.openxmlformats.org/presentationml/2006/ole">
             <mc:AlternateContent xmlns:mc="http://schemas.openxmlformats.org/markup-compatibility/2006">
               <mc:Choice xmlns:v="urn:schemas-microsoft-com:vml" Requires="v">
-                <p:oleObj spid="_x0000_s1035" name="Visio" r:id="rId9" imgW="7572367" imgH="8496360" progId="Visio.Drawing.15">
+                <p:oleObj spid="_x0000_s1040" name="Visio" r:id="rId7" imgW="7572367" imgH="8496360" progId="Visio.Drawing.15">
                   <p:embed/>
                 </p:oleObj>
               </mc:Choice>
               <mc:Fallback>
-                <p:oleObj name="Visio" r:id="rId9" imgW="7572367" imgH="8496360" progId="Visio.Drawing.15">
+                <p:oleObj name="Visio" r:id="rId7" imgW="7572367" imgH="8496360" progId="Visio.Drawing.15">
                   <p:embed/>
                   <p:pic>
                     <p:nvPicPr>
@@ -5374,7 +5376,7 @@
                       <p:nvPr/>
                     </p:nvPicPr>
                     <p:blipFill>
-                      <a:blip r:embed="rId10">
+                      <a:blip r:embed="rId8">
                         <a:extLst>
                           <a:ext uri="{28A0092B-C50C-407E-A947-70E740481C1C}">
                             <a14:useLocalDpi xmlns:a14="http://schemas.microsoft.com/office/drawing/2010/main" val="0"/>
@@ -5415,7 +5417,7 @@
           <p:nvPr>
             <p:extLst>
               <p:ext uri="{D42A27DB-BD31-4B8C-83A1-F6EECF244321}">
-                <p14:modId xmlns:p14="http://schemas.microsoft.com/office/powerpoint/2010/main" val="1037755224"/>
+                <p14:modId xmlns:p14="http://schemas.microsoft.com/office/powerpoint/2010/main" val="466097906"/>
               </p:ext>
             </p:extLst>
           </p:nvPr>
@@ -5593,14 +5595,14 @@
                       <a:pPr algn="ctr"/>
                       <a:r>
                         <a:rPr lang="en-US" sz="500" b="1" dirty="0" smtClean="0"/>
-                        <a:t>Partially Completed</a:t>
+                        <a:t>Completed</a:t>
                       </a:r>
                       <a:endParaRPr lang="en-US" sz="500" b="1" dirty="0"/>
                     </a:p>
                   </a:txBody>
                   <a:tcPr>
                     <a:solidFill>
-                      <a:srgbClr val="FFFF00"/>
+                      <a:srgbClr val="00B050"/>
                     </a:solidFill>
                   </a:tcPr>
                 </a:tc>
@@ -6046,6 +6048,157 @@
       <p:pic>
         <p:nvPicPr>
           <p:cNvPr id="2" name="Picture 1"/>
+          <p:cNvPicPr>
+            <a:picLocks noChangeAspect="1"/>
+          </p:cNvPicPr>
+          <p:nvPr/>
+        </p:nvPicPr>
+        <p:blipFill>
+          <a:blip r:embed="rId9" cstate="print">
+            <a:extLst>
+              <a:ext uri="{28A0092B-C50C-407E-A947-70E740481C1C}">
+                <a14:useLocalDpi xmlns:a14="http://schemas.microsoft.com/office/drawing/2010/main" val="0"/>
+              </a:ext>
+            </a:extLst>
+          </a:blip>
+          <a:stretch>
+            <a:fillRect/>
+          </a:stretch>
+        </p:blipFill>
+        <p:spPr>
+          <a:xfrm>
+            <a:off x="6310" y="1003434"/>
+            <a:ext cx="2165759" cy="1624320"/>
+          </a:xfrm>
+          <a:prstGeom prst="rect">
+            <a:avLst/>
+          </a:prstGeom>
+        </p:spPr>
+      </p:pic>
+      <p:sp>
+        <p:nvSpPr>
+          <p:cNvPr id="3" name="TextBox 2"/>
+          <p:cNvSpPr txBox="1"/>
+          <p:nvPr/>
+        </p:nvSpPr>
+        <p:spPr>
+          <a:xfrm>
+            <a:off x="2715929" y="131556"/>
+            <a:ext cx="1981200" cy="261610"/>
+          </a:xfrm>
+          <a:prstGeom prst="rect">
+            <a:avLst/>
+          </a:prstGeom>
+          <a:noFill/>
+        </p:spPr>
+        <p:txBody>
+          <a:bodyPr wrap="square" rtlCol="0">
+            <a:spAutoFit/>
+          </a:bodyPr>
+          <a:lstStyle/>
+          <a:p>
+            <a:r>
+              <a:rPr lang="en-US" sz="1100" dirty="0">
+                <a:latin typeface="+mj-lt"/>
+              </a:rPr>
+              <a:t>Team Ink</a:t>
+            </a:r>
+            <a:r>
+              <a:rPr lang="en-US" sz="1100" dirty="0">
+                <a:solidFill>
+                  <a:srgbClr val="FF0000"/>
+                </a:solidFill>
+                <a:latin typeface="+mj-lt"/>
+              </a:rPr>
+              <a:t>3D</a:t>
+            </a:r>
+            <a:endParaRPr lang="en-US" sz="1100" dirty="0">
+              <a:latin typeface="+mj-lt"/>
+            </a:endParaRPr>
+          </a:p>
+        </p:txBody>
+      </p:sp>
+      <p:sp>
+        <p:nvSpPr>
+          <p:cNvPr id="39" name="Rectangle 38"/>
+          <p:cNvSpPr/>
+          <p:nvPr/>
+        </p:nvSpPr>
+        <p:spPr>
+          <a:xfrm flipH="1">
+            <a:off x="110603" y="8673"/>
+            <a:ext cx="45719" cy="977766"/>
+          </a:xfrm>
+          <a:prstGeom prst="rect">
+            <a:avLst/>
+          </a:prstGeom>
+          <a:solidFill>
+            <a:srgbClr val="FF0000"/>
+          </a:solidFill>
+          <a:ln>
+            <a:solidFill>
+              <a:srgbClr val="FF0000"/>
+            </a:solidFill>
+          </a:ln>
+        </p:spPr>
+        <p:style>
+          <a:lnRef idx="2">
+            <a:schemeClr val="accent1">
+              <a:shade val="50000"/>
+            </a:schemeClr>
+          </a:lnRef>
+          <a:fillRef idx="1">
+            <a:schemeClr val="accent1"/>
+          </a:fillRef>
+          <a:effectRef idx="0">
+            <a:schemeClr val="accent1"/>
+          </a:effectRef>
+          <a:fontRef idx="minor">
+            <a:schemeClr val="lt1"/>
+          </a:fontRef>
+        </p:style>
+        <p:txBody>
+          <a:bodyPr rtlCol="0" anchor="ctr"/>
+          <a:lstStyle/>
+          <a:p>
+            <a:pPr algn="ctr"/>
+            <a:endParaRPr lang="en-US"/>
+          </a:p>
+        </p:txBody>
+      </p:sp>
+      <p:pic>
+        <p:nvPicPr>
+          <p:cNvPr id="6" name="Picture 5"/>
+          <p:cNvPicPr>
+            <a:picLocks noChangeAspect="1"/>
+          </p:cNvPicPr>
+          <p:nvPr/>
+        </p:nvPicPr>
+        <p:blipFill>
+          <a:blip r:embed="rId10" cstate="print">
+            <a:extLst>
+              <a:ext uri="{28A0092B-C50C-407E-A947-70E740481C1C}">
+                <a14:useLocalDpi xmlns:a14="http://schemas.microsoft.com/office/drawing/2010/main" val="0"/>
+              </a:ext>
+            </a:extLst>
+          </a:blip>
+          <a:stretch>
+            <a:fillRect/>
+          </a:stretch>
+        </p:blipFill>
+        <p:spPr>
+          <a:xfrm>
+            <a:off x="186802" y="12834"/>
+            <a:ext cx="2529128" cy="456593"/>
+          </a:xfrm>
+          <a:prstGeom prst="rect">
+            <a:avLst/>
+          </a:prstGeom>
+        </p:spPr>
+      </p:pic>
+      <p:pic>
+        <p:nvPicPr>
+          <p:cNvPr id="7" name="Picture 6"/>
           <p:cNvPicPr>
             <a:picLocks noChangeAspect="1"/>
           </p:cNvPicPr>
@@ -6065,8 +6218,8 @@
         </p:blipFill>
         <p:spPr>
           <a:xfrm>
-            <a:off x="37593" y="1003434"/>
-            <a:ext cx="2134477" cy="1600858"/>
+            <a:off x="2728993" y="5680875"/>
+            <a:ext cx="1644755" cy="910317"/>
           </a:xfrm>
           <a:prstGeom prst="rect">
             <a:avLst/>
@@ -6802,7 +6955,7 @@
             <p:ph idx="1"/>
             <p:extLst>
               <p:ext uri="{D42A27DB-BD31-4B8C-83A1-F6EECF244321}">
-                <p14:modId xmlns:p14="http://schemas.microsoft.com/office/powerpoint/2010/main" val="4100553158"/>
+                <p14:modId xmlns:p14="http://schemas.microsoft.com/office/powerpoint/2010/main" val="93288738"/>
               </p:ext>
             </p:extLst>
           </p:nvPr>
@@ -6906,14 +7059,14 @@
                       <a:pPr algn="ctr"/>
                       <a:r>
                         <a:rPr lang="en-US" b="1" dirty="0" smtClean="0"/>
-                        <a:t>Partially Completed</a:t>
+                        <a:t>Completed</a:t>
                       </a:r>
                       <a:endParaRPr lang="en-US" b="1" dirty="0"/>
                     </a:p>
                   </a:txBody>
                   <a:tcPr>
                     <a:solidFill>
-                      <a:srgbClr val="FFFF00"/>
+                      <a:srgbClr val="00B050"/>
                     </a:solidFill>
                   </a:tcPr>
                 </a:tc>
@@ -7240,7 +7393,7 @@
           <p:nvPr>
             <p:extLst>
               <p:ext uri="{D42A27DB-BD31-4B8C-83A1-F6EECF244321}">
-                <p14:modId xmlns:p14="http://schemas.microsoft.com/office/powerpoint/2010/main" val="2800280732"/>
+                <p14:modId xmlns:p14="http://schemas.microsoft.com/office/powerpoint/2010/main" val="3818212224"/>
               </p:ext>
             </p:extLst>
           </p:nvPr>
@@ -7418,14 +7571,14 @@
                       <a:pPr algn="ctr"/>
                       <a:r>
                         <a:rPr lang="en-US" sz="600" b="1" dirty="0" smtClean="0"/>
-                        <a:t>Partially Completed</a:t>
+                        <a:t>Completed</a:t>
                       </a:r>
                       <a:endParaRPr lang="en-US" sz="600" b="1" dirty="0"/>
                     </a:p>
                   </a:txBody>
                   <a:tcPr>
                     <a:solidFill>
-                      <a:srgbClr val="FFFF00"/>
+                      <a:srgbClr val="00B050"/>
                     </a:solidFill>
                   </a:tcPr>
                 </a:tc>
